--- a/Courses/Software-Sciences/Module-1-OOP-New/02-Conditional-Statements-Basics/02-Conditional-Statements-Basics.pptx
+++ b/Courses/Software-Sciences/Module-1-OOP-New/02-Conditional-Statements-Basics/02-Conditional-Statements-Basics.pptx
@@ -335,7 +335,7 @@
           <a:p>
             <a:fld id="{4E087215-0C8F-4762-A664-737A353EC9A4}" type="datetimeFigureOut">
               <a:rPr lang="bg-BG" smtClean="0"/>
-              <a:t>22.12.22 г.</a:t>
+              <a:t>18.01.23 г.</a:t>
             </a:fld>
             <a:endParaRPr lang="bg-BG" dirty="0"/>
           </a:p>
@@ -526,7 +526,7 @@
           <a:p>
             <a:fld id="{72D84649-876A-46C9-8472-14CB09C070D8}" type="datetimeFigureOut">
               <a:rPr lang="en-US" smtClean="0"/>
-              <a:t>12/22/22</a:t>
+              <a:t>1/18/23</a:t>
             </a:fld>
             <a:endParaRPr lang="en-US" dirty="0"/>
           </a:p>
@@ -8786,7 +8786,7 @@
         </p:blipFill>
         <p:spPr>
           <a:xfrm>
-            <a:off x="4133304" y="2793136"/>
+            <a:off x="4106540" y="2498956"/>
             <a:ext cx="3978920" cy="2580081"/>
           </a:xfrm>
           <a:prstGeom prst="rect">
@@ -11462,7 +11462,7 @@
             </a:r>
             <a:r>
               <a:rPr lang="bg-BG" sz="1999" dirty="0"/>
-              <a:t>решението в </a:t>
+              <a:t>решението си в </a:t>
             </a:r>
             <a:r>
               <a:rPr lang="en-US" sz="1999" dirty="0"/>
@@ -12653,7 +12653,7 @@
                                         <p:tgtEl>
                                           <p:spTgt spid="7">
                                             <p:txEl>
-                                              <p:pRg st="4" end="4"/>
+                                              <p:pRg st="0" end="0"/>
                                             </p:txEl>
                                           </p:spTgt>
                                         </p:tgtEl>
@@ -12684,7 +12684,7 @@
                                         <p:tgtEl>
                                           <p:spTgt spid="7">
                                             <p:txEl>
-                                              <p:pRg st="5" end="5"/>
+                                              <p:pRg st="1" end="1"/>
                                             </p:txEl>
                                           </p:spTgt>
                                         </p:tgtEl>
@@ -12715,7 +12715,7 @@
                                         <p:tgtEl>
                                           <p:spTgt spid="7">
                                             <p:txEl>
-                                              <p:pRg st="6" end="6"/>
+                                              <p:pRg st="2" end="2"/>
                                             </p:txEl>
                                           </p:spTgt>
                                         </p:tgtEl>
@@ -12746,7 +12746,7 @@
                                         <p:tgtEl>
                                           <p:spTgt spid="7">
                                             <p:txEl>
-                                              <p:pRg st="7" end="7"/>
+                                              <p:pRg st="3" end="3"/>
                                             </p:txEl>
                                           </p:spTgt>
                                         </p:tgtEl>
@@ -12780,7 +12780,7 @@
                             </p:stCondLst>
                             <p:childTnLst>
                               <p:par>
-                                <p:cTn id="15" presetID="1" presetClass="entr" presetSubtype="0" fill="hold" grpId="0" nodeType="clickEffect">
+                                <p:cTn id="15" presetID="1" presetClass="entr" presetSubtype="0" fill="hold" nodeType="clickEffect">
                                   <p:stCondLst>
                                     <p:cond delay="0"/>
                                   </p:stCondLst>
@@ -12788,6 +12788,148 @@
                                     <p:set>
                                       <p:cBhvr>
                                         <p:cTn id="16" dur="1" fill="hold">
+                                          <p:stCondLst>
+                                            <p:cond delay="0"/>
+                                          </p:stCondLst>
+                                        </p:cTn>
+                                        <p:tgtEl>
+                                          <p:spTgt spid="7">
+                                            <p:txEl>
+                                              <p:pRg st="4" end="4"/>
+                                            </p:txEl>
+                                          </p:spTgt>
+                                        </p:tgtEl>
+                                        <p:attrNameLst>
+                                          <p:attrName>style.visibility</p:attrName>
+                                        </p:attrNameLst>
+                                      </p:cBhvr>
+                                      <p:to>
+                                        <p:strVal val="visible"/>
+                                      </p:to>
+                                    </p:set>
+                                  </p:childTnLst>
+                                </p:cTn>
+                              </p:par>
+                              <p:par>
+                                <p:cTn id="17" presetID="1" presetClass="entr" presetSubtype="0" fill="hold" nodeType="withEffect">
+                                  <p:stCondLst>
+                                    <p:cond delay="0"/>
+                                  </p:stCondLst>
+                                  <p:childTnLst>
+                                    <p:set>
+                                      <p:cBhvr>
+                                        <p:cTn id="18" dur="1" fill="hold">
+                                          <p:stCondLst>
+                                            <p:cond delay="0"/>
+                                          </p:stCondLst>
+                                        </p:cTn>
+                                        <p:tgtEl>
+                                          <p:spTgt spid="7">
+                                            <p:txEl>
+                                              <p:pRg st="5" end="5"/>
+                                            </p:txEl>
+                                          </p:spTgt>
+                                        </p:tgtEl>
+                                        <p:attrNameLst>
+                                          <p:attrName>style.visibility</p:attrName>
+                                        </p:attrNameLst>
+                                      </p:cBhvr>
+                                      <p:to>
+                                        <p:strVal val="visible"/>
+                                      </p:to>
+                                    </p:set>
+                                  </p:childTnLst>
+                                </p:cTn>
+                              </p:par>
+                              <p:par>
+                                <p:cTn id="19" presetID="1" presetClass="entr" presetSubtype="0" fill="hold" nodeType="withEffect">
+                                  <p:stCondLst>
+                                    <p:cond delay="0"/>
+                                  </p:stCondLst>
+                                  <p:childTnLst>
+                                    <p:set>
+                                      <p:cBhvr>
+                                        <p:cTn id="20" dur="1" fill="hold">
+                                          <p:stCondLst>
+                                            <p:cond delay="0"/>
+                                          </p:stCondLst>
+                                        </p:cTn>
+                                        <p:tgtEl>
+                                          <p:spTgt spid="7">
+                                            <p:txEl>
+                                              <p:pRg st="6" end="6"/>
+                                            </p:txEl>
+                                          </p:spTgt>
+                                        </p:tgtEl>
+                                        <p:attrNameLst>
+                                          <p:attrName>style.visibility</p:attrName>
+                                        </p:attrNameLst>
+                                      </p:cBhvr>
+                                      <p:to>
+                                        <p:strVal val="visible"/>
+                                      </p:to>
+                                    </p:set>
+                                  </p:childTnLst>
+                                </p:cTn>
+                              </p:par>
+                              <p:par>
+                                <p:cTn id="21" presetID="1" presetClass="entr" presetSubtype="0" fill="hold" nodeType="withEffect">
+                                  <p:stCondLst>
+                                    <p:cond delay="0"/>
+                                  </p:stCondLst>
+                                  <p:childTnLst>
+                                    <p:set>
+                                      <p:cBhvr>
+                                        <p:cTn id="22" dur="1" fill="hold">
+                                          <p:stCondLst>
+                                            <p:cond delay="0"/>
+                                          </p:stCondLst>
+                                        </p:cTn>
+                                        <p:tgtEl>
+                                          <p:spTgt spid="7">
+                                            <p:txEl>
+                                              <p:pRg st="7" end="7"/>
+                                            </p:txEl>
+                                          </p:spTgt>
+                                        </p:tgtEl>
+                                        <p:attrNameLst>
+                                          <p:attrName>style.visibility</p:attrName>
+                                        </p:attrNameLst>
+                                      </p:cBhvr>
+                                      <p:to>
+                                        <p:strVal val="visible"/>
+                                      </p:to>
+                                    </p:set>
+                                  </p:childTnLst>
+                                </p:cTn>
+                              </p:par>
+                            </p:childTnLst>
+                          </p:cTn>
+                        </p:par>
+                      </p:childTnLst>
+                    </p:cTn>
+                  </p:par>
+                  <p:par>
+                    <p:cTn id="23" fill="hold">
+                      <p:stCondLst>
+                        <p:cond delay="indefinite"/>
+                      </p:stCondLst>
+                      <p:childTnLst>
+                        <p:par>
+                          <p:cTn id="24" fill="hold">
+                            <p:stCondLst>
+                              <p:cond delay="0"/>
+                            </p:stCondLst>
+                            <p:childTnLst>
+                              <p:par>
+                                <p:cTn id="25" presetID="1" presetClass="entr" presetSubtype="0" fill="hold" grpId="0" nodeType="clickEffect">
+                                  <p:stCondLst>
+                                    <p:cond delay="0"/>
+                                  </p:stCondLst>
+                                  <p:childTnLst>
+                                    <p:set>
+                                      <p:cBhvr>
+                                        <p:cTn id="26" dur="1" fill="hold">
                                           <p:stCondLst>
                                             <p:cond delay="0"/>
                                           </p:stCondLst>
@@ -14038,15 +14180,17 @@
           </a:xfrm>
         </p:spPr>
         <p:txBody>
-          <a:bodyPr/>
+          <a:bodyPr>
+            <a:normAutofit/>
+          </a:bodyPr>
           <a:lstStyle/>
           <a:p>
             <a:r>
-              <a:rPr lang="bg-BG" sz="3599" dirty="0"/>
+              <a:rPr lang="bg-BG" sz="3200" dirty="0"/>
               <a:t>Ако </a:t>
             </a:r>
             <a:r>
-              <a:rPr lang="bg-BG" sz="3599" b="1" dirty="0">
+              <a:rPr lang="bg-BG" sz="3200" b="1" dirty="0">
                 <a:solidFill>
                   <a:schemeClr val="bg1"/>
                 </a:solidFill>
@@ -14054,10 +14198,10 @@
               <a:t>махнем скобите</a:t>
             </a:r>
             <a:r>
-              <a:rPr lang="bg-BG" sz="3599" dirty="0"/>
-              <a:t>, се изпълнява съответния блок</a:t>
-            </a:r>
-            <a:endParaRPr lang="en-US" sz="3599" b="1" dirty="0">
+              <a:rPr lang="bg-BG" sz="3200" dirty="0"/>
+              <a:t>, се изпълнява съответният блок от код</a:t>
+            </a:r>
+            <a:endParaRPr lang="en-US" sz="3200" b="1" dirty="0">
               <a:latin typeface="Consolas" panose="020B0609020204030204" pitchFamily="49" charset="0"/>
             </a:endParaRPr>
           </a:p>
@@ -16467,7 +16611,15 @@
             </a:r>
             <a:r>
               <a:rPr lang="bg-BG" sz="1999" dirty="0"/>
-              <a:t>решението в </a:t>
+              <a:t>решението</a:t>
+            </a:r>
+            <a:r>
+              <a:rPr lang="en-US" sz="1999" dirty="0"/>
+              <a:t> </a:t>
+            </a:r>
+            <a:r>
+              <a:rPr lang="bg-BG" sz="1999" dirty="0"/>
+              <a:t>си в </a:t>
             </a:r>
             <a:r>
               <a:rPr lang="en-US" sz="1999" dirty="0"/>
@@ -18222,7 +18374,7 @@
             </a:r>
             <a:r>
               <a:rPr lang="bg-BG" sz="1999" dirty="0"/>
-              <a:t>решението в </a:t>
+              <a:t>решението си в </a:t>
             </a:r>
             <a:r>
               <a:rPr lang="en-US" sz="1999" dirty="0"/>
@@ -20838,162 +20990,27 @@
                             </p:stCondLst>
                             <p:childTnLst>
                               <p:par>
-                                <p:cTn id="5" presetID="19" presetClass="emph" presetSubtype="0" fill="hold" nodeType="clickEffect">
+                                <p:cTn id="5" presetID="1" presetClass="entr" presetSubtype="0" fill="hold" grpId="0" nodeType="clickEffect">
                                   <p:stCondLst>
                                     <p:cond delay="0"/>
                                   </p:stCondLst>
                                   <p:childTnLst>
-                                    <p:animClr clrSpc="rgb" dir="cw">
-                                      <p:cBhvr override="childStyle">
-                                        <p:cTn id="6" dur="500" fill="hold"/>
+                                    <p:set>
+                                      <p:cBhvr>
+                                        <p:cTn id="6" dur="1" fill="hold">
+                                          <p:stCondLst>
+                                            <p:cond delay="0"/>
+                                          </p:stCondLst>
+                                        </p:cTn>
                                         <p:tgtEl>
-                                          <p:spTgt spid="9">
-                                            <p:txEl>
-                                              <p:pRg st="1" end="1"/>
-                                            </p:txEl>
-                                          </p:spTgt>
+                                          <p:spTgt spid="9"/>
                                         </p:tgtEl>
                                         <p:attrNameLst>
-                                          <p:attrName>style.color</p:attrName>
+                                          <p:attrName>style.visibility</p:attrName>
                                         </p:attrNameLst>
                                       </p:cBhvr>
                                       <p:to>
-                                        <a:schemeClr val="bg1"/>
-                                      </p:to>
-                                    </p:animClr>
-                                    <p:animClr clrSpc="rgb" dir="cw">
-                                      <p:cBhvr>
-                                        <p:cTn id="7" dur="500" fill="hold"/>
-                                        <p:tgtEl>
-                                          <p:spTgt spid="9">
-                                            <p:txEl>
-                                              <p:pRg st="1" end="1"/>
-                                            </p:txEl>
-                                          </p:spTgt>
-                                        </p:tgtEl>
-                                        <p:attrNameLst>
-                                          <p:attrName>fillcolor</p:attrName>
-                                        </p:attrNameLst>
-                                      </p:cBhvr>
-                                      <p:to>
-                                        <a:schemeClr val="bg1"/>
-                                      </p:to>
-                                    </p:animClr>
-                                    <p:set>
-                                      <p:cBhvr>
-                                        <p:cTn id="8" dur="500" fill="hold"/>
-                                        <p:tgtEl>
-                                          <p:spTgt spid="9">
-                                            <p:txEl>
-                                              <p:pRg st="1" end="1"/>
-                                            </p:txEl>
-                                          </p:spTgt>
-                                        </p:tgtEl>
-                                        <p:attrNameLst>
-                                          <p:attrName>fill.type</p:attrName>
-                                        </p:attrNameLst>
-                                      </p:cBhvr>
-                                      <p:to>
-                                        <p:strVal val="solid"/>
-                                      </p:to>
-                                    </p:set>
-                                    <p:set>
-                                      <p:cBhvr>
-                                        <p:cTn id="9" dur="500" fill="hold"/>
-                                        <p:tgtEl>
-                                          <p:spTgt spid="9">
-                                            <p:txEl>
-                                              <p:pRg st="1" end="1"/>
-                                            </p:txEl>
-                                          </p:spTgt>
-                                        </p:tgtEl>
-                                        <p:attrNameLst>
-                                          <p:attrName>fill.on</p:attrName>
-                                        </p:attrNameLst>
-                                      </p:cBhvr>
-                                      <p:to>
-                                        <p:strVal val="true"/>
-                                      </p:to>
-                                    </p:set>
-                                  </p:childTnLst>
-                                </p:cTn>
-                              </p:par>
-                              <p:par>
-                                <p:cTn id="10" presetID="19" presetClass="emph" presetSubtype="0" fill="hold" nodeType="withEffect">
-                                  <p:stCondLst>
-                                    <p:cond delay="0"/>
-                                  </p:stCondLst>
-                                  <p:childTnLst>
-                                    <p:animClr clrSpc="rgb" dir="cw">
-                                      <p:cBhvr override="childStyle">
-                                        <p:cTn id="11" dur="500" fill="hold"/>
-                                        <p:tgtEl>
-                                          <p:spTgt spid="9">
-                                            <p:txEl>
-                                              <p:pRg st="2" end="2"/>
-                                            </p:txEl>
-                                          </p:spTgt>
-                                        </p:tgtEl>
-                                        <p:attrNameLst>
-                                          <p:attrName>style.color</p:attrName>
-                                        </p:attrNameLst>
-                                      </p:cBhvr>
-                                      <p:to>
-                                        <a:schemeClr val="bg1"/>
-                                      </p:to>
-                                    </p:animClr>
-                                    <p:animClr clrSpc="rgb" dir="cw">
-                                      <p:cBhvr>
-                                        <p:cTn id="12" dur="500" fill="hold"/>
-                                        <p:tgtEl>
-                                          <p:spTgt spid="9">
-                                            <p:txEl>
-                                              <p:pRg st="2" end="2"/>
-                                            </p:txEl>
-                                          </p:spTgt>
-                                        </p:tgtEl>
-                                        <p:attrNameLst>
-                                          <p:attrName>fillcolor</p:attrName>
-                                        </p:attrNameLst>
-                                      </p:cBhvr>
-                                      <p:to>
-                                        <a:schemeClr val="bg1"/>
-                                      </p:to>
-                                    </p:animClr>
-                                    <p:set>
-                                      <p:cBhvr>
-                                        <p:cTn id="13" dur="500" fill="hold"/>
-                                        <p:tgtEl>
-                                          <p:spTgt spid="9">
-                                            <p:txEl>
-                                              <p:pRg st="2" end="2"/>
-                                            </p:txEl>
-                                          </p:spTgt>
-                                        </p:tgtEl>
-                                        <p:attrNameLst>
-                                          <p:attrName>fill.type</p:attrName>
-                                        </p:attrNameLst>
-                                      </p:cBhvr>
-                                      <p:to>
-                                        <p:strVal val="solid"/>
-                                      </p:to>
-                                    </p:set>
-                                    <p:set>
-                                      <p:cBhvr>
-                                        <p:cTn id="14" dur="500" fill="hold"/>
-                                        <p:tgtEl>
-                                          <p:spTgt spid="9">
-                                            <p:txEl>
-                                              <p:pRg st="2" end="2"/>
-                                            </p:txEl>
-                                          </p:spTgt>
-                                        </p:tgtEl>
-                                        <p:attrNameLst>
-                                          <p:attrName>fill.on</p:attrName>
-                                        </p:attrNameLst>
-                                      </p:cBhvr>
-                                      <p:to>
-                                        <p:strVal val="true"/>
+                                        <p:strVal val="visible"/>
                                       </p:to>
                                     </p:set>
                                   </p:childTnLst>
@@ -21006,26 +21023,26 @@
                     </p:cTn>
                   </p:par>
                   <p:par>
-                    <p:cTn id="15" fill="hold">
+                    <p:cTn id="7" fill="hold">
                       <p:stCondLst>
                         <p:cond delay="indefinite"/>
                       </p:stCondLst>
                       <p:childTnLst>
                         <p:par>
-                          <p:cTn id="16" fill="hold">
+                          <p:cTn id="8" fill="hold">
                             <p:stCondLst>
                               <p:cond delay="0"/>
                             </p:stCondLst>
                             <p:childTnLst>
                               <p:par>
-                                <p:cTn id="17" presetID="1" presetClass="entr" presetSubtype="0" fill="hold" grpId="0" nodeType="clickEffect">
+                                <p:cTn id="9" presetID="1" presetClass="entr" presetSubtype="0" fill="hold" grpId="0" nodeType="clickEffect">
                                   <p:stCondLst>
                                     <p:cond delay="0"/>
                                   </p:stCondLst>
                                   <p:childTnLst>
                                     <p:set>
                                       <p:cBhvr>
-                                        <p:cTn id="18" dur="1" fill="hold">
+                                        <p:cTn id="10" dur="1" fill="hold">
                                           <p:stCondLst>
                                             <p:cond delay="0"/>
                                           </p:stCondLst>
@@ -21072,6 +21089,7 @@
       </p:par>
     </p:tnLst>
     <p:bldLst>
+      <p:bldP spid="9" grpId="0" animBg="1"/>
       <p:bldP spid="15" grpId="0" animBg="1"/>
     </p:bldLst>
   </p:timing>
@@ -22290,13 +22308,18 @@
               <a:t>//TODO: </a:t>
             </a:r>
             <a:r>
-              <a:rPr lang="en-US" sz="2399" i="1" dirty="0">
+              <a:rPr lang="bg-BG" sz="2399" i="1" dirty="0">
                 <a:solidFill>
                   <a:schemeClr val="accent2"/>
                 </a:solidFill>
               </a:rPr>
-              <a:t>add more conditions</a:t>
-            </a:r>
+              <a:t>добавете останалите условия</a:t>
+            </a:r>
+            <a:endParaRPr lang="en-US" sz="2399" i="1" dirty="0">
+              <a:solidFill>
+                <a:schemeClr val="accent2"/>
+              </a:solidFill>
+            </a:endParaRPr>
           </a:p>
           <a:p>
             <a:pPr>
@@ -22381,7 +22404,7 @@
             </a:r>
             <a:r>
               <a:rPr lang="bg-BG" sz="1999" dirty="0"/>
-              <a:t>решението в </a:t>
+              <a:t>решението си в </a:t>
             </a:r>
             <a:r>
               <a:rPr lang="en-US" sz="1999" dirty="0"/>
@@ -23834,9 +23857,58 @@
           <a:p>
             <a:pPr marL="457063" indent="-457063"/>
             <a:r>
+              <a:rPr lang="bg-BG" sz="3599" dirty="0"/>
+              <a:t>Обхват</a:t>
+            </a:r>
+            <a:r>
               <a:rPr lang="en-US" sz="3599" dirty="0"/>
-              <a:t>Обхват, в който може да бъде използвана</a:t>
-            </a:r>
+              <a:t>, </a:t>
+            </a:r>
+            <a:r>
+              <a:rPr lang="bg-BG" sz="3599" dirty="0"/>
+              <a:t>в</a:t>
+            </a:r>
+            <a:r>
+              <a:rPr lang="en-US" sz="3599" dirty="0"/>
+              <a:t> </a:t>
+            </a:r>
+            <a:r>
+              <a:rPr lang="bg-BG" sz="3599" dirty="0"/>
+              <a:t>който</a:t>
+            </a:r>
+            <a:r>
+              <a:rPr lang="en-US" sz="3599" dirty="0"/>
+              <a:t> </a:t>
+            </a:r>
+            <a:r>
+              <a:rPr lang="bg-BG" sz="3599" dirty="0"/>
+              <a:t>може</a:t>
+            </a:r>
+            <a:r>
+              <a:rPr lang="en-US" sz="3599" dirty="0"/>
+              <a:t> </a:t>
+            </a:r>
+            <a:r>
+              <a:rPr lang="bg-BG" sz="3599" dirty="0"/>
+              <a:t>да</a:t>
+            </a:r>
+            <a:r>
+              <a:rPr lang="en-US" sz="3599" dirty="0"/>
+              <a:t> </a:t>
+            </a:r>
+            <a:r>
+              <a:rPr lang="bg-BG" sz="3599" dirty="0"/>
+              <a:t>бъде</a:t>
+            </a:r>
+            <a:r>
+              <a:rPr lang="en-US" sz="3599" dirty="0"/>
+              <a:t> </a:t>
+            </a:r>
+            <a:r>
+              <a:rPr lang="bg-BG" sz="3599" dirty="0"/>
+              <a:t>използвана променливата</a:t>
+            </a:r>
+            <a:endParaRPr lang="en-US" sz="3599" dirty="0"/>
           </a:p>
           <a:p>
             <a:pPr marL="1370618" lvl="2" indent="-457063"/>
@@ -27497,7 +27569,7 @@
             </a:r>
             <a:r>
               <a:rPr lang="bg-BG" sz="1999" dirty="0"/>
-              <a:t>решението в </a:t>
+              <a:t>решението си в </a:t>
             </a:r>
             <a:r>
               <a:rPr lang="en-US" sz="1999" dirty="0"/>
@@ -30574,7 +30646,7 @@
             </a:r>
             <a:r>
               <a:rPr lang="bg-BG" sz="1999" dirty="0"/>
-              <a:t>решението в </a:t>
+              <a:t>решението си в </a:t>
             </a:r>
             <a:r>
               <a:rPr lang="en-US" sz="1999" dirty="0"/>
@@ -32765,7 +32837,7 @@
             </a:r>
             <a:r>
               <a:rPr lang="bg-BG" sz="1999" dirty="0"/>
-              <a:t>решението в </a:t>
+              <a:t>решението си в </a:t>
             </a:r>
             <a:r>
               <a:rPr lang="en-US" sz="1999" dirty="0"/>
@@ -34124,6 +34196,232 @@
       <p:transition advClick="0" advTm="5000"/>
     </mc:Fallback>
   </mc:AlternateContent>
+  <p:timing>
+    <p:tnLst>
+      <p:par>
+        <p:cTn id="1" dur="indefinite" restart="never" nodeType="tmRoot">
+          <p:childTnLst>
+            <p:seq concurrent="1" nextAc="seek">
+              <p:cTn id="2" dur="indefinite" nodeType="mainSeq">
+                <p:childTnLst>
+                  <p:par>
+                    <p:cTn id="3" fill="hold">
+                      <p:stCondLst>
+                        <p:cond delay="indefinite"/>
+                      </p:stCondLst>
+                      <p:childTnLst>
+                        <p:par>
+                          <p:cTn id="4" fill="hold">
+                            <p:stCondLst>
+                              <p:cond delay="0"/>
+                            </p:stCondLst>
+                            <p:childTnLst>
+                              <p:par>
+                                <p:cTn id="5" presetID="1" presetClass="entr" presetSubtype="0" fill="hold" nodeType="clickEffect">
+                                  <p:stCondLst>
+                                    <p:cond delay="0"/>
+                                  </p:stCondLst>
+                                  <p:childTnLst>
+                                    <p:set>
+                                      <p:cBhvr>
+                                        <p:cTn id="6" dur="1" fill="hold">
+                                          <p:stCondLst>
+                                            <p:cond delay="0"/>
+                                          </p:stCondLst>
+                                        </p:cTn>
+                                        <p:tgtEl>
+                                          <p:spTgt spid="15">
+                                            <p:txEl>
+                                              <p:pRg st="1" end="1"/>
+                                            </p:txEl>
+                                          </p:spTgt>
+                                        </p:tgtEl>
+                                        <p:attrNameLst>
+                                          <p:attrName>style.visibility</p:attrName>
+                                        </p:attrNameLst>
+                                      </p:cBhvr>
+                                      <p:to>
+                                        <p:strVal val="visible"/>
+                                      </p:to>
+                                    </p:set>
+                                  </p:childTnLst>
+                                </p:cTn>
+                              </p:par>
+                            </p:childTnLst>
+                          </p:cTn>
+                        </p:par>
+                      </p:childTnLst>
+                    </p:cTn>
+                  </p:par>
+                  <p:par>
+                    <p:cTn id="7" fill="hold">
+                      <p:stCondLst>
+                        <p:cond delay="indefinite"/>
+                      </p:stCondLst>
+                      <p:childTnLst>
+                        <p:par>
+                          <p:cTn id="8" fill="hold">
+                            <p:stCondLst>
+                              <p:cond delay="0"/>
+                            </p:stCondLst>
+                            <p:childTnLst>
+                              <p:par>
+                                <p:cTn id="9" presetID="1" presetClass="entr" presetSubtype="0" fill="hold" nodeType="clickEffect">
+                                  <p:stCondLst>
+                                    <p:cond delay="0"/>
+                                  </p:stCondLst>
+                                  <p:childTnLst>
+                                    <p:set>
+                                      <p:cBhvr>
+                                        <p:cTn id="10" dur="1" fill="hold">
+                                          <p:stCondLst>
+                                            <p:cond delay="0"/>
+                                          </p:stCondLst>
+                                        </p:cTn>
+                                        <p:tgtEl>
+                                          <p:spTgt spid="15">
+                                            <p:txEl>
+                                              <p:pRg st="2" end="2"/>
+                                            </p:txEl>
+                                          </p:spTgt>
+                                        </p:tgtEl>
+                                        <p:attrNameLst>
+                                          <p:attrName>style.visibility</p:attrName>
+                                        </p:attrNameLst>
+                                      </p:cBhvr>
+                                      <p:to>
+                                        <p:strVal val="visible"/>
+                                      </p:to>
+                                    </p:set>
+                                  </p:childTnLst>
+                                </p:cTn>
+                              </p:par>
+                            </p:childTnLst>
+                          </p:cTn>
+                        </p:par>
+                      </p:childTnLst>
+                    </p:cTn>
+                  </p:par>
+                  <p:par>
+                    <p:cTn id="11" fill="hold">
+                      <p:stCondLst>
+                        <p:cond delay="indefinite"/>
+                      </p:stCondLst>
+                      <p:childTnLst>
+                        <p:par>
+                          <p:cTn id="12" fill="hold">
+                            <p:stCondLst>
+                              <p:cond delay="0"/>
+                            </p:stCondLst>
+                            <p:childTnLst>
+                              <p:par>
+                                <p:cTn id="13" presetID="1" presetClass="entr" presetSubtype="0" fill="hold" nodeType="clickEffect">
+                                  <p:stCondLst>
+                                    <p:cond delay="0"/>
+                                  </p:stCondLst>
+                                  <p:childTnLst>
+                                    <p:set>
+                                      <p:cBhvr>
+                                        <p:cTn id="14" dur="1" fill="hold">
+                                          <p:stCondLst>
+                                            <p:cond delay="0"/>
+                                          </p:stCondLst>
+                                        </p:cTn>
+                                        <p:tgtEl>
+                                          <p:spTgt spid="15">
+                                            <p:txEl>
+                                              <p:pRg st="3" end="3"/>
+                                            </p:txEl>
+                                          </p:spTgt>
+                                        </p:tgtEl>
+                                        <p:attrNameLst>
+                                          <p:attrName>style.visibility</p:attrName>
+                                        </p:attrNameLst>
+                                      </p:cBhvr>
+                                      <p:to>
+                                        <p:strVal val="visible"/>
+                                      </p:to>
+                                    </p:set>
+                                  </p:childTnLst>
+                                </p:cTn>
+                              </p:par>
+                            </p:childTnLst>
+                          </p:cTn>
+                        </p:par>
+                      </p:childTnLst>
+                    </p:cTn>
+                  </p:par>
+                  <p:par>
+                    <p:cTn id="15" fill="hold">
+                      <p:stCondLst>
+                        <p:cond delay="indefinite"/>
+                      </p:stCondLst>
+                      <p:childTnLst>
+                        <p:par>
+                          <p:cTn id="16" fill="hold">
+                            <p:stCondLst>
+                              <p:cond delay="0"/>
+                            </p:stCondLst>
+                            <p:childTnLst>
+                              <p:par>
+                                <p:cTn id="17" presetID="1" presetClass="entr" presetSubtype="0" fill="hold" nodeType="clickEffect">
+                                  <p:stCondLst>
+                                    <p:cond delay="0"/>
+                                  </p:stCondLst>
+                                  <p:childTnLst>
+                                    <p:set>
+                                      <p:cBhvr>
+                                        <p:cTn id="18" dur="1" fill="hold">
+                                          <p:stCondLst>
+                                            <p:cond delay="0"/>
+                                          </p:stCondLst>
+                                        </p:cTn>
+                                        <p:tgtEl>
+                                          <p:spTgt spid="15">
+                                            <p:txEl>
+                                              <p:pRg st="4" end="4"/>
+                                            </p:txEl>
+                                          </p:spTgt>
+                                        </p:tgtEl>
+                                        <p:attrNameLst>
+                                          <p:attrName>style.visibility</p:attrName>
+                                        </p:attrNameLst>
+                                      </p:cBhvr>
+                                      <p:to>
+                                        <p:strVal val="visible"/>
+                                      </p:to>
+                                    </p:set>
+                                  </p:childTnLst>
+                                </p:cTn>
+                              </p:par>
+                            </p:childTnLst>
+                          </p:cTn>
+                        </p:par>
+                      </p:childTnLst>
+                    </p:cTn>
+                  </p:par>
+                </p:childTnLst>
+              </p:cTn>
+              <p:prevCondLst>
+                <p:cond evt="onPrev" delay="0">
+                  <p:tgtEl>
+                    <p:sldTgt/>
+                  </p:tgtEl>
+                </p:cond>
+              </p:prevCondLst>
+              <p:nextCondLst>
+                <p:cond evt="onNext" delay="0">
+                  <p:tgtEl>
+                    <p:sldTgt/>
+                  </p:tgtEl>
+                </p:cond>
+              </p:nextCondLst>
+            </p:seq>
+          </p:childTnLst>
+        </p:cTn>
+      </p:par>
+    </p:tnLst>
+  </p:timing>
 </p:sld>
 </file>
 
@@ -37683,7 +37981,7 @@
         </p:nvSpPr>
         <p:spPr>
           <a:xfrm>
-            <a:off x="6258358" y="5021262"/>
+            <a:off x="6258358" y="5026455"/>
             <a:ext cx="1819778" cy="461665"/>
           </a:xfrm>
           <a:prstGeom prst="rect">
@@ -37774,7 +38072,7 @@
         </p:nvSpPr>
         <p:spPr>
           <a:xfrm>
-            <a:off x="6247140" y="4514328"/>
+            <a:off x="6270917" y="4501693"/>
             <a:ext cx="1819778" cy="461665"/>
           </a:xfrm>
           <a:prstGeom prst="rect">
@@ -41123,8 +41421,44 @@
           <a:p>
             <a:pPr marL="457063" indent="-457063"/>
             <a:r>
+              <a:rPr lang="bg-BG" dirty="0"/>
+              <a:t>Има</a:t>
+            </a:r>
+            <a:r>
               <a:rPr lang="en-US" dirty="0"/>
-              <a:t>Има само следните две стойности </a:t>
+              <a:t> </a:t>
+            </a:r>
+            <a:r>
+              <a:rPr lang="bg-BG" dirty="0"/>
+              <a:t>само</a:t>
+            </a:r>
+            <a:r>
+              <a:rPr lang="en-US" dirty="0"/>
+              <a:t> </a:t>
+            </a:r>
+            <a:r>
+              <a:rPr lang="bg-BG" dirty="0"/>
+              <a:t>следните</a:t>
+            </a:r>
+            <a:r>
+              <a:rPr lang="en-US" dirty="0"/>
+              <a:t> </a:t>
+            </a:r>
+            <a:r>
+              <a:rPr lang="bg-BG" dirty="0"/>
+              <a:t>две</a:t>
+            </a:r>
+            <a:r>
+              <a:rPr lang="en-US" dirty="0"/>
+              <a:t> </a:t>
+            </a:r>
+            <a:r>
+              <a:rPr lang="bg-BG" dirty="0"/>
+              <a:t>стойности:</a:t>
+            </a:r>
+            <a:r>
+              <a:rPr lang="en-US" dirty="0"/>
+              <a:t> </a:t>
             </a:r>
             <a:r>
               <a:rPr lang="en-US" b="1" dirty="0">
@@ -41185,7 +41519,7 @@
         <p:spPr>
           <a:xfrm>
             <a:off x="3991209" y="3429000"/>
-            <a:ext cx="4206407" cy="576849"/>
+            <a:ext cx="4206407" cy="665861"/>
           </a:xfrm>
           <a:prstGeom prst="rect">
             <a:avLst/>
@@ -41376,6 +41710,7 @@
             </a:lvl9pPr>
           </a:lstStyle>
           <a:p>
+            <a:pPr marL="0"/>
             <a:r>
               <a:rPr lang="en-GB" sz="2799" dirty="0"/>
               <a:t>bool isValid = </a:t>
@@ -42034,7 +42369,7 @@
           <a:p>
             <a:r>
               <a:rPr lang="bg-BG" dirty="0"/>
-              <a:t>Булева променлива – Пример</a:t>
+              <a:t>Булева променлива – пример</a:t>
             </a:r>
             <a:endParaRPr lang="en-US" dirty="0"/>
           </a:p>

--- a/Courses/Software-Sciences/Module-1-OOP-New/02-Conditional-Statements-Basics/02-Conditional-Statements-Basics.pptx
+++ b/Courses/Software-Sciences/Module-1-OOP-New/02-Conditional-Statements-Basics/02-Conditional-Statements-Basics.pptx
@@ -5,10 +5,10 @@
     <p:sldMasterId id="2147483675" r:id="rId2"/>
   </p:sldMasterIdLst>
   <p:notesMasterIdLst>
-    <p:notesMasterId r:id="rId42"/>
+    <p:notesMasterId r:id="rId38"/>
   </p:notesMasterIdLst>
   <p:handoutMasterIdLst>
-    <p:handoutMasterId r:id="rId43"/>
+    <p:handoutMasterId r:id="rId39"/>
   </p:handoutMasterIdLst>
   <p:sldIdLst>
     <p:sldId id="274" r:id="rId3"/>
@@ -33,23 +33,19 @@
     <p:sldId id="496" r:id="rId22"/>
     <p:sldId id="602" r:id="rId23"/>
     <p:sldId id="485" r:id="rId24"/>
-    <p:sldId id="614" r:id="rId25"/>
-    <p:sldId id="615" r:id="rId26"/>
-    <p:sldId id="464" r:id="rId27"/>
-    <p:sldId id="465" r:id="rId28"/>
-    <p:sldId id="616" r:id="rId29"/>
-    <p:sldId id="617" r:id="rId30"/>
-    <p:sldId id="618" r:id="rId31"/>
-    <p:sldId id="619" r:id="rId32"/>
-    <p:sldId id="620" r:id="rId33"/>
-    <p:sldId id="621" r:id="rId34"/>
-    <p:sldId id="622" r:id="rId35"/>
-    <p:sldId id="623" r:id="rId36"/>
-    <p:sldId id="624" r:id="rId37"/>
-    <p:sldId id="577" r:id="rId38"/>
-    <p:sldId id="504" r:id="rId39"/>
-    <p:sldId id="505" r:id="rId40"/>
-    <p:sldId id="506" r:id="rId41"/>
+    <p:sldId id="616" r:id="rId25"/>
+    <p:sldId id="617" r:id="rId26"/>
+    <p:sldId id="618" r:id="rId27"/>
+    <p:sldId id="619" r:id="rId28"/>
+    <p:sldId id="620" r:id="rId29"/>
+    <p:sldId id="621" r:id="rId30"/>
+    <p:sldId id="622" r:id="rId31"/>
+    <p:sldId id="623" r:id="rId32"/>
+    <p:sldId id="624" r:id="rId33"/>
+    <p:sldId id="577" r:id="rId34"/>
+    <p:sldId id="504" r:id="rId35"/>
+    <p:sldId id="505" r:id="rId36"/>
+    <p:sldId id="506" r:id="rId37"/>
   </p:sldIdLst>
   <p:sldSz cx="12192000" cy="6858000"/>
   <p:notesSz cx="6858000" cy="9144000"/>
@@ -187,14 +183,6 @@
             <p14:sldId id="496"/>
             <p14:sldId id="602"/>
             <p14:sldId id="485"/>
-            <p14:sldId id="614"/>
-            <p14:sldId id="615"/>
-          </p14:sldIdLst>
-        </p14:section>
-        <p14:section name="Живот на променлива" id="{1B908475-9AF7-4463-9CB2-4201455DAC41}">
-          <p14:sldIdLst>
-            <p14:sldId id="464"/>
-            <p14:sldId id="465"/>
           </p14:sldIdLst>
         </p14:section>
         <p14:section name="Условна конструкция Switch-case" id="{212A59FC-C5C3-4A2B-AED9-377ADFF266B9}">
@@ -1129,7 +1117,7 @@
           <a:bodyPr/>
           <a:lstStyle/>
           <a:p>
-            <a:endParaRPr lang="bg-BG" dirty="0"/>
+            <a:endParaRPr lang="en-BG" dirty="0"/>
           </a:p>
         </p:txBody>
       </p:sp>
@@ -1150,7 +1138,7 @@
           <a:p>
             <a:fld id="{2BF067CD-8E6B-4360-9AA8-C5DF2A48A6D1}" type="slidenum">
               <a:rPr lang="en-US" smtClean="0"/>
-              <a:t>16</a:t>
+              <a:t>14</a:t>
             </a:fld>
             <a:endParaRPr lang="en-US" dirty="0"/>
           </a:p>
@@ -1158,13 +1146,7 @@
       </p:sp>
       <p:sp>
         <p:nvSpPr>
-          <p:cNvPr id="7" name="Footer Placeholder 7">
-            <a:extLst>
-              <a:ext uri="{FF2B5EF4-FFF2-40B4-BE49-F238E27FC236}">
-                <a16:creationId xmlns:a16="http://schemas.microsoft.com/office/drawing/2014/main" id="{65824AA6-8FBF-4C16-8D23-473ACB0C5DC0}"/>
-              </a:ext>
-            </a:extLst>
-          </p:cNvPr>
+          <p:cNvPr id="5" name="Footer Placeholder 4"/>
           <p:cNvSpPr>
             <a:spLocks noGrp="1"/>
           </p:cNvSpPr>
@@ -1172,44 +1154,33 @@
             <p:ph type="ftr" sz="quarter" idx="4"/>
           </p:nvPr>
         </p:nvSpPr>
-        <p:spPr>
-          <a:xfrm>
-            <a:off x="-1" y="8847000"/>
-            <a:ext cx="6488999" cy="297000"/>
-          </a:xfrm>
-          <a:prstGeom prst="rect">
-            <a:avLst/>
-          </a:prstGeom>
-        </p:spPr>
+        <p:spPr/>
         <p:txBody>
-          <a:bodyPr vert="horz" lIns="91440" tIns="45720" rIns="91440" bIns="45720" rtlCol="0" anchor="b"/>
-          <a:lstStyle>
-            <a:lvl1pPr algn="l">
-              <a:defRPr sz="1100"/>
-            </a:lvl1pPr>
-          </a:lstStyle>
-          <a:p>
-            <a:r>
-              <a:rPr lang="en-US" dirty="0"/>
+          <a:bodyPr/>
+          <a:lstStyle/>
+          <a:p>
+            <a:r>
+              <a:rPr lang="en-US"/>
               <a:t>© SoftUni – </a:t>
             </a:r>
             <a:r>
-              <a:rPr lang="en-US" u="sng" dirty="0">
+              <a:rPr lang="en-US" u="sng">
                 <a:hlinkClick r:id="rId3"/>
               </a:rPr>
               <a:t>https://softuni.org</a:t>
             </a:r>
             <a:r>
-              <a:rPr lang="en-US" dirty="0"/>
+              <a:rPr lang="en-US"/>
               <a:t>. Copyrighted document. Unauthorized copy or reproduction is not permitted.</a:t>
             </a:r>
+            <a:endParaRPr lang="en-US" dirty="0"/>
           </a:p>
         </p:txBody>
       </p:sp>
     </p:spTree>
     <p:extLst>
       <p:ext uri="{BB962C8B-B14F-4D97-AF65-F5344CB8AC3E}">
-        <p14:creationId xmlns:p14="http://schemas.microsoft.com/office/powerpoint/2010/main" val="3389685840"/>
+        <p14:creationId xmlns:p14="http://schemas.microsoft.com/office/powerpoint/2010/main" val="3343541542"/>
       </p:ext>
     </p:extLst>
   </p:cSld>
@@ -1263,18 +1234,18 @@
           <a:bodyPr/>
           <a:lstStyle/>
           <a:p>
-            <a:endParaRPr lang="en-US" dirty="0"/>
+            <a:endParaRPr lang="bg-BG" dirty="0"/>
           </a:p>
         </p:txBody>
       </p:sp>
       <p:sp>
         <p:nvSpPr>
-          <p:cNvPr id="5" name="Slide Number Placeholder 4"/>
+          <p:cNvPr id="4" name="Slide Number Placeholder 3"/>
           <p:cNvSpPr>
             <a:spLocks noGrp="1"/>
           </p:cNvSpPr>
           <p:nvPr>
-            <p:ph type="sldNum" sz="quarter" idx="11"/>
+            <p:ph type="sldNum" sz="quarter" idx="5"/>
           </p:nvPr>
         </p:nvSpPr>
         <p:spPr/>
@@ -1282,10 +1253,9 @@
           <a:bodyPr/>
           <a:lstStyle/>
           <a:p>
-            <a:fld id="{3EBA5BD7-F043-4D1B-AA17-CD412FC534DE}" type="slidenum">
+            <a:fld id="{2BF067CD-8E6B-4360-9AA8-C5DF2A48A6D1}" type="slidenum">
               <a:rPr lang="en-US" smtClean="0"/>
-              <a:pPr/>
-              <a:t>36</a:t>
+              <a:t>16</a:t>
             </a:fld>
             <a:endParaRPr lang="en-US" dirty="0"/>
           </a:p>
@@ -1296,7 +1266,7 @@
           <p:cNvPr id="7" name="Footer Placeholder 7">
             <a:extLst>
               <a:ext uri="{FF2B5EF4-FFF2-40B4-BE49-F238E27FC236}">
-                <a16:creationId xmlns:a16="http://schemas.microsoft.com/office/drawing/2014/main" id="{BDC55C3C-DC72-46EC-BF3D-CC472E387871}"/>
+                <a16:creationId xmlns:a16="http://schemas.microsoft.com/office/drawing/2014/main" id="{65824AA6-8FBF-4C16-8D23-473ACB0C5DC0}"/>
               </a:ext>
             </a:extLst>
           </p:cNvPr>
@@ -1344,7 +1314,7 @@
     </p:spTree>
     <p:extLst>
       <p:ext uri="{BB962C8B-B14F-4D97-AF65-F5344CB8AC3E}">
-        <p14:creationId xmlns:p14="http://schemas.microsoft.com/office/powerpoint/2010/main" val="3019087334"/>
+        <p14:creationId xmlns:p14="http://schemas.microsoft.com/office/powerpoint/2010/main" val="3389685840"/>
       </p:ext>
     </p:extLst>
   </p:cSld>
@@ -1404,129 +1374,23 @@
       </p:sp>
       <p:sp>
         <p:nvSpPr>
-          <p:cNvPr id="7" name="Slide Number Placeholder 5">
-            <a:extLst>
-              <a:ext uri="{FF2B5EF4-FFF2-40B4-BE49-F238E27FC236}">
-                <a16:creationId xmlns:a16="http://schemas.microsoft.com/office/drawing/2014/main" id="{5049B984-F964-47FF-8179-0A3007CE21CD}"/>
-              </a:ext>
-            </a:extLst>
-          </p:cNvPr>
-          <p:cNvSpPr txBox="1">
-            <a:spLocks/>
+          <p:cNvPr id="5" name="Slide Number Placeholder 4"/>
+          <p:cNvSpPr>
+            <a:spLocks noGrp="1"/>
           </p:cNvSpPr>
-          <p:nvPr/>
+          <p:nvPr>
+            <p:ph type="sldNum" sz="quarter" idx="11"/>
+          </p:nvPr>
         </p:nvSpPr>
-        <p:spPr>
-          <a:xfrm>
-            <a:off x="6488999" y="8847000"/>
-            <a:ext cx="367414" cy="297000"/>
-          </a:xfrm>
-          <a:prstGeom prst="rect">
-            <a:avLst/>
-          </a:prstGeom>
-        </p:spPr>
+        <p:spPr/>
         <p:txBody>
-          <a:bodyPr vert="horz" lIns="91440" tIns="45720" rIns="91440" bIns="45720" rtlCol="0" anchor="b"/>
-          <a:lstStyle>
-            <a:defPPr>
-              <a:defRPr lang="en-US"/>
-            </a:defPPr>
-            <a:lvl1pPr marL="0" algn="r" defTabSz="914400" rtl="0" eaLnBrk="1" latinLnBrk="0" hangingPunct="1">
-              <a:defRPr sz="1200" kern="1200">
-                <a:solidFill>
-                  <a:schemeClr val="tx1"/>
-                </a:solidFill>
-                <a:latin typeface="+mn-lt"/>
-                <a:ea typeface="+mn-ea"/>
-                <a:cs typeface="+mn-cs"/>
-              </a:defRPr>
-            </a:lvl1pPr>
-            <a:lvl2pPr marL="457200" algn="l" defTabSz="914400" rtl="0" eaLnBrk="1" latinLnBrk="0" hangingPunct="1">
-              <a:defRPr sz="1800" kern="1200">
-                <a:solidFill>
-                  <a:schemeClr val="tx1"/>
-                </a:solidFill>
-                <a:latin typeface="+mn-lt"/>
-                <a:ea typeface="+mn-ea"/>
-                <a:cs typeface="+mn-cs"/>
-              </a:defRPr>
-            </a:lvl2pPr>
-            <a:lvl3pPr marL="914400" algn="l" defTabSz="914400" rtl="0" eaLnBrk="1" latinLnBrk="0" hangingPunct="1">
-              <a:defRPr sz="1800" kern="1200">
-                <a:solidFill>
-                  <a:schemeClr val="tx1"/>
-                </a:solidFill>
-                <a:latin typeface="+mn-lt"/>
-                <a:ea typeface="+mn-ea"/>
-                <a:cs typeface="+mn-cs"/>
-              </a:defRPr>
-            </a:lvl3pPr>
-            <a:lvl4pPr marL="1371600" algn="l" defTabSz="914400" rtl="0" eaLnBrk="1" latinLnBrk="0" hangingPunct="1">
-              <a:defRPr sz="1800" kern="1200">
-                <a:solidFill>
-                  <a:schemeClr val="tx1"/>
-                </a:solidFill>
-                <a:latin typeface="+mn-lt"/>
-                <a:ea typeface="+mn-ea"/>
-                <a:cs typeface="+mn-cs"/>
-              </a:defRPr>
-            </a:lvl4pPr>
-            <a:lvl5pPr marL="1828800" algn="l" defTabSz="914400" rtl="0" eaLnBrk="1" latinLnBrk="0" hangingPunct="1">
-              <a:defRPr sz="1800" kern="1200">
-                <a:solidFill>
-                  <a:schemeClr val="tx1"/>
-                </a:solidFill>
-                <a:latin typeface="+mn-lt"/>
-                <a:ea typeface="+mn-ea"/>
-                <a:cs typeface="+mn-cs"/>
-              </a:defRPr>
-            </a:lvl5pPr>
-            <a:lvl6pPr marL="2286000" algn="l" defTabSz="914400" rtl="0" eaLnBrk="1" latinLnBrk="0" hangingPunct="1">
-              <a:defRPr sz="1800" kern="1200">
-                <a:solidFill>
-                  <a:schemeClr val="tx1"/>
-                </a:solidFill>
-                <a:latin typeface="+mn-lt"/>
-                <a:ea typeface="+mn-ea"/>
-                <a:cs typeface="+mn-cs"/>
-              </a:defRPr>
-            </a:lvl6pPr>
-            <a:lvl7pPr marL="2743200" algn="l" defTabSz="914400" rtl="0" eaLnBrk="1" latinLnBrk="0" hangingPunct="1">
-              <a:defRPr sz="1800" kern="1200">
-                <a:solidFill>
-                  <a:schemeClr val="tx1"/>
-                </a:solidFill>
-                <a:latin typeface="+mn-lt"/>
-                <a:ea typeface="+mn-ea"/>
-                <a:cs typeface="+mn-cs"/>
-              </a:defRPr>
-            </a:lvl7pPr>
-            <a:lvl8pPr marL="3200400" algn="l" defTabSz="914400" rtl="0" eaLnBrk="1" latinLnBrk="0" hangingPunct="1">
-              <a:defRPr sz="1800" kern="1200">
-                <a:solidFill>
-                  <a:schemeClr val="tx1"/>
-                </a:solidFill>
-                <a:latin typeface="+mn-lt"/>
-                <a:ea typeface="+mn-ea"/>
-                <a:cs typeface="+mn-cs"/>
-              </a:defRPr>
-            </a:lvl8pPr>
-            <a:lvl9pPr marL="3657600" algn="l" defTabSz="914400" rtl="0" eaLnBrk="1" latinLnBrk="0" hangingPunct="1">
-              <a:defRPr sz="1800" kern="1200">
-                <a:solidFill>
-                  <a:schemeClr val="tx1"/>
-                </a:solidFill>
-                <a:latin typeface="+mn-lt"/>
-                <a:ea typeface="+mn-ea"/>
-                <a:cs typeface="+mn-cs"/>
-              </a:defRPr>
-            </a:lvl9pPr>
-          </a:lstStyle>
+          <a:bodyPr/>
+          <a:lstStyle/>
           <a:p>
             <a:fld id="{3EBA5BD7-F043-4D1B-AA17-CD412FC534DE}" type="slidenum">
               <a:rPr lang="en-US" smtClean="0"/>
               <a:pPr/>
-              <a:t>37</a:t>
+              <a:t>32</a:t>
             </a:fld>
             <a:endParaRPr lang="en-US" dirty="0"/>
           </a:p>
@@ -1534,10 +1398,10 @@
       </p:sp>
       <p:sp>
         <p:nvSpPr>
-          <p:cNvPr id="6" name="Footer Placeholder 7">
+          <p:cNvPr id="7" name="Footer Placeholder 7">
             <a:extLst>
               <a:ext uri="{FF2B5EF4-FFF2-40B4-BE49-F238E27FC236}">
-                <a16:creationId xmlns:a16="http://schemas.microsoft.com/office/drawing/2014/main" id="{0540A631-5D32-45DE-AE80-2742FDC83E88}"/>
+                <a16:creationId xmlns:a16="http://schemas.microsoft.com/office/drawing/2014/main" id="{BDC55C3C-DC72-46EC-BF3D-CC472E387871}"/>
               </a:ext>
             </a:extLst>
           </p:cNvPr>
@@ -1585,7 +1449,7 @@
     </p:spTree>
     <p:extLst>
       <p:ext uri="{BB962C8B-B14F-4D97-AF65-F5344CB8AC3E}">
-        <p14:creationId xmlns:p14="http://schemas.microsoft.com/office/powerpoint/2010/main" val="3397623632"/>
+        <p14:creationId xmlns:p14="http://schemas.microsoft.com/office/powerpoint/2010/main" val="3019087334"/>
       </p:ext>
     </p:extLst>
   </p:cSld>
@@ -1645,10 +1509,10 @@
       </p:sp>
       <p:sp>
         <p:nvSpPr>
-          <p:cNvPr id="6" name="Slide Number Placeholder 5">
+          <p:cNvPr id="7" name="Slide Number Placeholder 5">
             <a:extLst>
               <a:ext uri="{FF2B5EF4-FFF2-40B4-BE49-F238E27FC236}">
-                <a16:creationId xmlns:a16="http://schemas.microsoft.com/office/drawing/2014/main" id="{6627548A-4D3C-449B-81A5-FA4BE4628490}"/>
+                <a16:creationId xmlns:a16="http://schemas.microsoft.com/office/drawing/2014/main" id="{5049B984-F964-47FF-8179-0A3007CE21CD}"/>
               </a:ext>
             </a:extLst>
           </p:cNvPr>
@@ -1767,7 +1631,7 @@
             <a:fld id="{3EBA5BD7-F043-4D1B-AA17-CD412FC534DE}" type="slidenum">
               <a:rPr lang="en-US" smtClean="0"/>
               <a:pPr/>
-              <a:t>38</a:t>
+              <a:t>33</a:t>
             </a:fld>
             <a:endParaRPr lang="en-US" dirty="0"/>
           </a:p>
@@ -1775,10 +1639,10 @@
       </p:sp>
       <p:sp>
         <p:nvSpPr>
-          <p:cNvPr id="7" name="Footer Placeholder 7">
+          <p:cNvPr id="6" name="Footer Placeholder 7">
             <a:extLst>
               <a:ext uri="{FF2B5EF4-FFF2-40B4-BE49-F238E27FC236}">
-                <a16:creationId xmlns:a16="http://schemas.microsoft.com/office/drawing/2014/main" id="{18330663-0006-4BB0-B50F-EFDA42CE4CC7}"/>
+                <a16:creationId xmlns:a16="http://schemas.microsoft.com/office/drawing/2014/main" id="{0540A631-5D32-45DE-AE80-2742FDC83E88}"/>
               </a:ext>
             </a:extLst>
           </p:cNvPr>
@@ -1826,7 +1690,7 @@
     </p:spTree>
     <p:extLst>
       <p:ext uri="{BB962C8B-B14F-4D97-AF65-F5344CB8AC3E}">
-        <p14:creationId xmlns:p14="http://schemas.microsoft.com/office/powerpoint/2010/main" val="2049195458"/>
+        <p14:creationId xmlns:p14="http://schemas.microsoft.com/office/powerpoint/2010/main" val="3397623632"/>
       </p:ext>
     </p:extLst>
   </p:cSld>
@@ -1886,6 +1750,247 @@
       </p:sp>
       <p:sp>
         <p:nvSpPr>
+          <p:cNvPr id="6" name="Slide Number Placeholder 5">
+            <a:extLst>
+              <a:ext uri="{FF2B5EF4-FFF2-40B4-BE49-F238E27FC236}">
+                <a16:creationId xmlns:a16="http://schemas.microsoft.com/office/drawing/2014/main" id="{6627548A-4D3C-449B-81A5-FA4BE4628490}"/>
+              </a:ext>
+            </a:extLst>
+          </p:cNvPr>
+          <p:cNvSpPr txBox="1">
+            <a:spLocks/>
+          </p:cNvSpPr>
+          <p:nvPr/>
+        </p:nvSpPr>
+        <p:spPr>
+          <a:xfrm>
+            <a:off x="6488999" y="8847000"/>
+            <a:ext cx="367414" cy="297000"/>
+          </a:xfrm>
+          <a:prstGeom prst="rect">
+            <a:avLst/>
+          </a:prstGeom>
+        </p:spPr>
+        <p:txBody>
+          <a:bodyPr vert="horz" lIns="91440" tIns="45720" rIns="91440" bIns="45720" rtlCol="0" anchor="b"/>
+          <a:lstStyle>
+            <a:defPPr>
+              <a:defRPr lang="en-US"/>
+            </a:defPPr>
+            <a:lvl1pPr marL="0" algn="r" defTabSz="914400" rtl="0" eaLnBrk="1" latinLnBrk="0" hangingPunct="1">
+              <a:defRPr sz="1200" kern="1200">
+                <a:solidFill>
+                  <a:schemeClr val="tx1"/>
+                </a:solidFill>
+                <a:latin typeface="+mn-lt"/>
+                <a:ea typeface="+mn-ea"/>
+                <a:cs typeface="+mn-cs"/>
+              </a:defRPr>
+            </a:lvl1pPr>
+            <a:lvl2pPr marL="457200" algn="l" defTabSz="914400" rtl="0" eaLnBrk="1" latinLnBrk="0" hangingPunct="1">
+              <a:defRPr sz="1800" kern="1200">
+                <a:solidFill>
+                  <a:schemeClr val="tx1"/>
+                </a:solidFill>
+                <a:latin typeface="+mn-lt"/>
+                <a:ea typeface="+mn-ea"/>
+                <a:cs typeface="+mn-cs"/>
+              </a:defRPr>
+            </a:lvl2pPr>
+            <a:lvl3pPr marL="914400" algn="l" defTabSz="914400" rtl="0" eaLnBrk="1" latinLnBrk="0" hangingPunct="1">
+              <a:defRPr sz="1800" kern="1200">
+                <a:solidFill>
+                  <a:schemeClr val="tx1"/>
+                </a:solidFill>
+                <a:latin typeface="+mn-lt"/>
+                <a:ea typeface="+mn-ea"/>
+                <a:cs typeface="+mn-cs"/>
+              </a:defRPr>
+            </a:lvl3pPr>
+            <a:lvl4pPr marL="1371600" algn="l" defTabSz="914400" rtl="0" eaLnBrk="1" latinLnBrk="0" hangingPunct="1">
+              <a:defRPr sz="1800" kern="1200">
+                <a:solidFill>
+                  <a:schemeClr val="tx1"/>
+                </a:solidFill>
+                <a:latin typeface="+mn-lt"/>
+                <a:ea typeface="+mn-ea"/>
+                <a:cs typeface="+mn-cs"/>
+              </a:defRPr>
+            </a:lvl4pPr>
+            <a:lvl5pPr marL="1828800" algn="l" defTabSz="914400" rtl="0" eaLnBrk="1" latinLnBrk="0" hangingPunct="1">
+              <a:defRPr sz="1800" kern="1200">
+                <a:solidFill>
+                  <a:schemeClr val="tx1"/>
+                </a:solidFill>
+                <a:latin typeface="+mn-lt"/>
+                <a:ea typeface="+mn-ea"/>
+                <a:cs typeface="+mn-cs"/>
+              </a:defRPr>
+            </a:lvl5pPr>
+            <a:lvl6pPr marL="2286000" algn="l" defTabSz="914400" rtl="0" eaLnBrk="1" latinLnBrk="0" hangingPunct="1">
+              <a:defRPr sz="1800" kern="1200">
+                <a:solidFill>
+                  <a:schemeClr val="tx1"/>
+                </a:solidFill>
+                <a:latin typeface="+mn-lt"/>
+                <a:ea typeface="+mn-ea"/>
+                <a:cs typeface="+mn-cs"/>
+              </a:defRPr>
+            </a:lvl6pPr>
+            <a:lvl7pPr marL="2743200" algn="l" defTabSz="914400" rtl="0" eaLnBrk="1" latinLnBrk="0" hangingPunct="1">
+              <a:defRPr sz="1800" kern="1200">
+                <a:solidFill>
+                  <a:schemeClr val="tx1"/>
+                </a:solidFill>
+                <a:latin typeface="+mn-lt"/>
+                <a:ea typeface="+mn-ea"/>
+                <a:cs typeface="+mn-cs"/>
+              </a:defRPr>
+            </a:lvl7pPr>
+            <a:lvl8pPr marL="3200400" algn="l" defTabSz="914400" rtl="0" eaLnBrk="1" latinLnBrk="0" hangingPunct="1">
+              <a:defRPr sz="1800" kern="1200">
+                <a:solidFill>
+                  <a:schemeClr val="tx1"/>
+                </a:solidFill>
+                <a:latin typeface="+mn-lt"/>
+                <a:ea typeface="+mn-ea"/>
+                <a:cs typeface="+mn-cs"/>
+              </a:defRPr>
+            </a:lvl8pPr>
+            <a:lvl9pPr marL="3657600" algn="l" defTabSz="914400" rtl="0" eaLnBrk="1" latinLnBrk="0" hangingPunct="1">
+              <a:defRPr sz="1800" kern="1200">
+                <a:solidFill>
+                  <a:schemeClr val="tx1"/>
+                </a:solidFill>
+                <a:latin typeface="+mn-lt"/>
+                <a:ea typeface="+mn-ea"/>
+                <a:cs typeface="+mn-cs"/>
+              </a:defRPr>
+            </a:lvl9pPr>
+          </a:lstStyle>
+          <a:p>
+            <a:fld id="{3EBA5BD7-F043-4D1B-AA17-CD412FC534DE}" type="slidenum">
+              <a:rPr lang="en-US" smtClean="0"/>
+              <a:pPr/>
+              <a:t>34</a:t>
+            </a:fld>
+            <a:endParaRPr lang="en-US" dirty="0"/>
+          </a:p>
+        </p:txBody>
+      </p:sp>
+      <p:sp>
+        <p:nvSpPr>
+          <p:cNvPr id="7" name="Footer Placeholder 7">
+            <a:extLst>
+              <a:ext uri="{FF2B5EF4-FFF2-40B4-BE49-F238E27FC236}">
+                <a16:creationId xmlns:a16="http://schemas.microsoft.com/office/drawing/2014/main" id="{18330663-0006-4BB0-B50F-EFDA42CE4CC7}"/>
+              </a:ext>
+            </a:extLst>
+          </p:cNvPr>
+          <p:cNvSpPr>
+            <a:spLocks noGrp="1"/>
+          </p:cNvSpPr>
+          <p:nvPr>
+            <p:ph type="ftr" sz="quarter" idx="4"/>
+          </p:nvPr>
+        </p:nvSpPr>
+        <p:spPr>
+          <a:xfrm>
+            <a:off x="-1" y="8847000"/>
+            <a:ext cx="6488999" cy="297000"/>
+          </a:xfrm>
+          <a:prstGeom prst="rect">
+            <a:avLst/>
+          </a:prstGeom>
+        </p:spPr>
+        <p:txBody>
+          <a:bodyPr vert="horz" lIns="91440" tIns="45720" rIns="91440" bIns="45720" rtlCol="0" anchor="b"/>
+          <a:lstStyle>
+            <a:lvl1pPr algn="l">
+              <a:defRPr sz="1100"/>
+            </a:lvl1pPr>
+          </a:lstStyle>
+          <a:p>
+            <a:r>
+              <a:rPr lang="en-US" dirty="0"/>
+              <a:t>© SoftUni – </a:t>
+            </a:r>
+            <a:r>
+              <a:rPr lang="en-US" u="sng" dirty="0">
+                <a:hlinkClick r:id="rId3"/>
+              </a:rPr>
+              <a:t>https://softuni.org</a:t>
+            </a:r>
+            <a:r>
+              <a:rPr lang="en-US" dirty="0"/>
+              <a:t>. Copyrighted document. Unauthorized copy or reproduction is not permitted.</a:t>
+            </a:r>
+          </a:p>
+        </p:txBody>
+      </p:sp>
+    </p:spTree>
+    <p:extLst>
+      <p:ext uri="{BB962C8B-B14F-4D97-AF65-F5344CB8AC3E}">
+        <p14:creationId xmlns:p14="http://schemas.microsoft.com/office/powerpoint/2010/main" val="2049195458"/>
+      </p:ext>
+    </p:extLst>
+  </p:cSld>
+  <p:clrMapOvr>
+    <a:masterClrMapping/>
+  </p:clrMapOvr>
+</p:notes>
+</file>
+
+<file path=ppt/notesSlides/notesSlide8.xml><?xml version="1.0" encoding="utf-8"?>
+<p:notes xmlns:a="http://schemas.openxmlformats.org/drawingml/2006/main" xmlns:r="http://schemas.openxmlformats.org/officeDocument/2006/relationships" xmlns:p="http://schemas.openxmlformats.org/presentationml/2006/main">
+  <p:cSld>
+    <p:spTree>
+      <p:nvGrpSpPr>
+        <p:cNvPr id="1" name=""/>
+        <p:cNvGrpSpPr/>
+        <p:nvPr/>
+      </p:nvGrpSpPr>
+      <p:grpSpPr>
+        <a:xfrm>
+          <a:off x="0" y="0"/>
+          <a:ext cx="0" cy="0"/>
+          <a:chOff x="0" y="0"/>
+          <a:chExt cx="0" cy="0"/>
+        </a:xfrm>
+      </p:grpSpPr>
+      <p:sp>
+        <p:nvSpPr>
+          <p:cNvPr id="2" name="Slide Image Placeholder 1"/>
+          <p:cNvSpPr>
+            <a:spLocks noGrp="1" noRot="1" noChangeAspect="1"/>
+          </p:cNvSpPr>
+          <p:nvPr>
+            <p:ph type="sldImg"/>
+          </p:nvPr>
+        </p:nvSpPr>
+        <p:spPr/>
+      </p:sp>
+      <p:sp>
+        <p:nvSpPr>
+          <p:cNvPr id="3" name="Notes Placeholder 2"/>
+          <p:cNvSpPr>
+            <a:spLocks noGrp="1"/>
+          </p:cNvSpPr>
+          <p:nvPr>
+            <p:ph type="body" idx="1"/>
+          </p:nvPr>
+        </p:nvSpPr>
+        <p:spPr/>
+        <p:txBody>
+          <a:bodyPr/>
+          <a:lstStyle/>
+          <a:p>
+            <a:endParaRPr lang="en-US" dirty="0"/>
+          </a:p>
+        </p:txBody>
+      </p:sp>
+      <p:sp>
+        <p:nvSpPr>
           <p:cNvPr id="7" name="Slide Number Placeholder 5">
             <a:extLst>
               <a:ext uri="{FF2B5EF4-FFF2-40B4-BE49-F238E27FC236}">
@@ -2008,7 +2113,7 @@
             <a:fld id="{3EBA5BD7-F043-4D1B-AA17-CD412FC534DE}" type="slidenum">
               <a:rPr lang="en-US" smtClean="0"/>
               <a:pPr/>
-              <a:t>39</a:t>
+              <a:t>35</a:t>
             </a:fld>
             <a:endParaRPr lang="en-US" dirty="0"/>
           </a:p>
@@ -8873,6 +8978,11 @@
             <a:endParaRPr lang="en-US" sz="3199" b="1" dirty="0"/>
           </a:p>
           <a:p>
+            <a:pPr>
+              <a:spcBef>
+                <a:spcPts val="1500"/>
+              </a:spcBef>
+            </a:pPr>
             <a:r>
               <a:rPr lang="bg-BG" sz="3399" dirty="0"/>
               <a:t>Резултатът е </a:t>
@@ -8955,7 +9065,7 @@
         </p:nvSpPr>
         <p:spPr bwMode="auto">
           <a:xfrm>
-            <a:off x="4304268" y="3460022"/>
+            <a:off x="4296868" y="3560181"/>
             <a:ext cx="4865655" cy="1858486"/>
           </a:xfrm>
           <a:prstGeom prst="rect">
@@ -9160,7 +9270,7 @@
         </p:nvSpPr>
         <p:spPr bwMode="auto">
           <a:xfrm>
-            <a:off x="2496938" y="2339099"/>
+            <a:off x="2489538" y="2439258"/>
             <a:ext cx="2431851" cy="1055333"/>
           </a:xfrm>
           <a:prstGeom prst="wedgeRoundRectCallout">
@@ -9171,15 +9281,16 @@
             </a:avLst>
           </a:prstGeom>
           <a:solidFill>
-            <a:srgbClr val="2E6770">
+            <a:schemeClr val="tx2">
               <a:alpha val="80000"/>
-            </a:srgbClr>
+            </a:schemeClr>
           </a:solidFill>
           <a:ln w="19050">
             <a:solidFill>
-              <a:srgbClr val="50A9B8">
+              <a:schemeClr val="tx1">
+                <a:lumMod val="50000"/>
                 <a:alpha val="80000"/>
-              </a:srgbClr>
+              </a:schemeClr>
             </a:solidFill>
           </a:ln>
         </p:spPr>
@@ -9265,7 +9376,7 @@
         </p:nvSpPr>
         <p:spPr bwMode="auto">
           <a:xfrm>
-            <a:off x="7633400" y="3328841"/>
+            <a:off x="7626000" y="3429000"/>
             <a:ext cx="3951171" cy="1055333"/>
           </a:xfrm>
           <a:prstGeom prst="wedgeRoundRectCallout">
@@ -9276,15 +9387,16 @@
             </a:avLst>
           </a:prstGeom>
           <a:solidFill>
-            <a:srgbClr val="2E6770">
+            <a:schemeClr val="tx2">
               <a:alpha val="80000"/>
-            </a:srgbClr>
+            </a:schemeClr>
           </a:solidFill>
           <a:ln w="19050">
             <a:solidFill>
-              <a:srgbClr val="50A9B8">
+              <a:schemeClr val="tx1">
+                <a:lumMod val="50000"/>
                 <a:alpha val="80000"/>
-              </a:srgbClr>
+              </a:schemeClr>
             </a:solidFill>
           </a:ln>
         </p:spPr>
@@ -12420,15 +12532,16 @@
             </a:avLst>
           </a:prstGeom>
           <a:solidFill>
-            <a:srgbClr val="2E6770">
+            <a:schemeClr val="tx2">
               <a:alpha val="80000"/>
-            </a:srgbClr>
+            </a:schemeClr>
           </a:solidFill>
           <a:ln w="19050">
             <a:solidFill>
-              <a:srgbClr val="50A9B8">
+              <a:schemeClr val="tx1">
+                <a:lumMod val="50000"/>
                 <a:alpha val="80000"/>
-              </a:srgbClr>
+              </a:schemeClr>
             </a:solidFill>
           </a:ln>
         </p:spPr>
@@ -12638,7 +12751,7 @@
                             </p:stCondLst>
                             <p:childTnLst>
                               <p:par>
-                                <p:cTn id="5" presetID="1" presetClass="entr" presetSubtype="0" fill="hold" nodeType="clickEffect">
+                                <p:cTn id="5" presetID="1" presetClass="entr" presetSubtype="0" fill="hold" grpId="0" nodeType="clickEffect">
                                   <p:stCondLst>
                                     <p:cond delay="0"/>
                                   </p:stCondLst>
@@ -12652,9 +12765,7 @@
                                         </p:cTn>
                                         <p:tgtEl>
                                           <p:spTgt spid="7">
-                                            <p:txEl>
-                                              <p:pRg st="0" end="0"/>
-                                            </p:txEl>
+                                            <p:bg/>
                                           </p:spTgt>
                                         </p:tgtEl>
                                         <p:attrNameLst>
@@ -12684,7 +12795,7 @@
                                         <p:tgtEl>
                                           <p:spTgt spid="7">
                                             <p:txEl>
-                                              <p:pRg st="1" end="1"/>
+                                              <p:pRg st="0" end="0"/>
                                             </p:txEl>
                                           </p:spTgt>
                                         </p:tgtEl>
@@ -12715,7 +12826,7 @@
                                         <p:tgtEl>
                                           <p:spTgt spid="7">
                                             <p:txEl>
-                                              <p:pRg st="2" end="2"/>
+                                              <p:pRg st="1" end="1"/>
                                             </p:txEl>
                                           </p:spTgt>
                                         </p:tgtEl>
@@ -12746,6 +12857,37 @@
                                         <p:tgtEl>
                                           <p:spTgt spid="7">
                                             <p:txEl>
+                                              <p:pRg st="2" end="2"/>
+                                            </p:txEl>
+                                          </p:spTgt>
+                                        </p:tgtEl>
+                                        <p:attrNameLst>
+                                          <p:attrName>style.visibility</p:attrName>
+                                        </p:attrNameLst>
+                                      </p:cBhvr>
+                                      <p:to>
+                                        <p:strVal val="visible"/>
+                                      </p:to>
+                                    </p:set>
+                                  </p:childTnLst>
+                                </p:cTn>
+                              </p:par>
+                              <p:par>
+                                <p:cTn id="13" presetID="1" presetClass="entr" presetSubtype="0" fill="hold" nodeType="withEffect">
+                                  <p:stCondLst>
+                                    <p:cond delay="0"/>
+                                  </p:stCondLst>
+                                  <p:childTnLst>
+                                    <p:set>
+                                      <p:cBhvr>
+                                        <p:cTn id="14" dur="1" fill="hold">
+                                          <p:stCondLst>
+                                            <p:cond delay="0"/>
+                                          </p:stCondLst>
+                                        </p:cTn>
+                                        <p:tgtEl>
+                                          <p:spTgt spid="7">
+                                            <p:txEl>
                                               <p:pRg st="3" end="3"/>
                                             </p:txEl>
                                           </p:spTgt>
@@ -12768,50 +12910,19 @@
                     </p:cTn>
                   </p:par>
                   <p:par>
-                    <p:cTn id="13" fill="hold">
+                    <p:cTn id="15" fill="hold">
                       <p:stCondLst>
                         <p:cond delay="indefinite"/>
                       </p:stCondLst>
                       <p:childTnLst>
                         <p:par>
-                          <p:cTn id="14" fill="hold">
+                          <p:cTn id="16" fill="hold">
                             <p:stCondLst>
                               <p:cond delay="0"/>
                             </p:stCondLst>
                             <p:childTnLst>
                               <p:par>
-                                <p:cTn id="15" presetID="1" presetClass="entr" presetSubtype="0" fill="hold" nodeType="clickEffect">
-                                  <p:stCondLst>
-                                    <p:cond delay="0"/>
-                                  </p:stCondLst>
-                                  <p:childTnLst>
-                                    <p:set>
-                                      <p:cBhvr>
-                                        <p:cTn id="16" dur="1" fill="hold">
-                                          <p:stCondLst>
-                                            <p:cond delay="0"/>
-                                          </p:stCondLst>
-                                        </p:cTn>
-                                        <p:tgtEl>
-                                          <p:spTgt spid="7">
-                                            <p:txEl>
-                                              <p:pRg st="4" end="4"/>
-                                            </p:txEl>
-                                          </p:spTgt>
-                                        </p:tgtEl>
-                                        <p:attrNameLst>
-                                          <p:attrName>style.visibility</p:attrName>
-                                        </p:attrNameLst>
-                                      </p:cBhvr>
-                                      <p:to>
-                                        <p:strVal val="visible"/>
-                                      </p:to>
-                                    </p:set>
-                                  </p:childTnLst>
-                                </p:cTn>
-                              </p:par>
-                              <p:par>
-                                <p:cTn id="17" presetID="1" presetClass="entr" presetSubtype="0" fill="hold" nodeType="withEffect">
+                                <p:cTn id="17" presetID="1" presetClass="entr" presetSubtype="0" fill="hold" nodeType="clickEffect">
                                   <p:stCondLst>
                                     <p:cond delay="0"/>
                                   </p:stCondLst>
@@ -12826,7 +12937,7 @@
                                         <p:tgtEl>
                                           <p:spTgt spid="7">
                                             <p:txEl>
-                                              <p:pRg st="5" end="5"/>
+                                              <p:pRg st="4" end="4"/>
                                             </p:txEl>
                                           </p:spTgt>
                                         </p:tgtEl>
@@ -12857,7 +12968,7 @@
                                         <p:tgtEl>
                                           <p:spTgt spid="7">
                                             <p:txEl>
-                                              <p:pRg st="6" end="6"/>
+                                              <p:pRg st="5" end="5"/>
                                             </p:txEl>
                                           </p:spTgt>
                                         </p:tgtEl>
@@ -12888,6 +12999,37 @@
                                         <p:tgtEl>
                                           <p:spTgt spid="7">
                                             <p:txEl>
+                                              <p:pRg st="6" end="6"/>
+                                            </p:txEl>
+                                          </p:spTgt>
+                                        </p:tgtEl>
+                                        <p:attrNameLst>
+                                          <p:attrName>style.visibility</p:attrName>
+                                        </p:attrNameLst>
+                                      </p:cBhvr>
+                                      <p:to>
+                                        <p:strVal val="visible"/>
+                                      </p:to>
+                                    </p:set>
+                                  </p:childTnLst>
+                                </p:cTn>
+                              </p:par>
+                              <p:par>
+                                <p:cTn id="23" presetID="1" presetClass="entr" presetSubtype="0" fill="hold" nodeType="withEffect">
+                                  <p:stCondLst>
+                                    <p:cond delay="0"/>
+                                  </p:stCondLst>
+                                  <p:childTnLst>
+                                    <p:set>
+                                      <p:cBhvr>
+                                        <p:cTn id="24" dur="1" fill="hold">
+                                          <p:stCondLst>
+                                            <p:cond delay="0"/>
+                                          </p:stCondLst>
+                                        </p:cTn>
+                                        <p:tgtEl>
+                                          <p:spTgt spid="7">
+                                            <p:txEl>
                                               <p:pRg st="7" end="7"/>
                                             </p:txEl>
                                           </p:spTgt>
@@ -12910,26 +13052,26 @@
                     </p:cTn>
                   </p:par>
                   <p:par>
-                    <p:cTn id="23" fill="hold">
+                    <p:cTn id="25" fill="hold">
                       <p:stCondLst>
                         <p:cond delay="indefinite"/>
                       </p:stCondLst>
                       <p:childTnLst>
                         <p:par>
-                          <p:cTn id="24" fill="hold">
+                          <p:cTn id="26" fill="hold">
                             <p:stCondLst>
                               <p:cond delay="0"/>
                             </p:stCondLst>
                             <p:childTnLst>
                               <p:par>
-                                <p:cTn id="25" presetID="1" presetClass="entr" presetSubtype="0" fill="hold" grpId="0" nodeType="clickEffect">
+                                <p:cTn id="27" presetID="1" presetClass="entr" presetSubtype="0" fill="hold" grpId="0" nodeType="clickEffect">
                                   <p:stCondLst>
                                     <p:cond delay="0"/>
                                   </p:stCondLst>
                                   <p:childTnLst>
                                     <p:set>
                                       <p:cBhvr>
-                                        <p:cTn id="26" dur="1" fill="hold">
+                                        <p:cTn id="28" dur="1" fill="hold">
                                           <p:stCondLst>
                                             <p:cond delay="0"/>
                                           </p:stCondLst>
@@ -12976,6 +13118,7 @@
       </p:par>
     </p:tnLst>
     <p:bldLst>
+      <p:bldP spid="7" grpId="0" uiExpand="1" build="allAtOnce" animBg="1"/>
       <p:bldP spid="5" grpId="0" animBg="1"/>
     </p:bldLst>
   </p:timing>
@@ -13487,15 +13630,16 @@
             </a:avLst>
           </a:prstGeom>
           <a:solidFill>
-            <a:srgbClr val="2E6770">
+            <a:schemeClr val="tx2">
               <a:alpha val="80000"/>
-            </a:srgbClr>
+            </a:schemeClr>
           </a:solidFill>
           <a:ln w="19050">
             <a:solidFill>
-              <a:srgbClr val="50A9B8">
+              <a:schemeClr val="tx1">
+                <a:lumMod val="50000"/>
                 <a:alpha val="80000"/>
-              </a:srgbClr>
+              </a:schemeClr>
             </a:solidFill>
           </a:ln>
         </p:spPr>
@@ -13551,7 +13695,7 @@
           <p:nvPr/>
         </p:nvPicPr>
         <p:blipFill rotWithShape="1">
-          <a:blip r:embed="rId2"/>
+          <a:blip r:embed="rId3"/>
           <a:srcRect t="755" b="85660"/>
           <a:stretch/>
         </p:blipFill>
@@ -14061,6 +14205,114 @@
                                   </p:childTnLst>
                                 </p:cTn>
                               </p:par>
+                              <p:par>
+                                <p:cTn id="35" presetID="3" presetClass="emph" presetSubtype="2" fill="hold" nodeType="withEffect">
+                                  <p:stCondLst>
+                                    <p:cond delay="0"/>
+                                  </p:stCondLst>
+                                  <p:childTnLst>
+                                    <p:animClr clrSpc="rgb" dir="cw">
+                                      <p:cBhvr override="childStyle">
+                                        <p:cTn id="36" dur="2000" fill="hold"/>
+                                        <p:tgtEl>
+                                          <p:spTgt spid="8">
+                                            <p:txEl>
+                                              <p:pRg st="2" end="2"/>
+                                            </p:txEl>
+                                          </p:spTgt>
+                                        </p:tgtEl>
+                                        <p:attrNameLst>
+                                          <p:attrName>style.color</p:attrName>
+                                        </p:attrNameLst>
+                                      </p:cBhvr>
+                                      <p:to>
+                                        <a:schemeClr val="bg1"/>
+                                      </p:to>
+                                    </p:animClr>
+                                  </p:childTnLst>
+                                </p:cTn>
+                              </p:par>
+                              <p:par>
+                                <p:cTn id="37" presetID="3" presetClass="emph" presetSubtype="2" fill="hold" nodeType="withEffect">
+                                  <p:stCondLst>
+                                    <p:cond delay="0"/>
+                                  </p:stCondLst>
+                                  <p:childTnLst>
+                                    <p:animClr clrSpc="rgb" dir="cw">
+                                      <p:cBhvr override="childStyle">
+                                        <p:cTn id="38" dur="2000" fill="hold"/>
+                                        <p:tgtEl>
+                                          <p:spTgt spid="8">
+                                            <p:txEl>
+                                              <p:pRg st="3" end="3"/>
+                                            </p:txEl>
+                                          </p:spTgt>
+                                        </p:tgtEl>
+                                        <p:attrNameLst>
+                                          <p:attrName>style.color</p:attrName>
+                                        </p:attrNameLst>
+                                      </p:cBhvr>
+                                      <p:to>
+                                        <a:schemeClr val="bg1"/>
+                                      </p:to>
+                                    </p:animClr>
+                                  </p:childTnLst>
+                                </p:cTn>
+                              </p:par>
+                              <p:par>
+                                <p:cTn id="39" presetID="3" presetClass="emph" presetSubtype="2" fill="hold" nodeType="withEffect">
+                                  <p:stCondLst>
+                                    <p:cond delay="0"/>
+                                  </p:stCondLst>
+                                  <p:childTnLst>
+                                    <p:animClr clrSpc="rgb" dir="cw">
+                                      <p:cBhvr override="childStyle">
+                                        <p:cTn id="40" dur="2000" fill="hold"/>
+                                        <p:tgtEl>
+                                          <p:spTgt spid="8">
+                                            <p:txEl>
+                                              <p:pRg st="4" end="4"/>
+                                            </p:txEl>
+                                          </p:spTgt>
+                                        </p:tgtEl>
+                                        <p:attrNameLst>
+                                          <p:attrName>style.color</p:attrName>
+                                        </p:attrNameLst>
+                                      </p:cBhvr>
+                                      <p:to>
+                                        <a:schemeClr val="bg1"/>
+                                      </p:to>
+                                    </p:animClr>
+                                  </p:childTnLst>
+                                </p:cTn>
+                              </p:par>
+                              <p:par>
+                                <p:cTn id="41" presetID="3" presetClass="emph" presetSubtype="2" fill="hold" nodeType="withEffect">
+                                  <p:stCondLst>
+                                    <p:cond delay="0"/>
+                                  </p:stCondLst>
+                                  <p:childTnLst>
+                                    <p:animClr clrSpc="rgb" dir="cw">
+                                      <p:cBhvr override="childStyle">
+                                        <p:cTn id="42" dur="2000" fill="hold"/>
+                                        <p:tgtEl>
+                                          <p:spTgt spid="8">
+                                            <p:txEl>
+                                              <p:pRg st="5" end="5"/>
+                                            </p:txEl>
+                                          </p:spTgt>
+                                        </p:tgtEl>
+                                        <p:attrNameLst>
+                                          <p:attrName>style.color</p:attrName>
+                                        </p:attrNameLst>
+                                      </p:cBhvr>
+                                      <p:to>
+                                        <a:schemeClr val="bg1"/>
+                                      </p:to>
+                                    </p:animClr>
+                                  </p:childTnLst>
+                                </p:cTn>
+                              </p:par>
                             </p:childTnLst>
                           </p:cTn>
                         </p:par>
@@ -14068,26 +14320,26 @@
                     </p:cTn>
                   </p:par>
                   <p:par>
-                    <p:cTn id="35" fill="hold">
+                    <p:cTn id="43" fill="hold">
                       <p:stCondLst>
                         <p:cond delay="indefinite"/>
                       </p:stCondLst>
                       <p:childTnLst>
                         <p:par>
-                          <p:cTn id="36" fill="hold">
+                          <p:cTn id="44" fill="hold">
                             <p:stCondLst>
                               <p:cond delay="0"/>
                             </p:stCondLst>
                             <p:childTnLst>
                               <p:par>
-                                <p:cTn id="37" presetID="1" presetClass="entr" presetSubtype="0" fill="hold" nodeType="clickEffect">
+                                <p:cTn id="45" presetID="1" presetClass="entr" presetSubtype="0" fill="hold" nodeType="clickEffect">
                                   <p:stCondLst>
                                     <p:cond delay="0"/>
                                   </p:stCondLst>
                                   <p:childTnLst>
                                     <p:set>
                                       <p:cBhvr>
-                                        <p:cTn id="38" dur="1" fill="hold">
+                                        <p:cTn id="46" dur="1" fill="hold">
                                           <p:stCondLst>
                                             <p:cond delay="0"/>
                                           </p:stCondLst>
@@ -14517,15 +14769,16 @@
             </a:avLst>
           </a:prstGeom>
           <a:solidFill>
-            <a:srgbClr val="2E6770">
+            <a:schemeClr val="tx2">
               <a:alpha val="80000"/>
-            </a:srgbClr>
+            </a:schemeClr>
           </a:solidFill>
           <a:ln w="19050">
             <a:solidFill>
-              <a:srgbClr val="50A9B8">
+              <a:schemeClr val="tx1">
+                <a:lumMod val="50000"/>
                 <a:alpha val="80000"/>
-              </a:srgbClr>
+              </a:schemeClr>
             </a:solidFill>
           </a:ln>
         </p:spPr>
@@ -19007,14 +19260,6 @@
             </a:endParaRPr>
           </a:p>
           <a:p>
-            <a:pPr marL="514196" indent="-514196"/>
-            <a:r>
-              <a:rPr lang="bg-BG" sz="3199" dirty="0"/>
-              <a:t>Живот на променлива</a:t>
-            </a:r>
-            <a:endParaRPr lang="en-US" sz="3199" dirty="0"/>
-          </a:p>
-          <a:p>
             <a:r>
               <a:rPr lang="bg-BG" sz="3200" dirty="0"/>
               <a:t>Условна конструкция</a:t>
@@ -19341,55 +19586,6 @@
                                           <p:spTgt spid="3">
                                             <p:txEl>
                                               <p:pRg st="3" end="3"/>
-                                            </p:txEl>
-                                          </p:spTgt>
-                                        </p:tgtEl>
-                                        <p:attrNameLst>
-                                          <p:attrName>style.visibility</p:attrName>
-                                        </p:attrNameLst>
-                                      </p:cBhvr>
-                                      <p:to>
-                                        <p:strVal val="visible"/>
-                                      </p:to>
-                                    </p:set>
-                                  </p:childTnLst>
-                                </p:cTn>
-                              </p:par>
-                            </p:childTnLst>
-                          </p:cTn>
-                        </p:par>
-                      </p:childTnLst>
-                    </p:cTn>
-                  </p:par>
-                  <p:par>
-                    <p:cTn id="15" fill="hold">
-                      <p:stCondLst>
-                        <p:cond delay="indefinite"/>
-                      </p:stCondLst>
-                      <p:childTnLst>
-                        <p:par>
-                          <p:cTn id="16" fill="hold">
-                            <p:stCondLst>
-                              <p:cond delay="0"/>
-                            </p:stCondLst>
-                            <p:childTnLst>
-                              <p:par>
-                                <p:cTn id="17" presetID="1" presetClass="entr" presetSubtype="0" fill="hold" nodeType="clickEffect">
-                                  <p:stCondLst>
-                                    <p:cond delay="0"/>
-                                  </p:stCondLst>
-                                  <p:childTnLst>
-                                    <p:set>
-                                      <p:cBhvr>
-                                        <p:cTn id="18" dur="1" fill="hold">
-                                          <p:stCondLst>
-                                            <p:cond delay="0"/>
-                                          </p:stCondLst>
-                                        </p:cTn>
-                                        <p:tgtEl>
-                                          <p:spTgt spid="3">
-                                            <p:txEl>
-                                              <p:pRg st="4" end="4"/>
                                             </p:txEl>
                                           </p:spTgt>
                                         </p:tgtEl>
@@ -20701,15 +20897,16 @@
             </a:avLst>
           </a:prstGeom>
           <a:solidFill>
-            <a:srgbClr val="2E6770">
+            <a:schemeClr val="tx2">
               <a:alpha val="80000"/>
-            </a:srgbClr>
+            </a:schemeClr>
           </a:solidFill>
           <a:ln w="19050">
             <a:solidFill>
-              <a:srgbClr val="50A9B8">
+              <a:schemeClr val="tx1">
+                <a:lumMod val="50000"/>
                 <a:alpha val="80000"/>
-              </a:srgbClr>
+              </a:schemeClr>
             </a:solidFill>
           </a:ln>
         </p:spPr>
@@ -21115,3202 +21312,6 @@
       </p:grpSpPr>
       <p:sp>
         <p:nvSpPr>
-          <p:cNvPr id="5" name="Text Placeholder 4">
-            <a:extLst>
-              <a:ext uri="{FF2B5EF4-FFF2-40B4-BE49-F238E27FC236}">
-                <a16:creationId xmlns:a16="http://schemas.microsoft.com/office/drawing/2014/main" id="{F875AD71-F8B3-41C1-B63C-7413A47B62A0}"/>
-              </a:ext>
-            </a:extLst>
-          </p:cNvPr>
-          <p:cNvSpPr>
-            <a:spLocks noGrp="1"/>
-          </p:cNvSpPr>
-          <p:nvPr>
-            <p:ph type="body" sz="quarter" idx="10"/>
-          </p:nvPr>
-        </p:nvSpPr>
-        <p:spPr>
-          <a:xfrm>
-            <a:off x="190402" y="1179000"/>
-            <a:ext cx="11818096" cy="5528766"/>
-          </a:xfrm>
-        </p:spPr>
-        <p:txBody>
-          <a:bodyPr/>
-          <a:lstStyle/>
-          <a:p>
-            <a:r>
-              <a:rPr lang="bg-BG" sz="3599" dirty="0"/>
-              <a:t>Напишете програма, която:</a:t>
-            </a:r>
-          </a:p>
-          <a:p>
-            <a:pPr lvl="1"/>
-            <a:r>
-              <a:rPr lang="bg-BG" sz="3399" dirty="0"/>
-              <a:t>Прочита </a:t>
-            </a:r>
-            <a:r>
-              <a:rPr lang="bg-BG" sz="3399" b="1" dirty="0">
-                <a:solidFill>
-                  <a:schemeClr val="bg1"/>
-                </a:solidFill>
-              </a:rPr>
-              <a:t>вид</a:t>
-            </a:r>
-            <a:r>
-              <a:rPr lang="bg-BG" sz="3399" dirty="0"/>
-              <a:t> на </a:t>
-            </a:r>
-            <a:r>
-              <a:rPr lang="bg-BG" sz="3399" b="1" dirty="0">
-                <a:solidFill>
-                  <a:schemeClr val="bg1"/>
-                </a:solidFill>
-              </a:rPr>
-              <a:t>геометрична фигура</a:t>
-            </a:r>
-            <a:br>
-              <a:rPr lang="en-US" sz="3399" dirty="0"/>
-            </a:br>
-            <a:r>
-              <a:rPr lang="en-US" sz="3399" dirty="0"/>
-              <a:t>("</a:t>
-            </a:r>
-            <a:r>
-              <a:rPr lang="en-US" sz="3199" b="1" dirty="0">
-                <a:latin typeface="Consolas" panose="020B0609020204030204" pitchFamily="49" charset="0"/>
-              </a:rPr>
-              <a:t>square</a:t>
-            </a:r>
-            <a:r>
-              <a:rPr lang="en-US" sz="3399" dirty="0"/>
-              <a:t>"</a:t>
-            </a:r>
-            <a:r>
-              <a:rPr lang="bg-BG" sz="3399" dirty="0"/>
-              <a:t>, </a:t>
-            </a:r>
-            <a:r>
-              <a:rPr lang="en-US" sz="3399" dirty="0"/>
-              <a:t>"</a:t>
-            </a:r>
-            <a:r>
-              <a:rPr lang="en-US" sz="3199" b="1" dirty="0">
-                <a:latin typeface="Consolas" panose="020B0609020204030204" pitchFamily="49" charset="0"/>
-              </a:rPr>
-              <a:t>rectangle</a:t>
-            </a:r>
-            <a:r>
-              <a:rPr lang="en-US" sz="3399" dirty="0"/>
-              <a:t>"</a:t>
-            </a:r>
-            <a:r>
-              <a:rPr lang="bg-BG" sz="3399" dirty="0"/>
-              <a:t>, </a:t>
-            </a:r>
-            <a:r>
-              <a:rPr lang="en-US" sz="3399" dirty="0"/>
-              <a:t>"</a:t>
-            </a:r>
-            <a:r>
-              <a:rPr lang="en-US" sz="3199" b="1" dirty="0">
-                <a:latin typeface="Consolas" panose="020B0609020204030204" pitchFamily="49" charset="0"/>
-              </a:rPr>
-              <a:t>circle</a:t>
-            </a:r>
-            <a:r>
-              <a:rPr lang="en-US" sz="3399" dirty="0"/>
-              <a:t>" </a:t>
-            </a:r>
-            <a:r>
-              <a:rPr lang="bg-BG" sz="3399" dirty="0"/>
-              <a:t>или </a:t>
-            </a:r>
-            <a:r>
-              <a:rPr lang="en-US" sz="3399" dirty="0"/>
-              <a:t>"</a:t>
-            </a:r>
-            <a:r>
-              <a:rPr lang="en-US" sz="3199" b="1" dirty="0">
-                <a:latin typeface="Consolas" panose="020B0609020204030204" pitchFamily="49" charset="0"/>
-              </a:rPr>
-              <a:t>triangle</a:t>
-            </a:r>
-            <a:r>
-              <a:rPr lang="en-US" sz="3399" dirty="0"/>
-              <a:t>")</a:t>
-            </a:r>
-            <a:endParaRPr lang="bg-BG" sz="3399" dirty="0"/>
-          </a:p>
-          <a:p>
-            <a:pPr lvl="1"/>
-            <a:r>
-              <a:rPr lang="bg-BG" sz="3399" dirty="0"/>
-              <a:t>Пресмята </a:t>
-            </a:r>
-            <a:r>
-              <a:rPr lang="bg-BG" sz="3399" b="1" dirty="0">
-                <a:solidFill>
-                  <a:schemeClr val="bg1"/>
-                </a:solidFill>
-              </a:rPr>
-              <a:t>лицето</a:t>
-            </a:r>
-            <a:r>
-              <a:rPr lang="bg-BG" sz="3399" dirty="0"/>
-              <a:t> спрямо вида на фигурата</a:t>
-            </a:r>
-          </a:p>
-          <a:p>
-            <a:r>
-              <a:rPr lang="bg-BG" sz="3599" dirty="0"/>
-              <a:t>Примерен вход и изход:</a:t>
-            </a:r>
-          </a:p>
-        </p:txBody>
-      </p:sp>
-      <p:sp>
-        <p:nvSpPr>
-          <p:cNvPr id="4" name="Title 3">
-            <a:extLst>
-              <a:ext uri="{FF2B5EF4-FFF2-40B4-BE49-F238E27FC236}">
-                <a16:creationId xmlns:a16="http://schemas.microsoft.com/office/drawing/2014/main" id="{DBEA0B10-4A8D-4400-8F1F-A19738CF39F1}"/>
-              </a:ext>
-            </a:extLst>
-          </p:cNvPr>
-          <p:cNvSpPr>
-            <a:spLocks noGrp="1"/>
-          </p:cNvSpPr>
-          <p:nvPr>
-            <p:ph type="title"/>
-          </p:nvPr>
-        </p:nvSpPr>
-        <p:spPr/>
-        <p:txBody>
-          <a:bodyPr/>
-          <a:lstStyle/>
-          <a:p>
-            <a:r>
-              <a:rPr lang="bg-BG" dirty="0"/>
-              <a:t>Лица на фигури – условие</a:t>
-            </a:r>
-            <a:endParaRPr lang="en-US" dirty="0"/>
-          </a:p>
-        </p:txBody>
-      </p:sp>
-      <p:sp>
-        <p:nvSpPr>
-          <p:cNvPr id="6" name="Rectangle 5">
-            <a:extLst>
-              <a:ext uri="{FF2B5EF4-FFF2-40B4-BE49-F238E27FC236}">
-                <a16:creationId xmlns:a16="http://schemas.microsoft.com/office/drawing/2014/main" id="{2ED1E16B-E205-49C4-92AB-2E9E1D8744C9}"/>
-              </a:ext>
-            </a:extLst>
-          </p:cNvPr>
-          <p:cNvSpPr>
-            <a:spLocks noChangeArrowheads="1"/>
-          </p:cNvSpPr>
-          <p:nvPr/>
-        </p:nvSpPr>
-        <p:spPr bwMode="auto">
-          <a:xfrm>
-            <a:off x="5900973" y="3988495"/>
-            <a:ext cx="2034814" cy="953859"/>
-          </a:xfrm>
-          <a:prstGeom prst="rect">
-            <a:avLst/>
-          </a:prstGeom>
-          <a:solidFill>
-            <a:schemeClr val="accent5">
-              <a:lumMod val="40000"/>
-              <a:lumOff val="60000"/>
-              <a:alpha val="20000"/>
-            </a:schemeClr>
-          </a:solidFill>
-          <a:ln w="12700">
-            <a:solidFill>
-              <a:schemeClr val="accent5">
-                <a:lumMod val="60000"/>
-                <a:lumOff val="40000"/>
-              </a:schemeClr>
-            </a:solidFill>
-          </a:ln>
-        </p:spPr>
-        <p:txBody>
-          <a:bodyPr wrap="square" anchor="ctr" anchorCtr="0">
-            <a:spAutoFit/>
-          </a:bodyPr>
-          <a:lstStyle/>
-          <a:p>
-            <a:pPr eaLnBrk="0" hangingPunct="0">
-              <a:buClr>
-                <a:schemeClr val="accent5">
-                  <a:lumMod val="40000"/>
-                  <a:lumOff val="60000"/>
-                </a:schemeClr>
-              </a:buClr>
-              <a:buSzPct val="70000"/>
-            </a:pPr>
-            <a:r>
-              <a:rPr lang="en-US" sz="2799" b="1" noProof="1">
-                <a:latin typeface="Consolas" panose="020B0609020204030204" pitchFamily="49" charset="0"/>
-              </a:rPr>
-              <a:t>square</a:t>
-            </a:r>
-          </a:p>
-          <a:p>
-            <a:pPr eaLnBrk="0" hangingPunct="0">
-              <a:buClr>
-                <a:schemeClr val="accent5">
-                  <a:lumMod val="40000"/>
-                  <a:lumOff val="60000"/>
-                </a:schemeClr>
-              </a:buClr>
-              <a:buSzPct val="70000"/>
-            </a:pPr>
-            <a:r>
-              <a:rPr lang="en-US" sz="2799" b="1" noProof="1">
-                <a:latin typeface="Consolas" panose="020B0609020204030204" pitchFamily="49" charset="0"/>
-              </a:rPr>
-              <a:t>5</a:t>
-            </a:r>
-          </a:p>
-        </p:txBody>
-      </p:sp>
-      <p:sp>
-        <p:nvSpPr>
-          <p:cNvPr id="7" name="Right Arrow 11">
-            <a:extLst>
-              <a:ext uri="{FF2B5EF4-FFF2-40B4-BE49-F238E27FC236}">
-                <a16:creationId xmlns:a16="http://schemas.microsoft.com/office/drawing/2014/main" id="{ED98D4F7-CBBA-4143-A1B3-38D2411D7411}"/>
-              </a:ext>
-            </a:extLst>
-          </p:cNvPr>
-          <p:cNvSpPr/>
-          <p:nvPr/>
-        </p:nvSpPr>
-        <p:spPr>
-          <a:xfrm>
-            <a:off x="8324420" y="4351152"/>
-            <a:ext cx="380901" cy="228540"/>
-          </a:xfrm>
-          <a:prstGeom prst="rightArrow">
-            <a:avLst/>
-          </a:prstGeom>
-        </p:spPr>
-        <p:style>
-          <a:lnRef idx="2">
-            <a:schemeClr val="accent1">
-              <a:shade val="50000"/>
-            </a:schemeClr>
-          </a:lnRef>
-          <a:fillRef idx="1">
-            <a:schemeClr val="accent1"/>
-          </a:fillRef>
-          <a:effectRef idx="0">
-            <a:schemeClr val="accent1"/>
-          </a:effectRef>
-          <a:fontRef idx="minor">
-            <a:schemeClr val="lt1"/>
-          </a:fontRef>
-        </p:style>
-        <p:txBody>
-          <a:bodyPr rtlCol="0" anchor="ctr"/>
-          <a:lstStyle/>
-          <a:p>
-            <a:pPr algn="ctr"/>
-            <a:endParaRPr lang="en-US" sz="2799" dirty="0"/>
-          </a:p>
-        </p:txBody>
-      </p:sp>
-      <p:sp>
-        <p:nvSpPr>
-          <p:cNvPr id="8" name="Rectangle 7">
-            <a:extLst>
-              <a:ext uri="{FF2B5EF4-FFF2-40B4-BE49-F238E27FC236}">
-                <a16:creationId xmlns:a16="http://schemas.microsoft.com/office/drawing/2014/main" id="{AB984A81-C0C2-44B3-90FF-76CEEC186F3B}"/>
-              </a:ext>
-            </a:extLst>
-          </p:cNvPr>
-          <p:cNvSpPr>
-            <a:spLocks noChangeArrowheads="1"/>
-          </p:cNvSpPr>
-          <p:nvPr/>
-        </p:nvSpPr>
-        <p:spPr bwMode="auto">
-          <a:xfrm>
-            <a:off x="9065227" y="4203880"/>
-            <a:ext cx="1028432" cy="523084"/>
-          </a:xfrm>
-          <a:prstGeom prst="rect">
-            <a:avLst/>
-          </a:prstGeom>
-          <a:solidFill>
-            <a:schemeClr val="accent5">
-              <a:lumMod val="40000"/>
-              <a:lumOff val="60000"/>
-              <a:alpha val="20000"/>
-            </a:schemeClr>
-          </a:solidFill>
-          <a:ln w="12700">
-            <a:solidFill>
-              <a:schemeClr val="accent5">
-                <a:lumMod val="60000"/>
-                <a:lumOff val="40000"/>
-              </a:schemeClr>
-            </a:solidFill>
-          </a:ln>
-        </p:spPr>
-        <p:txBody>
-          <a:bodyPr wrap="square" anchor="ctr" anchorCtr="0">
-            <a:spAutoFit/>
-          </a:bodyPr>
-          <a:lstStyle/>
-          <a:p>
-            <a:pPr algn="ctr" eaLnBrk="0" hangingPunct="0">
-              <a:buClr>
-                <a:schemeClr val="accent5">
-                  <a:lumMod val="40000"/>
-                  <a:lumOff val="60000"/>
-                </a:schemeClr>
-              </a:buClr>
-              <a:buSzPct val="70000"/>
-            </a:pPr>
-            <a:r>
-              <a:rPr lang="it-IT" sz="2799" b="1" noProof="1">
-                <a:latin typeface="Consolas" panose="020B0609020204030204" pitchFamily="49" charset="0"/>
-              </a:rPr>
-              <a:t>25</a:t>
-            </a:r>
-          </a:p>
-        </p:txBody>
-      </p:sp>
-      <p:sp>
-        <p:nvSpPr>
-          <p:cNvPr id="9" name="Rectangle 8">
-            <a:extLst>
-              <a:ext uri="{FF2B5EF4-FFF2-40B4-BE49-F238E27FC236}">
-                <a16:creationId xmlns:a16="http://schemas.microsoft.com/office/drawing/2014/main" id="{E5F24A24-C912-47F3-B788-5E29D8F587C9}"/>
-              </a:ext>
-            </a:extLst>
-          </p:cNvPr>
-          <p:cNvSpPr>
-            <a:spLocks noChangeArrowheads="1"/>
-          </p:cNvSpPr>
-          <p:nvPr/>
-        </p:nvSpPr>
-        <p:spPr bwMode="auto">
-          <a:xfrm>
-            <a:off x="5900975" y="5148558"/>
-            <a:ext cx="2034815" cy="1384634"/>
-          </a:xfrm>
-          <a:prstGeom prst="rect">
-            <a:avLst/>
-          </a:prstGeom>
-          <a:solidFill>
-            <a:schemeClr val="accent5">
-              <a:lumMod val="40000"/>
-              <a:lumOff val="60000"/>
-              <a:alpha val="20000"/>
-            </a:schemeClr>
-          </a:solidFill>
-          <a:ln w="12700">
-            <a:solidFill>
-              <a:schemeClr val="accent5">
-                <a:lumMod val="60000"/>
-                <a:lumOff val="40000"/>
-              </a:schemeClr>
-            </a:solidFill>
-          </a:ln>
-        </p:spPr>
-        <p:txBody>
-          <a:bodyPr wrap="square" anchor="ctr" anchorCtr="0">
-            <a:spAutoFit/>
-          </a:bodyPr>
-          <a:lstStyle/>
-          <a:p>
-            <a:pPr eaLnBrk="0" hangingPunct="0">
-              <a:buClr>
-                <a:schemeClr val="accent5">
-                  <a:lumMod val="40000"/>
-                  <a:lumOff val="60000"/>
-                </a:schemeClr>
-              </a:buClr>
-              <a:buSzPct val="70000"/>
-            </a:pPr>
-            <a:r>
-              <a:rPr lang="en-US" sz="2799" b="1" dirty="0">
-                <a:latin typeface="Consolas" panose="020B0609020204030204" pitchFamily="49" charset="0"/>
-              </a:rPr>
-              <a:t>rectangle</a:t>
-            </a:r>
-          </a:p>
-          <a:p>
-            <a:pPr eaLnBrk="0" hangingPunct="0">
-              <a:buClr>
-                <a:schemeClr val="accent5">
-                  <a:lumMod val="40000"/>
-                  <a:lumOff val="60000"/>
-                </a:schemeClr>
-              </a:buClr>
-              <a:buSzPct val="70000"/>
-            </a:pPr>
-            <a:r>
-              <a:rPr lang="en-US" sz="2799" b="1" dirty="0">
-                <a:latin typeface="Consolas" panose="020B0609020204030204" pitchFamily="49" charset="0"/>
-              </a:rPr>
-              <a:t>7</a:t>
-            </a:r>
-          </a:p>
-          <a:p>
-            <a:pPr eaLnBrk="0" hangingPunct="0">
-              <a:buClr>
-                <a:schemeClr val="accent5">
-                  <a:lumMod val="40000"/>
-                  <a:lumOff val="60000"/>
-                </a:schemeClr>
-              </a:buClr>
-              <a:buSzPct val="70000"/>
-            </a:pPr>
-            <a:r>
-              <a:rPr lang="en-US" sz="2799" b="1" dirty="0">
-                <a:latin typeface="Consolas" panose="020B0609020204030204" pitchFamily="49" charset="0"/>
-              </a:rPr>
-              <a:t>2.5</a:t>
-            </a:r>
-          </a:p>
-        </p:txBody>
-      </p:sp>
-      <p:sp>
-        <p:nvSpPr>
-          <p:cNvPr id="10" name="Right Arrow 11">
-            <a:extLst>
-              <a:ext uri="{FF2B5EF4-FFF2-40B4-BE49-F238E27FC236}">
-                <a16:creationId xmlns:a16="http://schemas.microsoft.com/office/drawing/2014/main" id="{50A3F34F-F326-4D95-8EE0-5BC4B7D5EEC5}"/>
-              </a:ext>
-            </a:extLst>
-          </p:cNvPr>
-          <p:cNvSpPr/>
-          <p:nvPr/>
-        </p:nvSpPr>
-        <p:spPr>
-          <a:xfrm>
-            <a:off x="8324420" y="5726604"/>
-            <a:ext cx="380901" cy="228540"/>
-          </a:xfrm>
-          <a:prstGeom prst="rightArrow">
-            <a:avLst/>
-          </a:prstGeom>
-        </p:spPr>
-        <p:style>
-          <a:lnRef idx="2">
-            <a:schemeClr val="accent1">
-              <a:shade val="50000"/>
-            </a:schemeClr>
-          </a:lnRef>
-          <a:fillRef idx="1">
-            <a:schemeClr val="accent1"/>
-          </a:fillRef>
-          <a:effectRef idx="0">
-            <a:schemeClr val="accent1"/>
-          </a:effectRef>
-          <a:fontRef idx="minor">
-            <a:schemeClr val="lt1"/>
-          </a:fontRef>
-        </p:style>
-        <p:txBody>
-          <a:bodyPr rtlCol="0" anchor="ctr"/>
-          <a:lstStyle/>
-          <a:p>
-            <a:pPr algn="ctr"/>
-            <a:endParaRPr lang="en-US" sz="2799" dirty="0"/>
-          </a:p>
-        </p:txBody>
-      </p:sp>
-      <p:sp>
-        <p:nvSpPr>
-          <p:cNvPr id="11" name="Rectangle 10">
-            <a:extLst>
-              <a:ext uri="{FF2B5EF4-FFF2-40B4-BE49-F238E27FC236}">
-                <a16:creationId xmlns:a16="http://schemas.microsoft.com/office/drawing/2014/main" id="{EF83B9EC-2D98-48C7-A659-C97E7FEFA43A}"/>
-              </a:ext>
-            </a:extLst>
-          </p:cNvPr>
-          <p:cNvSpPr>
-            <a:spLocks noChangeArrowheads="1"/>
-          </p:cNvSpPr>
-          <p:nvPr/>
-        </p:nvSpPr>
-        <p:spPr bwMode="auto">
-          <a:xfrm>
-            <a:off x="9065227" y="5579332"/>
-            <a:ext cx="1028432" cy="523084"/>
-          </a:xfrm>
-          <a:prstGeom prst="rect">
-            <a:avLst/>
-          </a:prstGeom>
-          <a:solidFill>
-            <a:schemeClr val="accent5">
-              <a:lumMod val="40000"/>
-              <a:lumOff val="60000"/>
-              <a:alpha val="20000"/>
-            </a:schemeClr>
-          </a:solidFill>
-          <a:ln w="12700">
-            <a:solidFill>
-              <a:schemeClr val="accent5">
-                <a:lumMod val="60000"/>
-                <a:lumOff val="40000"/>
-              </a:schemeClr>
-            </a:solidFill>
-          </a:ln>
-        </p:spPr>
-        <p:txBody>
-          <a:bodyPr wrap="square" anchor="ctr" anchorCtr="0">
-            <a:spAutoFit/>
-          </a:bodyPr>
-          <a:lstStyle/>
-          <a:p>
-            <a:pPr algn="ctr" eaLnBrk="0" hangingPunct="0">
-              <a:buClr>
-                <a:schemeClr val="accent5">
-                  <a:lumMod val="40000"/>
-                  <a:lumOff val="60000"/>
-                </a:schemeClr>
-              </a:buClr>
-              <a:buSzPct val="70000"/>
-            </a:pPr>
-            <a:r>
-              <a:rPr lang="it-IT" sz="2799" b="1" noProof="1">
-                <a:latin typeface="Consolas" panose="020B0609020204030204" pitchFamily="49" charset="0"/>
-              </a:rPr>
-              <a:t>17.5</a:t>
-            </a:r>
-          </a:p>
-        </p:txBody>
-      </p:sp>
-      <p:sp>
-        <p:nvSpPr>
-          <p:cNvPr id="13" name="Slide Number">
-            <a:extLst>
-              <a:ext uri="{FF2B5EF4-FFF2-40B4-BE49-F238E27FC236}">
-                <a16:creationId xmlns:a16="http://schemas.microsoft.com/office/drawing/2014/main" id="{99F12191-5FFE-44F3-BB7D-A343EADAC5E9}"/>
-              </a:ext>
-            </a:extLst>
-          </p:cNvPr>
-          <p:cNvSpPr>
-            <a:spLocks noGrp="1"/>
-          </p:cNvSpPr>
-          <p:nvPr>
-            <p:ph type="sldNum" sz="quarter" idx="5"/>
-          </p:nvPr>
-        </p:nvSpPr>
-        <p:spPr>
-          <a:xfrm>
-            <a:off x="11753030" y="6507000"/>
-            <a:ext cx="367414" cy="297000"/>
-          </a:xfrm>
-          <a:prstGeom prst="rect">
-            <a:avLst/>
-          </a:prstGeom>
-        </p:spPr>
-        <p:txBody>
-          <a:bodyPr vert="horz" lIns="91440" tIns="45720" rIns="91440" bIns="45720" rtlCol="0" anchor="b"/>
-          <a:lstStyle>
-            <a:lvl1pPr algn="r">
-              <a:defRPr sz="1000"/>
-            </a:lvl1pPr>
-          </a:lstStyle>
-          <a:p>
-            <a:fld id="{2BF067CD-8E6B-4360-9AA8-C5DF2A48A6D1}" type="slidenum">
-              <a:rPr lang="en-US" noProof="0" smtClean="0"/>
-              <a:pPr/>
-              <a:t>23</a:t>
-            </a:fld>
-            <a:endParaRPr lang="en-US" noProof="0" dirty="0"/>
-          </a:p>
-        </p:txBody>
-      </p:sp>
-    </p:spTree>
-    <p:extLst>
-      <p:ext uri="{BB962C8B-B14F-4D97-AF65-F5344CB8AC3E}">
-        <p14:creationId xmlns:p14="http://schemas.microsoft.com/office/powerpoint/2010/main" val="2616490278"/>
-      </p:ext>
-    </p:extLst>
-  </p:cSld>
-  <p:clrMapOvr>
-    <a:masterClrMapping/>
-  </p:clrMapOvr>
-  <mc:AlternateContent xmlns:mc="http://schemas.openxmlformats.org/markup-compatibility/2006" xmlns:p14="http://schemas.microsoft.com/office/powerpoint/2010/main">
-    <mc:Choice Requires="p14">
-      <p:transition p14:dur="0" advClick="0" advTm="5000"/>
-    </mc:Choice>
-    <mc:Fallback xmlns="">
-      <p:transition advClick="0" advTm="5000"/>
-    </mc:Fallback>
-  </mc:AlternateContent>
-  <p:timing>
-    <p:tnLst>
-      <p:par>
-        <p:cTn id="1" dur="indefinite" restart="never" nodeType="tmRoot">
-          <p:childTnLst>
-            <p:seq concurrent="1" nextAc="seek">
-              <p:cTn id="2" dur="indefinite" nodeType="mainSeq">
-                <p:childTnLst>
-                  <p:par>
-                    <p:cTn id="3" fill="hold">
-                      <p:stCondLst>
-                        <p:cond delay="indefinite"/>
-                      </p:stCondLst>
-                      <p:childTnLst>
-                        <p:par>
-                          <p:cTn id="4" fill="hold">
-                            <p:stCondLst>
-                              <p:cond delay="0"/>
-                            </p:stCondLst>
-                            <p:childTnLst>
-                              <p:par>
-                                <p:cTn id="5" presetID="1" presetClass="entr" presetSubtype="0" fill="hold" nodeType="clickEffect">
-                                  <p:stCondLst>
-                                    <p:cond delay="0"/>
-                                  </p:stCondLst>
-                                  <p:childTnLst>
-                                    <p:set>
-                                      <p:cBhvr>
-                                        <p:cTn id="6" dur="1" fill="hold">
-                                          <p:stCondLst>
-                                            <p:cond delay="0"/>
-                                          </p:stCondLst>
-                                        </p:cTn>
-                                        <p:tgtEl>
-                                          <p:spTgt spid="5">
-                                            <p:txEl>
-                                              <p:pRg st="2" end="2"/>
-                                            </p:txEl>
-                                          </p:spTgt>
-                                        </p:tgtEl>
-                                        <p:attrNameLst>
-                                          <p:attrName>style.visibility</p:attrName>
-                                        </p:attrNameLst>
-                                      </p:cBhvr>
-                                      <p:to>
-                                        <p:strVal val="visible"/>
-                                      </p:to>
-                                    </p:set>
-                                  </p:childTnLst>
-                                </p:cTn>
-                              </p:par>
-                            </p:childTnLst>
-                          </p:cTn>
-                        </p:par>
-                      </p:childTnLst>
-                    </p:cTn>
-                  </p:par>
-                  <p:par>
-                    <p:cTn id="7" fill="hold">
-                      <p:stCondLst>
-                        <p:cond delay="indefinite"/>
-                      </p:stCondLst>
-                      <p:childTnLst>
-                        <p:par>
-                          <p:cTn id="8" fill="hold">
-                            <p:stCondLst>
-                              <p:cond delay="0"/>
-                            </p:stCondLst>
-                            <p:childTnLst>
-                              <p:par>
-                                <p:cTn id="9" presetID="1" presetClass="entr" presetSubtype="0" fill="hold" nodeType="clickEffect">
-                                  <p:stCondLst>
-                                    <p:cond delay="0"/>
-                                  </p:stCondLst>
-                                  <p:childTnLst>
-                                    <p:set>
-                                      <p:cBhvr>
-                                        <p:cTn id="10" dur="1" fill="hold">
-                                          <p:stCondLst>
-                                            <p:cond delay="0"/>
-                                          </p:stCondLst>
-                                        </p:cTn>
-                                        <p:tgtEl>
-                                          <p:spTgt spid="5">
-                                            <p:txEl>
-                                              <p:pRg st="3" end="3"/>
-                                            </p:txEl>
-                                          </p:spTgt>
-                                        </p:tgtEl>
-                                        <p:attrNameLst>
-                                          <p:attrName>style.visibility</p:attrName>
-                                        </p:attrNameLst>
-                                      </p:cBhvr>
-                                      <p:to>
-                                        <p:strVal val="visible"/>
-                                      </p:to>
-                                    </p:set>
-                                  </p:childTnLst>
-                                </p:cTn>
-                              </p:par>
-                              <p:par>
-                                <p:cTn id="11" presetID="1" presetClass="entr" presetSubtype="0" fill="hold" grpId="0" nodeType="withEffect">
-                                  <p:stCondLst>
-                                    <p:cond delay="0"/>
-                                  </p:stCondLst>
-                                  <p:childTnLst>
-                                    <p:set>
-                                      <p:cBhvr>
-                                        <p:cTn id="12" dur="1" fill="hold">
-                                          <p:stCondLst>
-                                            <p:cond delay="0"/>
-                                          </p:stCondLst>
-                                        </p:cTn>
-                                        <p:tgtEl>
-                                          <p:spTgt spid="6"/>
-                                        </p:tgtEl>
-                                        <p:attrNameLst>
-                                          <p:attrName>style.visibility</p:attrName>
-                                        </p:attrNameLst>
-                                      </p:cBhvr>
-                                      <p:to>
-                                        <p:strVal val="visible"/>
-                                      </p:to>
-                                    </p:set>
-                                  </p:childTnLst>
-                                </p:cTn>
-                              </p:par>
-                              <p:par>
-                                <p:cTn id="13" presetID="1" presetClass="entr" presetSubtype="0" fill="hold" grpId="0" nodeType="withEffect">
-                                  <p:stCondLst>
-                                    <p:cond delay="0"/>
-                                  </p:stCondLst>
-                                  <p:childTnLst>
-                                    <p:set>
-                                      <p:cBhvr>
-                                        <p:cTn id="14" dur="1" fill="hold">
-                                          <p:stCondLst>
-                                            <p:cond delay="0"/>
-                                          </p:stCondLst>
-                                        </p:cTn>
-                                        <p:tgtEl>
-                                          <p:spTgt spid="7"/>
-                                        </p:tgtEl>
-                                        <p:attrNameLst>
-                                          <p:attrName>style.visibility</p:attrName>
-                                        </p:attrNameLst>
-                                      </p:cBhvr>
-                                      <p:to>
-                                        <p:strVal val="visible"/>
-                                      </p:to>
-                                    </p:set>
-                                  </p:childTnLst>
-                                </p:cTn>
-                              </p:par>
-                              <p:par>
-                                <p:cTn id="15" presetID="1" presetClass="entr" presetSubtype="0" fill="hold" grpId="0" nodeType="withEffect">
-                                  <p:stCondLst>
-                                    <p:cond delay="0"/>
-                                  </p:stCondLst>
-                                  <p:childTnLst>
-                                    <p:set>
-                                      <p:cBhvr>
-                                        <p:cTn id="16" dur="1" fill="hold">
-                                          <p:stCondLst>
-                                            <p:cond delay="0"/>
-                                          </p:stCondLst>
-                                        </p:cTn>
-                                        <p:tgtEl>
-                                          <p:spTgt spid="8"/>
-                                        </p:tgtEl>
-                                        <p:attrNameLst>
-                                          <p:attrName>style.visibility</p:attrName>
-                                        </p:attrNameLst>
-                                      </p:cBhvr>
-                                      <p:to>
-                                        <p:strVal val="visible"/>
-                                      </p:to>
-                                    </p:set>
-                                  </p:childTnLst>
-                                </p:cTn>
-                              </p:par>
-                            </p:childTnLst>
-                          </p:cTn>
-                        </p:par>
-                      </p:childTnLst>
-                    </p:cTn>
-                  </p:par>
-                  <p:par>
-                    <p:cTn id="17" fill="hold">
-                      <p:stCondLst>
-                        <p:cond delay="indefinite"/>
-                      </p:stCondLst>
-                      <p:childTnLst>
-                        <p:par>
-                          <p:cTn id="18" fill="hold">
-                            <p:stCondLst>
-                              <p:cond delay="0"/>
-                            </p:stCondLst>
-                            <p:childTnLst>
-                              <p:par>
-                                <p:cTn id="19" presetID="1" presetClass="entr" presetSubtype="0" fill="hold" grpId="0" nodeType="clickEffect">
-                                  <p:stCondLst>
-                                    <p:cond delay="0"/>
-                                  </p:stCondLst>
-                                  <p:childTnLst>
-                                    <p:set>
-                                      <p:cBhvr>
-                                        <p:cTn id="20" dur="1" fill="hold">
-                                          <p:stCondLst>
-                                            <p:cond delay="0"/>
-                                          </p:stCondLst>
-                                        </p:cTn>
-                                        <p:tgtEl>
-                                          <p:spTgt spid="9"/>
-                                        </p:tgtEl>
-                                        <p:attrNameLst>
-                                          <p:attrName>style.visibility</p:attrName>
-                                        </p:attrNameLst>
-                                      </p:cBhvr>
-                                      <p:to>
-                                        <p:strVal val="visible"/>
-                                      </p:to>
-                                    </p:set>
-                                  </p:childTnLst>
-                                </p:cTn>
-                              </p:par>
-                              <p:par>
-                                <p:cTn id="21" presetID="1" presetClass="entr" presetSubtype="0" fill="hold" grpId="0" nodeType="withEffect">
-                                  <p:stCondLst>
-                                    <p:cond delay="0"/>
-                                  </p:stCondLst>
-                                  <p:childTnLst>
-                                    <p:set>
-                                      <p:cBhvr>
-                                        <p:cTn id="22" dur="1" fill="hold">
-                                          <p:stCondLst>
-                                            <p:cond delay="0"/>
-                                          </p:stCondLst>
-                                        </p:cTn>
-                                        <p:tgtEl>
-                                          <p:spTgt spid="10"/>
-                                        </p:tgtEl>
-                                        <p:attrNameLst>
-                                          <p:attrName>style.visibility</p:attrName>
-                                        </p:attrNameLst>
-                                      </p:cBhvr>
-                                      <p:to>
-                                        <p:strVal val="visible"/>
-                                      </p:to>
-                                    </p:set>
-                                  </p:childTnLst>
-                                </p:cTn>
-                              </p:par>
-                              <p:par>
-                                <p:cTn id="23" presetID="1" presetClass="entr" presetSubtype="0" fill="hold" grpId="0" nodeType="withEffect">
-                                  <p:stCondLst>
-                                    <p:cond delay="0"/>
-                                  </p:stCondLst>
-                                  <p:childTnLst>
-                                    <p:set>
-                                      <p:cBhvr>
-                                        <p:cTn id="24" dur="1" fill="hold">
-                                          <p:stCondLst>
-                                            <p:cond delay="0"/>
-                                          </p:stCondLst>
-                                        </p:cTn>
-                                        <p:tgtEl>
-                                          <p:spTgt spid="11"/>
-                                        </p:tgtEl>
-                                        <p:attrNameLst>
-                                          <p:attrName>style.visibility</p:attrName>
-                                        </p:attrNameLst>
-                                      </p:cBhvr>
-                                      <p:to>
-                                        <p:strVal val="visible"/>
-                                      </p:to>
-                                    </p:set>
-                                  </p:childTnLst>
-                                </p:cTn>
-                              </p:par>
-                            </p:childTnLst>
-                          </p:cTn>
-                        </p:par>
-                      </p:childTnLst>
-                    </p:cTn>
-                  </p:par>
-                </p:childTnLst>
-              </p:cTn>
-              <p:prevCondLst>
-                <p:cond evt="onPrev" delay="0">
-                  <p:tgtEl>
-                    <p:sldTgt/>
-                  </p:tgtEl>
-                </p:cond>
-              </p:prevCondLst>
-              <p:nextCondLst>
-                <p:cond evt="onNext" delay="0">
-                  <p:tgtEl>
-                    <p:sldTgt/>
-                  </p:tgtEl>
-                </p:cond>
-              </p:nextCondLst>
-            </p:seq>
-          </p:childTnLst>
-        </p:cTn>
-      </p:par>
-    </p:tnLst>
-    <p:bldLst>
-      <p:bldP spid="6" grpId="0" animBg="1"/>
-      <p:bldP spid="7" grpId="0" animBg="1"/>
-      <p:bldP spid="8" grpId="0" animBg="1"/>
-      <p:bldP spid="9" grpId="0" animBg="1"/>
-      <p:bldP spid="10" grpId="0" animBg="1"/>
-      <p:bldP spid="11" grpId="0" animBg="1"/>
-    </p:bldLst>
-  </p:timing>
-</p:sld>
-</file>
-
-<file path=ppt/slides/slide24.xml><?xml version="1.0" encoding="utf-8"?>
-<p:sld xmlns:a="http://schemas.openxmlformats.org/drawingml/2006/main" xmlns:r="http://schemas.openxmlformats.org/officeDocument/2006/relationships" xmlns:p="http://schemas.openxmlformats.org/presentationml/2006/main">
-  <p:cSld>
-    <p:spTree>
-      <p:nvGrpSpPr>
-        <p:cNvPr id="1" name=""/>
-        <p:cNvGrpSpPr/>
-        <p:nvPr/>
-      </p:nvGrpSpPr>
-      <p:grpSpPr>
-        <a:xfrm>
-          <a:off x="0" y="0"/>
-          <a:ext cx="0" cy="0"/>
-          <a:chOff x="0" y="0"/>
-          <a:chExt cx="0" cy="0"/>
-        </a:xfrm>
-      </p:grpSpPr>
-      <p:sp>
-        <p:nvSpPr>
-          <p:cNvPr id="5" name="Text Placeholder 4">
-            <a:extLst>
-              <a:ext uri="{FF2B5EF4-FFF2-40B4-BE49-F238E27FC236}">
-                <a16:creationId xmlns:a16="http://schemas.microsoft.com/office/drawing/2014/main" id="{AA25CC99-FB4F-4B8C-BE77-95F6D79D45AB}"/>
-              </a:ext>
-            </a:extLst>
-          </p:cNvPr>
-          <p:cNvSpPr>
-            <a:spLocks noGrp="1"/>
-          </p:cNvSpPr>
-          <p:nvPr>
-            <p:ph type="body" sz="quarter" idx="11"/>
-          </p:nvPr>
-        </p:nvSpPr>
-        <p:spPr>
-          <a:xfrm>
-            <a:off x="1679641" y="1292684"/>
-            <a:ext cx="8826360" cy="4791316"/>
-          </a:xfrm>
-          <a:ln>
-            <a:solidFill>
-              <a:schemeClr val="tx1">
-                <a:lumMod val="50000"/>
-              </a:schemeClr>
-            </a:solidFill>
-          </a:ln>
-        </p:spPr>
-        <p:txBody>
-          <a:bodyPr/>
-          <a:lstStyle/>
-          <a:p>
-            <a:pPr>
-              <a:lnSpc>
-                <a:spcPct val="100000"/>
-              </a:lnSpc>
-              <a:spcBef>
-                <a:spcPts val="200"/>
-              </a:spcBef>
-              <a:spcAft>
-                <a:spcPts val="200"/>
-              </a:spcAft>
-            </a:pPr>
-            <a:r>
-              <a:rPr lang="en-US" sz="2399" dirty="0"/>
-              <a:t>string shape = Console.ReadLine();</a:t>
-            </a:r>
-          </a:p>
-          <a:p>
-            <a:pPr>
-              <a:lnSpc>
-                <a:spcPct val="100000"/>
-              </a:lnSpc>
-              <a:spcBef>
-                <a:spcPts val="200"/>
-              </a:spcBef>
-              <a:spcAft>
-                <a:spcPts val="200"/>
-              </a:spcAft>
-            </a:pPr>
-            <a:r>
-              <a:rPr lang="en-US" sz="2399" dirty="0"/>
-              <a:t>double area = 0;</a:t>
-            </a:r>
-          </a:p>
-          <a:p>
-            <a:pPr>
-              <a:lnSpc>
-                <a:spcPct val="100000"/>
-              </a:lnSpc>
-              <a:spcBef>
-                <a:spcPts val="200"/>
-              </a:spcBef>
-              <a:spcAft>
-                <a:spcPts val="200"/>
-              </a:spcAft>
-            </a:pPr>
-            <a:r>
-              <a:rPr lang="en-US" sz="2399" dirty="0">
-                <a:solidFill>
-                  <a:schemeClr val="bg1"/>
-                </a:solidFill>
-              </a:rPr>
-              <a:t>if</a:t>
-            </a:r>
-            <a:r>
-              <a:rPr lang="en-US" sz="2399" dirty="0"/>
-              <a:t>(shape == "square")</a:t>
-            </a:r>
-          </a:p>
-          <a:p>
-            <a:pPr>
-              <a:lnSpc>
-                <a:spcPct val="100000"/>
-              </a:lnSpc>
-              <a:spcBef>
-                <a:spcPts val="200"/>
-              </a:spcBef>
-              <a:spcAft>
-                <a:spcPts val="200"/>
-              </a:spcAft>
-            </a:pPr>
-            <a:r>
-              <a:rPr lang="en-US" sz="2399" dirty="0"/>
-              <a:t>  double side = double.Parse(Console.ReadLine());</a:t>
-            </a:r>
-          </a:p>
-          <a:p>
-            <a:pPr>
-              <a:lnSpc>
-                <a:spcPct val="100000"/>
-              </a:lnSpc>
-              <a:spcBef>
-                <a:spcPts val="200"/>
-              </a:spcBef>
-              <a:spcAft>
-                <a:spcPts val="200"/>
-              </a:spcAft>
-            </a:pPr>
-            <a:r>
-              <a:rPr lang="en-US" sz="2399" dirty="0"/>
-              <a:t>  area = side * side;</a:t>
-            </a:r>
-          </a:p>
-          <a:p>
-            <a:pPr>
-              <a:lnSpc>
-                <a:spcPct val="100000"/>
-              </a:lnSpc>
-              <a:spcBef>
-                <a:spcPts val="200"/>
-              </a:spcBef>
-              <a:spcAft>
-                <a:spcPts val="200"/>
-              </a:spcAft>
-            </a:pPr>
-            <a:r>
-              <a:rPr lang="en-US" sz="2399" dirty="0">
-                <a:solidFill>
-                  <a:schemeClr val="bg1"/>
-                </a:solidFill>
-              </a:rPr>
-              <a:t>else if</a:t>
-            </a:r>
-            <a:r>
-              <a:rPr lang="en-US" sz="2399" dirty="0"/>
-              <a:t>(shape == "rectangle")</a:t>
-            </a:r>
-          </a:p>
-          <a:p>
-            <a:pPr>
-              <a:lnSpc>
-                <a:spcPct val="100000"/>
-              </a:lnSpc>
-              <a:spcBef>
-                <a:spcPts val="200"/>
-              </a:spcBef>
-              <a:spcAft>
-                <a:spcPts val="200"/>
-              </a:spcAft>
-            </a:pPr>
-            <a:r>
-              <a:rPr lang="en-US" sz="2399" dirty="0"/>
-              <a:t>  double sideA = double.Parse(Console.ReadLine());</a:t>
-            </a:r>
-          </a:p>
-          <a:p>
-            <a:pPr>
-              <a:lnSpc>
-                <a:spcPct val="100000"/>
-              </a:lnSpc>
-              <a:spcBef>
-                <a:spcPts val="200"/>
-              </a:spcBef>
-              <a:spcAft>
-                <a:spcPts val="200"/>
-              </a:spcAft>
-            </a:pPr>
-            <a:r>
-              <a:rPr lang="en-US" sz="2399" dirty="0"/>
-              <a:t>  double sideB = double.Parse(Console.ReadLine());</a:t>
-            </a:r>
-          </a:p>
-          <a:p>
-            <a:pPr>
-              <a:lnSpc>
-                <a:spcPct val="100000"/>
-              </a:lnSpc>
-              <a:spcBef>
-                <a:spcPts val="200"/>
-              </a:spcBef>
-              <a:spcAft>
-                <a:spcPts val="200"/>
-              </a:spcAft>
-            </a:pPr>
-            <a:r>
-              <a:rPr lang="en-US" sz="2399" dirty="0"/>
-              <a:t>  area = sideA * sideB;</a:t>
-            </a:r>
-          </a:p>
-          <a:p>
-            <a:pPr>
-              <a:lnSpc>
-                <a:spcPct val="100000"/>
-              </a:lnSpc>
-              <a:spcBef>
-                <a:spcPts val="200"/>
-              </a:spcBef>
-              <a:spcAft>
-                <a:spcPts val="200"/>
-              </a:spcAft>
-            </a:pPr>
-            <a:r>
-              <a:rPr lang="en-US" sz="2399" dirty="0">
-                <a:solidFill>
-                  <a:schemeClr val="accent2"/>
-                </a:solidFill>
-              </a:rPr>
-              <a:t>//TODO: </a:t>
-            </a:r>
-            <a:r>
-              <a:rPr lang="bg-BG" sz="2399" i="1" dirty="0">
-                <a:solidFill>
-                  <a:schemeClr val="accent2"/>
-                </a:solidFill>
-              </a:rPr>
-              <a:t>добавете останалите условия</a:t>
-            </a:r>
-            <a:endParaRPr lang="en-US" sz="2399" i="1" dirty="0">
-              <a:solidFill>
-                <a:schemeClr val="accent2"/>
-              </a:solidFill>
-            </a:endParaRPr>
-          </a:p>
-          <a:p>
-            <a:pPr>
-              <a:lnSpc>
-                <a:spcPct val="100000"/>
-              </a:lnSpc>
-              <a:spcBef>
-                <a:spcPts val="200"/>
-              </a:spcBef>
-              <a:spcAft>
-                <a:spcPts val="200"/>
-              </a:spcAft>
-            </a:pPr>
-            <a:r>
-              <a:rPr lang="en-US" sz="2399" dirty="0"/>
-              <a:t>Console.WriteLine(area);</a:t>
-            </a:r>
-          </a:p>
-        </p:txBody>
-      </p:sp>
-      <p:sp>
-        <p:nvSpPr>
-          <p:cNvPr id="4" name="Title 3"/>
-          <p:cNvSpPr>
-            <a:spLocks noGrp="1"/>
-          </p:cNvSpPr>
-          <p:nvPr>
-            <p:ph type="title"/>
-          </p:nvPr>
-        </p:nvSpPr>
-        <p:spPr/>
-        <p:txBody>
-          <a:bodyPr/>
-          <a:lstStyle/>
-          <a:p>
-            <a:r>
-              <a:rPr lang="bg-BG" dirty="0"/>
-              <a:t>Лица на фигури – решение</a:t>
-            </a:r>
-          </a:p>
-        </p:txBody>
-      </p:sp>
-      <p:sp>
-        <p:nvSpPr>
-          <p:cNvPr id="6" name="Rectangle 6">
-            <a:extLst>
-              <a:ext uri="{FF2B5EF4-FFF2-40B4-BE49-F238E27FC236}">
-                <a16:creationId xmlns:a16="http://schemas.microsoft.com/office/drawing/2014/main" id="{24E3D9AE-B892-4AD5-9F44-73128160B58E}"/>
-              </a:ext>
-            </a:extLst>
-          </p:cNvPr>
-          <p:cNvSpPr/>
-          <p:nvPr/>
-        </p:nvSpPr>
-        <p:spPr>
-          <a:xfrm>
-            <a:off x="744516" y="6352702"/>
-            <a:ext cx="10725329" cy="400006"/>
-          </a:xfrm>
-          <a:prstGeom prst="rect">
-            <a:avLst/>
-          </a:prstGeom>
-        </p:spPr>
-        <p:txBody>
-          <a:bodyPr wrap="square">
-            <a:spAutoFit/>
-          </a:bodyPr>
-          <a:lstStyle/>
-          <a:p>
-            <a:pPr algn="ctr"/>
-            <a:r>
-              <a:rPr lang="bg-BG" sz="1999" dirty="0"/>
-              <a:t>Тествайте</a:t>
-            </a:r>
-            <a:r>
-              <a:rPr lang="bg-BG" sz="1999" dirty="0">
-                <a:solidFill>
-                  <a:prstClr val="white"/>
-                </a:solidFill>
-              </a:rPr>
-              <a:t> </a:t>
-            </a:r>
-            <a:r>
-              <a:rPr lang="bg-BG" sz="1999" dirty="0"/>
-              <a:t>решението си в </a:t>
-            </a:r>
-            <a:r>
-              <a:rPr lang="en-US" sz="1999" dirty="0"/>
-              <a:t>Judge: </a:t>
-            </a:r>
-            <a:r>
-              <a:rPr lang="en-US" sz="1999" dirty="0">
-                <a:hlinkClick r:id="rId2"/>
-              </a:rPr>
-              <a:t>https://judge.softuni.bg/Contests/Practice/Index/3155#5</a:t>
-            </a:r>
-            <a:endParaRPr lang="en-US" sz="1999" dirty="0">
-              <a:solidFill>
-                <a:prstClr val="white"/>
-              </a:solidFill>
-            </a:endParaRPr>
-          </a:p>
-        </p:txBody>
-      </p:sp>
-      <p:sp>
-        <p:nvSpPr>
-          <p:cNvPr id="8" name="Slide Number">
-            <a:extLst>
-              <a:ext uri="{FF2B5EF4-FFF2-40B4-BE49-F238E27FC236}">
-                <a16:creationId xmlns:a16="http://schemas.microsoft.com/office/drawing/2014/main" id="{2EF11F24-5E3C-4DED-898D-C3CF4CFA9A2C}"/>
-              </a:ext>
-            </a:extLst>
-          </p:cNvPr>
-          <p:cNvSpPr txBox="1">
-            <a:spLocks/>
-          </p:cNvSpPr>
-          <p:nvPr/>
-        </p:nvSpPr>
-        <p:spPr>
-          <a:xfrm>
-            <a:off x="11753030" y="6507000"/>
-            <a:ext cx="367414" cy="297000"/>
-          </a:xfrm>
-          <a:prstGeom prst="rect">
-            <a:avLst/>
-          </a:prstGeom>
-        </p:spPr>
-        <p:txBody>
-          <a:bodyPr vert="horz" lIns="91440" tIns="45720" rIns="91440" bIns="45720" rtlCol="0" anchor="b"/>
-          <a:lstStyle>
-            <a:defPPr>
-              <a:defRPr lang="en-US"/>
-            </a:defPPr>
-            <a:lvl1pPr marL="0" algn="r" defTabSz="914400" rtl="0" eaLnBrk="1" latinLnBrk="0" hangingPunct="1">
-              <a:defRPr sz="1000" kern="1200">
-                <a:solidFill>
-                  <a:schemeClr val="tx1"/>
-                </a:solidFill>
-                <a:latin typeface="+mn-lt"/>
-                <a:ea typeface="+mn-ea"/>
-                <a:cs typeface="+mn-cs"/>
-              </a:defRPr>
-            </a:lvl1pPr>
-            <a:lvl2pPr marL="457200" algn="l" defTabSz="914400" rtl="0" eaLnBrk="1" latinLnBrk="0" hangingPunct="1">
-              <a:defRPr sz="1800" kern="1200">
-                <a:solidFill>
-                  <a:schemeClr val="tx1"/>
-                </a:solidFill>
-                <a:latin typeface="+mn-lt"/>
-                <a:ea typeface="+mn-ea"/>
-                <a:cs typeface="+mn-cs"/>
-              </a:defRPr>
-            </a:lvl2pPr>
-            <a:lvl3pPr marL="914400" algn="l" defTabSz="914400" rtl="0" eaLnBrk="1" latinLnBrk="0" hangingPunct="1">
-              <a:defRPr sz="1800" kern="1200">
-                <a:solidFill>
-                  <a:schemeClr val="tx1"/>
-                </a:solidFill>
-                <a:latin typeface="+mn-lt"/>
-                <a:ea typeface="+mn-ea"/>
-                <a:cs typeface="+mn-cs"/>
-              </a:defRPr>
-            </a:lvl3pPr>
-            <a:lvl4pPr marL="1371600" algn="l" defTabSz="914400" rtl="0" eaLnBrk="1" latinLnBrk="0" hangingPunct="1">
-              <a:defRPr sz="1800" kern="1200">
-                <a:solidFill>
-                  <a:schemeClr val="tx1"/>
-                </a:solidFill>
-                <a:latin typeface="+mn-lt"/>
-                <a:ea typeface="+mn-ea"/>
-                <a:cs typeface="+mn-cs"/>
-              </a:defRPr>
-            </a:lvl4pPr>
-            <a:lvl5pPr marL="1828800" algn="l" defTabSz="914400" rtl="0" eaLnBrk="1" latinLnBrk="0" hangingPunct="1">
-              <a:defRPr sz="1800" kern="1200">
-                <a:solidFill>
-                  <a:schemeClr val="tx1"/>
-                </a:solidFill>
-                <a:latin typeface="+mn-lt"/>
-                <a:ea typeface="+mn-ea"/>
-                <a:cs typeface="+mn-cs"/>
-              </a:defRPr>
-            </a:lvl5pPr>
-            <a:lvl6pPr marL="2286000" algn="l" defTabSz="914400" rtl="0" eaLnBrk="1" latinLnBrk="0" hangingPunct="1">
-              <a:defRPr sz="1800" kern="1200">
-                <a:solidFill>
-                  <a:schemeClr val="tx1"/>
-                </a:solidFill>
-                <a:latin typeface="+mn-lt"/>
-                <a:ea typeface="+mn-ea"/>
-                <a:cs typeface="+mn-cs"/>
-              </a:defRPr>
-            </a:lvl6pPr>
-            <a:lvl7pPr marL="2743200" algn="l" defTabSz="914400" rtl="0" eaLnBrk="1" latinLnBrk="0" hangingPunct="1">
-              <a:defRPr sz="1800" kern="1200">
-                <a:solidFill>
-                  <a:schemeClr val="tx1"/>
-                </a:solidFill>
-                <a:latin typeface="+mn-lt"/>
-                <a:ea typeface="+mn-ea"/>
-                <a:cs typeface="+mn-cs"/>
-              </a:defRPr>
-            </a:lvl7pPr>
-            <a:lvl8pPr marL="3200400" algn="l" defTabSz="914400" rtl="0" eaLnBrk="1" latinLnBrk="0" hangingPunct="1">
-              <a:defRPr sz="1800" kern="1200">
-                <a:solidFill>
-                  <a:schemeClr val="tx1"/>
-                </a:solidFill>
-                <a:latin typeface="+mn-lt"/>
-                <a:ea typeface="+mn-ea"/>
-                <a:cs typeface="+mn-cs"/>
-              </a:defRPr>
-            </a:lvl8pPr>
-            <a:lvl9pPr marL="3657600" algn="l" defTabSz="914400" rtl="0" eaLnBrk="1" latinLnBrk="0" hangingPunct="1">
-              <a:defRPr sz="1800" kern="1200">
-                <a:solidFill>
-                  <a:schemeClr val="tx1"/>
-                </a:solidFill>
-                <a:latin typeface="+mn-lt"/>
-                <a:ea typeface="+mn-ea"/>
-                <a:cs typeface="+mn-cs"/>
-              </a:defRPr>
-            </a:lvl9pPr>
-          </a:lstStyle>
-          <a:p>
-            <a:fld id="{2BF067CD-8E6B-4360-9AA8-C5DF2A48A6D1}" type="slidenum">
-              <a:rPr lang="en-US" smtClean="0"/>
-              <a:pPr/>
-              <a:t>24</a:t>
-            </a:fld>
-            <a:endParaRPr lang="en-US" dirty="0"/>
-          </a:p>
-        </p:txBody>
-      </p:sp>
-    </p:spTree>
-    <p:extLst>
-      <p:ext uri="{BB962C8B-B14F-4D97-AF65-F5344CB8AC3E}">
-        <p14:creationId xmlns:p14="http://schemas.microsoft.com/office/powerpoint/2010/main" val="2653838572"/>
-      </p:ext>
-    </p:extLst>
-  </p:cSld>
-  <p:clrMapOvr>
-    <a:masterClrMapping/>
-  </p:clrMapOvr>
-  <mc:AlternateContent xmlns:mc="http://schemas.openxmlformats.org/markup-compatibility/2006" xmlns:p14="http://schemas.microsoft.com/office/powerpoint/2010/main">
-    <mc:Choice Requires="p14">
-      <p:transition p14:dur="0" advClick="0" advTm="5000"/>
-    </mc:Choice>
-    <mc:Fallback xmlns="">
-      <p:transition advClick="0" advTm="5000"/>
-    </mc:Fallback>
-  </mc:AlternateContent>
-  <p:timing>
-    <p:tnLst>
-      <p:par>
-        <p:cTn id="1" dur="indefinite" restart="never" nodeType="tmRoot">
-          <p:childTnLst>
-            <p:seq concurrent="1" nextAc="seek">
-              <p:cTn id="2" dur="indefinite" nodeType="mainSeq">
-                <p:childTnLst>
-                  <p:par>
-                    <p:cTn id="3" fill="hold">
-                      <p:stCondLst>
-                        <p:cond delay="indefinite"/>
-                      </p:stCondLst>
-                      <p:childTnLst>
-                        <p:par>
-                          <p:cTn id="4" fill="hold">
-                            <p:stCondLst>
-                              <p:cond delay="0"/>
-                            </p:stCondLst>
-                            <p:childTnLst>
-                              <p:par>
-                                <p:cTn id="5" presetID="1" presetClass="entr" presetSubtype="0" fill="hold" nodeType="clickEffect">
-                                  <p:stCondLst>
-                                    <p:cond delay="0"/>
-                                  </p:stCondLst>
-                                  <p:childTnLst>
-                                    <p:set>
-                                      <p:cBhvr>
-                                        <p:cTn id="6" dur="1" fill="hold">
-                                          <p:stCondLst>
-                                            <p:cond delay="0"/>
-                                          </p:stCondLst>
-                                        </p:cTn>
-                                        <p:tgtEl>
-                                          <p:spTgt spid="5">
-                                            <p:txEl>
-                                              <p:pRg st="2" end="2"/>
-                                            </p:txEl>
-                                          </p:spTgt>
-                                        </p:tgtEl>
-                                        <p:attrNameLst>
-                                          <p:attrName>style.visibility</p:attrName>
-                                        </p:attrNameLst>
-                                      </p:cBhvr>
-                                      <p:to>
-                                        <p:strVal val="visible"/>
-                                      </p:to>
-                                    </p:set>
-                                  </p:childTnLst>
-                                </p:cTn>
-                              </p:par>
-                            </p:childTnLst>
-                          </p:cTn>
-                        </p:par>
-                      </p:childTnLst>
-                    </p:cTn>
-                  </p:par>
-                  <p:par>
-                    <p:cTn id="7" fill="hold">
-                      <p:stCondLst>
-                        <p:cond delay="indefinite"/>
-                      </p:stCondLst>
-                      <p:childTnLst>
-                        <p:par>
-                          <p:cTn id="8" fill="hold">
-                            <p:stCondLst>
-                              <p:cond delay="0"/>
-                            </p:stCondLst>
-                            <p:childTnLst>
-                              <p:par>
-                                <p:cTn id="9" presetID="1" presetClass="entr" presetSubtype="0" fill="hold" nodeType="clickEffect">
-                                  <p:stCondLst>
-                                    <p:cond delay="0"/>
-                                  </p:stCondLst>
-                                  <p:childTnLst>
-                                    <p:set>
-                                      <p:cBhvr>
-                                        <p:cTn id="10" dur="1" fill="hold">
-                                          <p:stCondLst>
-                                            <p:cond delay="0"/>
-                                          </p:stCondLst>
-                                        </p:cTn>
-                                        <p:tgtEl>
-                                          <p:spTgt spid="5">
-                                            <p:txEl>
-                                              <p:pRg st="3" end="3"/>
-                                            </p:txEl>
-                                          </p:spTgt>
-                                        </p:tgtEl>
-                                        <p:attrNameLst>
-                                          <p:attrName>style.visibility</p:attrName>
-                                        </p:attrNameLst>
-                                      </p:cBhvr>
-                                      <p:to>
-                                        <p:strVal val="visible"/>
-                                      </p:to>
-                                    </p:set>
-                                  </p:childTnLst>
-                                </p:cTn>
-                              </p:par>
-                              <p:par>
-                                <p:cTn id="11" presetID="1" presetClass="entr" presetSubtype="0" fill="hold" nodeType="withEffect">
-                                  <p:stCondLst>
-                                    <p:cond delay="0"/>
-                                  </p:stCondLst>
-                                  <p:childTnLst>
-                                    <p:set>
-                                      <p:cBhvr>
-                                        <p:cTn id="12" dur="1" fill="hold">
-                                          <p:stCondLst>
-                                            <p:cond delay="0"/>
-                                          </p:stCondLst>
-                                        </p:cTn>
-                                        <p:tgtEl>
-                                          <p:spTgt spid="5">
-                                            <p:txEl>
-                                              <p:pRg st="4" end="4"/>
-                                            </p:txEl>
-                                          </p:spTgt>
-                                        </p:tgtEl>
-                                        <p:attrNameLst>
-                                          <p:attrName>style.visibility</p:attrName>
-                                        </p:attrNameLst>
-                                      </p:cBhvr>
-                                      <p:to>
-                                        <p:strVal val="visible"/>
-                                      </p:to>
-                                    </p:set>
-                                  </p:childTnLst>
-                                </p:cTn>
-                              </p:par>
-                            </p:childTnLst>
-                          </p:cTn>
-                        </p:par>
-                      </p:childTnLst>
-                    </p:cTn>
-                  </p:par>
-                  <p:par>
-                    <p:cTn id="13" fill="hold">
-                      <p:stCondLst>
-                        <p:cond delay="indefinite"/>
-                      </p:stCondLst>
-                      <p:childTnLst>
-                        <p:par>
-                          <p:cTn id="14" fill="hold">
-                            <p:stCondLst>
-                              <p:cond delay="0"/>
-                            </p:stCondLst>
-                            <p:childTnLst>
-                              <p:par>
-                                <p:cTn id="15" presetID="1" presetClass="entr" presetSubtype="0" fill="hold" nodeType="clickEffect">
-                                  <p:stCondLst>
-                                    <p:cond delay="0"/>
-                                  </p:stCondLst>
-                                  <p:childTnLst>
-                                    <p:set>
-                                      <p:cBhvr>
-                                        <p:cTn id="16" dur="1" fill="hold">
-                                          <p:stCondLst>
-                                            <p:cond delay="0"/>
-                                          </p:stCondLst>
-                                        </p:cTn>
-                                        <p:tgtEl>
-                                          <p:spTgt spid="5">
-                                            <p:txEl>
-                                              <p:pRg st="5" end="5"/>
-                                            </p:txEl>
-                                          </p:spTgt>
-                                        </p:tgtEl>
-                                        <p:attrNameLst>
-                                          <p:attrName>style.visibility</p:attrName>
-                                        </p:attrNameLst>
-                                      </p:cBhvr>
-                                      <p:to>
-                                        <p:strVal val="visible"/>
-                                      </p:to>
-                                    </p:set>
-                                  </p:childTnLst>
-                                </p:cTn>
-                              </p:par>
-                            </p:childTnLst>
-                          </p:cTn>
-                        </p:par>
-                      </p:childTnLst>
-                    </p:cTn>
-                  </p:par>
-                  <p:par>
-                    <p:cTn id="17" fill="hold">
-                      <p:stCondLst>
-                        <p:cond delay="indefinite"/>
-                      </p:stCondLst>
-                      <p:childTnLst>
-                        <p:par>
-                          <p:cTn id="18" fill="hold">
-                            <p:stCondLst>
-                              <p:cond delay="0"/>
-                            </p:stCondLst>
-                            <p:childTnLst>
-                              <p:par>
-                                <p:cTn id="19" presetID="1" presetClass="entr" presetSubtype="0" fill="hold" nodeType="clickEffect">
-                                  <p:stCondLst>
-                                    <p:cond delay="0"/>
-                                  </p:stCondLst>
-                                  <p:childTnLst>
-                                    <p:set>
-                                      <p:cBhvr>
-                                        <p:cTn id="20" dur="1" fill="hold">
-                                          <p:stCondLst>
-                                            <p:cond delay="0"/>
-                                          </p:stCondLst>
-                                        </p:cTn>
-                                        <p:tgtEl>
-                                          <p:spTgt spid="5">
-                                            <p:txEl>
-                                              <p:pRg st="6" end="6"/>
-                                            </p:txEl>
-                                          </p:spTgt>
-                                        </p:tgtEl>
-                                        <p:attrNameLst>
-                                          <p:attrName>style.visibility</p:attrName>
-                                        </p:attrNameLst>
-                                      </p:cBhvr>
-                                      <p:to>
-                                        <p:strVal val="visible"/>
-                                      </p:to>
-                                    </p:set>
-                                  </p:childTnLst>
-                                </p:cTn>
-                              </p:par>
-                              <p:par>
-                                <p:cTn id="21" presetID="1" presetClass="entr" presetSubtype="0" fill="hold" nodeType="withEffect">
-                                  <p:stCondLst>
-                                    <p:cond delay="0"/>
-                                  </p:stCondLst>
-                                  <p:childTnLst>
-                                    <p:set>
-                                      <p:cBhvr>
-                                        <p:cTn id="22" dur="1" fill="hold">
-                                          <p:stCondLst>
-                                            <p:cond delay="0"/>
-                                          </p:stCondLst>
-                                        </p:cTn>
-                                        <p:tgtEl>
-                                          <p:spTgt spid="5">
-                                            <p:txEl>
-                                              <p:pRg st="7" end="7"/>
-                                            </p:txEl>
-                                          </p:spTgt>
-                                        </p:tgtEl>
-                                        <p:attrNameLst>
-                                          <p:attrName>style.visibility</p:attrName>
-                                        </p:attrNameLst>
-                                      </p:cBhvr>
-                                      <p:to>
-                                        <p:strVal val="visible"/>
-                                      </p:to>
-                                    </p:set>
-                                  </p:childTnLst>
-                                </p:cTn>
-                              </p:par>
-                            </p:childTnLst>
-                          </p:cTn>
-                        </p:par>
-                      </p:childTnLst>
-                    </p:cTn>
-                  </p:par>
-                  <p:par>
-                    <p:cTn id="23" fill="hold">
-                      <p:stCondLst>
-                        <p:cond delay="indefinite"/>
-                      </p:stCondLst>
-                      <p:childTnLst>
-                        <p:par>
-                          <p:cTn id="24" fill="hold">
-                            <p:stCondLst>
-                              <p:cond delay="0"/>
-                            </p:stCondLst>
-                            <p:childTnLst>
-                              <p:par>
-                                <p:cTn id="25" presetID="1" presetClass="entr" presetSubtype="0" fill="hold" nodeType="clickEffect">
-                                  <p:stCondLst>
-                                    <p:cond delay="0"/>
-                                  </p:stCondLst>
-                                  <p:childTnLst>
-                                    <p:set>
-                                      <p:cBhvr>
-                                        <p:cTn id="26" dur="1" fill="hold">
-                                          <p:stCondLst>
-                                            <p:cond delay="0"/>
-                                          </p:stCondLst>
-                                        </p:cTn>
-                                        <p:tgtEl>
-                                          <p:spTgt spid="5">
-                                            <p:txEl>
-                                              <p:pRg st="8" end="8"/>
-                                            </p:txEl>
-                                          </p:spTgt>
-                                        </p:tgtEl>
-                                        <p:attrNameLst>
-                                          <p:attrName>style.visibility</p:attrName>
-                                        </p:attrNameLst>
-                                      </p:cBhvr>
-                                      <p:to>
-                                        <p:strVal val="visible"/>
-                                      </p:to>
-                                    </p:set>
-                                  </p:childTnLst>
-                                </p:cTn>
-                              </p:par>
-                            </p:childTnLst>
-                          </p:cTn>
-                        </p:par>
-                      </p:childTnLst>
-                    </p:cTn>
-                  </p:par>
-                  <p:par>
-                    <p:cTn id="27" fill="hold">
-                      <p:stCondLst>
-                        <p:cond delay="indefinite"/>
-                      </p:stCondLst>
-                      <p:childTnLst>
-                        <p:par>
-                          <p:cTn id="28" fill="hold">
-                            <p:stCondLst>
-                              <p:cond delay="0"/>
-                            </p:stCondLst>
-                            <p:childTnLst>
-                              <p:par>
-                                <p:cTn id="29" presetID="1" presetClass="entr" presetSubtype="0" fill="hold" nodeType="clickEffect">
-                                  <p:stCondLst>
-                                    <p:cond delay="0"/>
-                                  </p:stCondLst>
-                                  <p:childTnLst>
-                                    <p:set>
-                                      <p:cBhvr>
-                                        <p:cTn id="30" dur="1" fill="hold">
-                                          <p:stCondLst>
-                                            <p:cond delay="0"/>
-                                          </p:stCondLst>
-                                        </p:cTn>
-                                        <p:tgtEl>
-                                          <p:spTgt spid="5">
-                                            <p:txEl>
-                                              <p:pRg st="9" end="9"/>
-                                            </p:txEl>
-                                          </p:spTgt>
-                                        </p:tgtEl>
-                                        <p:attrNameLst>
-                                          <p:attrName>style.visibility</p:attrName>
-                                        </p:attrNameLst>
-                                      </p:cBhvr>
-                                      <p:to>
-                                        <p:strVal val="visible"/>
-                                      </p:to>
-                                    </p:set>
-                                  </p:childTnLst>
-                                </p:cTn>
-                              </p:par>
-                            </p:childTnLst>
-                          </p:cTn>
-                        </p:par>
-                      </p:childTnLst>
-                    </p:cTn>
-                  </p:par>
-                  <p:par>
-                    <p:cTn id="31" fill="hold">
-                      <p:stCondLst>
-                        <p:cond delay="indefinite"/>
-                      </p:stCondLst>
-                      <p:childTnLst>
-                        <p:par>
-                          <p:cTn id="32" fill="hold">
-                            <p:stCondLst>
-                              <p:cond delay="0"/>
-                            </p:stCondLst>
-                            <p:childTnLst>
-                              <p:par>
-                                <p:cTn id="33" presetID="1" presetClass="entr" presetSubtype="0" fill="hold" nodeType="clickEffect">
-                                  <p:stCondLst>
-                                    <p:cond delay="0"/>
-                                  </p:stCondLst>
-                                  <p:childTnLst>
-                                    <p:set>
-                                      <p:cBhvr>
-                                        <p:cTn id="34" dur="1" fill="hold">
-                                          <p:stCondLst>
-                                            <p:cond delay="0"/>
-                                          </p:stCondLst>
-                                        </p:cTn>
-                                        <p:tgtEl>
-                                          <p:spTgt spid="5">
-                                            <p:txEl>
-                                              <p:pRg st="10" end="10"/>
-                                            </p:txEl>
-                                          </p:spTgt>
-                                        </p:tgtEl>
-                                        <p:attrNameLst>
-                                          <p:attrName>style.visibility</p:attrName>
-                                        </p:attrNameLst>
-                                      </p:cBhvr>
-                                      <p:to>
-                                        <p:strVal val="visible"/>
-                                      </p:to>
-                                    </p:set>
-                                  </p:childTnLst>
-                                </p:cTn>
-                              </p:par>
-                            </p:childTnLst>
-                          </p:cTn>
-                        </p:par>
-                      </p:childTnLst>
-                    </p:cTn>
-                  </p:par>
-                </p:childTnLst>
-              </p:cTn>
-              <p:prevCondLst>
-                <p:cond evt="onPrev" delay="0">
-                  <p:tgtEl>
-                    <p:sldTgt/>
-                  </p:tgtEl>
-                </p:cond>
-              </p:prevCondLst>
-              <p:nextCondLst>
-                <p:cond evt="onNext" delay="0">
-                  <p:tgtEl>
-                    <p:sldTgt/>
-                  </p:tgtEl>
-                </p:cond>
-              </p:nextCondLst>
-            </p:seq>
-          </p:childTnLst>
-        </p:cTn>
-      </p:par>
-    </p:tnLst>
-  </p:timing>
-</p:sld>
-</file>
-
-<file path=ppt/slides/slide25.xml><?xml version="1.0" encoding="utf-8"?>
-<p:sld xmlns:a="http://schemas.openxmlformats.org/drawingml/2006/main" xmlns:r="http://schemas.openxmlformats.org/officeDocument/2006/relationships" xmlns:p="http://schemas.openxmlformats.org/presentationml/2006/main">
-  <p:cSld>
-    <p:spTree>
-      <p:nvGrpSpPr>
-        <p:cNvPr id="1" name=""/>
-        <p:cNvGrpSpPr/>
-        <p:nvPr/>
-      </p:nvGrpSpPr>
-      <p:grpSpPr>
-        <a:xfrm>
-          <a:off x="0" y="0"/>
-          <a:ext cx="0" cy="0"/>
-          <a:chOff x="0" y="0"/>
-          <a:chExt cx="0" cy="0"/>
-        </a:xfrm>
-      </p:grpSpPr>
-      <p:pic>
-        <p:nvPicPr>
-          <p:cNvPr id="4" name="Картина 3">
-            <a:extLst>
-              <a:ext uri="{FF2B5EF4-FFF2-40B4-BE49-F238E27FC236}">
-                <a16:creationId xmlns:a16="http://schemas.microsoft.com/office/drawing/2014/main" id="{AE170D94-392D-433B-BEF9-406CF390D514}"/>
-              </a:ext>
-            </a:extLst>
-          </p:cNvPr>
-          <p:cNvPicPr>
-            <a:picLocks noChangeAspect="1"/>
-          </p:cNvPicPr>
-          <p:nvPr/>
-        </p:nvPicPr>
-        <p:blipFill>
-          <a:blip r:embed="rId2" cstate="print">
-            <a:duotone>
-              <a:schemeClr val="accent6">
-                <a:shade val="45000"/>
-                <a:satMod val="135000"/>
-              </a:schemeClr>
-              <a:prstClr val="white"/>
-            </a:duotone>
-            <a:extLst>
-              <a:ext uri="{28A0092B-C50C-407E-A947-70E740481C1C}">
-                <a14:useLocalDpi xmlns:a14="http://schemas.microsoft.com/office/drawing/2010/main" val="0"/>
-              </a:ext>
-            </a:extLst>
-          </a:blip>
-          <a:stretch>
-            <a:fillRect/>
-          </a:stretch>
-        </p:blipFill>
-        <p:spPr>
-          <a:xfrm>
-            <a:off x="4799633" y="1400862"/>
-            <a:ext cx="2592736" cy="2471201"/>
-          </a:xfrm>
-          <a:prstGeom prst="rect">
-            <a:avLst/>
-          </a:prstGeom>
-        </p:spPr>
-      </p:pic>
-      <p:sp>
-        <p:nvSpPr>
-          <p:cNvPr id="5" name="Title 4">
-            <a:extLst>
-              <a:ext uri="{FF2B5EF4-FFF2-40B4-BE49-F238E27FC236}">
-                <a16:creationId xmlns:a16="http://schemas.microsoft.com/office/drawing/2014/main" id="{56E41922-0F89-40EF-AA6A-49CD4A12D0C7}"/>
-              </a:ext>
-            </a:extLst>
-          </p:cNvPr>
-          <p:cNvSpPr>
-            <a:spLocks noGrp="1"/>
-          </p:cNvSpPr>
-          <p:nvPr>
-            <p:ph type="title" sz="quarter" idx="10"/>
-          </p:nvPr>
-        </p:nvSpPr>
-        <p:spPr/>
-        <p:txBody>
-          <a:bodyPr/>
-          <a:lstStyle/>
-          <a:p>
-            <a:r>
-              <a:rPr lang="bg-BG" dirty="0"/>
-              <a:t>Диапазон на използване</a:t>
-            </a:r>
-          </a:p>
-        </p:txBody>
-      </p:sp>
-    </p:spTree>
-    <p:extLst>
-      <p:ext uri="{BB962C8B-B14F-4D97-AF65-F5344CB8AC3E}">
-        <p14:creationId xmlns:p14="http://schemas.microsoft.com/office/powerpoint/2010/main" val="2455433427"/>
-      </p:ext>
-    </p:extLst>
-  </p:cSld>
-  <p:clrMapOvr>
-    <a:masterClrMapping/>
-  </p:clrMapOvr>
-  <mc:AlternateContent xmlns:mc="http://schemas.openxmlformats.org/markup-compatibility/2006" xmlns:p14="http://schemas.microsoft.com/office/powerpoint/2010/main">
-    <mc:Choice Requires="p14">
-      <p:transition p14:dur="0" advClick="0" advTm="5000"/>
-    </mc:Choice>
-    <mc:Fallback xmlns="">
-      <p:transition advClick="0" advTm="5000"/>
-    </mc:Fallback>
-  </mc:AlternateContent>
-</p:sld>
-</file>
-
-<file path=ppt/slides/slide26.xml><?xml version="1.0" encoding="utf-8"?>
-<p:sld xmlns:a="http://schemas.openxmlformats.org/drawingml/2006/main" xmlns:r="http://schemas.openxmlformats.org/officeDocument/2006/relationships" xmlns:p="http://schemas.openxmlformats.org/presentationml/2006/main">
-  <p:cSld>
-    <p:spTree>
-      <p:nvGrpSpPr>
-        <p:cNvPr id="1" name=""/>
-        <p:cNvGrpSpPr/>
-        <p:nvPr/>
-      </p:nvGrpSpPr>
-      <p:grpSpPr>
-        <a:xfrm>
-          <a:off x="0" y="0"/>
-          <a:ext cx="0" cy="0"/>
-          <a:chOff x="0" y="0"/>
-          <a:chExt cx="0" cy="0"/>
-        </a:xfrm>
-      </p:grpSpPr>
-      <p:sp>
-        <p:nvSpPr>
-          <p:cNvPr id="13" name="Text Placeholder 7">
-            <a:extLst>
-              <a:ext uri="{FF2B5EF4-FFF2-40B4-BE49-F238E27FC236}">
-                <a16:creationId xmlns:a16="http://schemas.microsoft.com/office/drawing/2014/main" id="{0872F487-7CBE-4FBA-8934-8B6BD0FE364C}"/>
-              </a:ext>
-            </a:extLst>
-          </p:cNvPr>
-          <p:cNvSpPr txBox="1">
-            <a:spLocks/>
-          </p:cNvSpPr>
-          <p:nvPr/>
-        </p:nvSpPr>
-        <p:spPr>
-          <a:xfrm>
-            <a:off x="1104612" y="3180124"/>
-            <a:ext cx="9578605" cy="3523630"/>
-          </a:xfrm>
-          <a:prstGeom prst="rect">
-            <a:avLst/>
-          </a:prstGeom>
-          <a:solidFill>
-            <a:schemeClr val="accent6">
-              <a:lumMod val="75000"/>
-              <a:alpha val="15000"/>
-            </a:schemeClr>
-          </a:solidFill>
-          <a:ln w="12700">
-            <a:solidFill>
-              <a:schemeClr val="tx1">
-                <a:lumMod val="50000"/>
-              </a:schemeClr>
-            </a:solidFill>
-          </a:ln>
-        </p:spPr>
-        <p:txBody>
-          <a:bodyPr vert="horz" wrap="square" lIns="144000" tIns="108000" rIns="144000" bIns="108000" rtlCol="0">
-            <a:spAutoFit/>
-          </a:bodyPr>
-          <a:lstStyle>
-            <a:lvl1pPr marL="360363" indent="-360363" algn="l" defTabSz="1218438" rtl="0" eaLnBrk="1" latinLnBrk="0" hangingPunct="1">
-              <a:lnSpc>
-                <a:spcPct val="110000"/>
-              </a:lnSpc>
-              <a:spcBef>
-                <a:spcPts val="0"/>
-              </a:spcBef>
-              <a:spcAft>
-                <a:spcPts val="0"/>
-              </a:spcAft>
-              <a:buFont typeface="Wingdings" panose="05000000000000000000" pitchFamily="2" charset="2"/>
-              <a:buNone/>
-              <a:defRPr lang="en-US" sz="2800" b="1" kern="1200" smtClean="0">
-                <a:solidFill>
-                  <a:schemeClr val="tx1"/>
-                </a:solidFill>
-                <a:latin typeface="Consolas" pitchFamily="49" charset="0"/>
-                <a:ea typeface="+mn-ea"/>
-                <a:cs typeface="+mn-cs"/>
-              </a:defRPr>
-            </a:lvl1pPr>
-            <a:lvl2pPr marL="803275" indent="-360363" algn="l" defTabSz="1218438" rtl="0" eaLnBrk="1" latinLnBrk="0" hangingPunct="1">
-              <a:lnSpc>
-                <a:spcPct val="105000"/>
-              </a:lnSpc>
-              <a:spcBef>
-                <a:spcPts val="600"/>
-              </a:spcBef>
-              <a:spcAft>
-                <a:spcPts val="600"/>
-              </a:spcAft>
-              <a:buFont typeface="Wingdings" panose="05000000000000000000" pitchFamily="2" charset="2"/>
-              <a:buChar char="§"/>
-              <a:defRPr lang="en-US" sz="3198" kern="1200" smtClean="0">
-                <a:solidFill>
-                  <a:schemeClr val="tx1"/>
-                </a:solidFill>
-                <a:latin typeface="+mn-lt"/>
-                <a:ea typeface="+mn-ea"/>
-                <a:cs typeface="+mn-cs"/>
-              </a:defRPr>
-            </a:lvl2pPr>
-            <a:lvl3pPr marL="1255713" indent="-360363" algn="l" defTabSz="1218438" rtl="0" eaLnBrk="1" latinLnBrk="0" hangingPunct="1">
-              <a:lnSpc>
-                <a:spcPct val="105000"/>
-              </a:lnSpc>
-              <a:spcBef>
-                <a:spcPts val="600"/>
-              </a:spcBef>
-              <a:spcAft>
-                <a:spcPts val="600"/>
-              </a:spcAft>
-              <a:buFont typeface="Wingdings" panose="05000000000000000000" pitchFamily="2" charset="2"/>
-              <a:buChar char="§"/>
-              <a:defRPr lang="en-US" sz="2998" kern="1200" smtClean="0">
-                <a:solidFill>
-                  <a:schemeClr val="tx1"/>
-                </a:solidFill>
-                <a:latin typeface="+mn-lt"/>
-                <a:ea typeface="+mn-ea"/>
-                <a:cs typeface="+mn-cs"/>
-              </a:defRPr>
-            </a:lvl3pPr>
-            <a:lvl4pPr marL="1700213" indent="-352425" algn="l" defTabSz="1218438" rtl="0" eaLnBrk="1" latinLnBrk="0" hangingPunct="1">
-              <a:lnSpc>
-                <a:spcPct val="105000"/>
-              </a:lnSpc>
-              <a:spcBef>
-                <a:spcPts val="600"/>
-              </a:spcBef>
-              <a:spcAft>
-                <a:spcPts val="600"/>
-              </a:spcAft>
-              <a:buFont typeface="Wingdings" panose="05000000000000000000" pitchFamily="2" charset="2"/>
-              <a:buChar char="§"/>
-              <a:defRPr lang="en-US" sz="2798" kern="1200" smtClean="0">
-                <a:solidFill>
-                  <a:schemeClr val="tx1"/>
-                </a:solidFill>
-                <a:latin typeface="+mn-lt"/>
-                <a:ea typeface="+mn-ea"/>
-                <a:cs typeface="+mn-cs"/>
-              </a:defRPr>
-            </a:lvl4pPr>
-            <a:lvl5pPr marL="2058988" indent="-266700" algn="l" defTabSz="1218438" rtl="0" eaLnBrk="1" latinLnBrk="0" hangingPunct="1">
-              <a:lnSpc>
-                <a:spcPct val="105000"/>
-              </a:lnSpc>
-              <a:spcBef>
-                <a:spcPts val="600"/>
-              </a:spcBef>
-              <a:spcAft>
-                <a:spcPts val="600"/>
-              </a:spcAft>
-              <a:buFont typeface="Wingdings" panose="05000000000000000000" pitchFamily="2" charset="2"/>
-              <a:buChar char="§"/>
-              <a:defRPr lang="en-US" sz="2598" kern="1200">
-                <a:solidFill>
-                  <a:schemeClr val="tx1"/>
-                </a:solidFill>
-                <a:latin typeface="+mn-lt"/>
-                <a:ea typeface="+mn-ea"/>
-                <a:cs typeface="+mn-cs"/>
-              </a:defRPr>
-            </a:lvl5pPr>
-            <a:lvl6pPr marL="3350704" indent="-304610" algn="l" defTabSz="1218438" rtl="0" eaLnBrk="1" latinLnBrk="1" hangingPunct="1">
-              <a:spcBef>
-                <a:spcPct val="20000"/>
-              </a:spcBef>
-              <a:buFont typeface="Arial" pitchFamily="34" charset="0"/>
-              <a:buChar char="•"/>
-              <a:defRPr sz="2665" kern="1200">
-                <a:solidFill>
-                  <a:schemeClr val="tx1"/>
-                </a:solidFill>
-                <a:latin typeface="+mn-lt"/>
-                <a:ea typeface="+mn-ea"/>
-                <a:cs typeface="+mn-cs"/>
-              </a:defRPr>
-            </a:lvl6pPr>
-            <a:lvl7pPr marL="3959924" indent="-304610" algn="l" defTabSz="1218438" rtl="0" eaLnBrk="1" latinLnBrk="1" hangingPunct="1">
-              <a:spcBef>
-                <a:spcPct val="20000"/>
-              </a:spcBef>
-              <a:buFont typeface="Arial" pitchFamily="34" charset="0"/>
-              <a:buChar char="•"/>
-              <a:defRPr sz="2665" kern="1200">
-                <a:solidFill>
-                  <a:schemeClr val="tx1"/>
-                </a:solidFill>
-                <a:latin typeface="+mn-lt"/>
-                <a:ea typeface="+mn-ea"/>
-                <a:cs typeface="+mn-cs"/>
-              </a:defRPr>
-            </a:lvl7pPr>
-            <a:lvl8pPr marL="4569143" indent="-304610" algn="l" defTabSz="1218438" rtl="0" eaLnBrk="1" latinLnBrk="1" hangingPunct="1">
-              <a:spcBef>
-                <a:spcPct val="20000"/>
-              </a:spcBef>
-              <a:buFont typeface="Arial" pitchFamily="34" charset="0"/>
-              <a:buChar char="•"/>
-              <a:defRPr sz="2665" kern="1200">
-                <a:solidFill>
-                  <a:schemeClr val="tx1"/>
-                </a:solidFill>
-                <a:latin typeface="+mn-lt"/>
-                <a:ea typeface="+mn-ea"/>
-                <a:cs typeface="+mn-cs"/>
-              </a:defRPr>
-            </a:lvl8pPr>
-            <a:lvl9pPr marL="5178362" indent="-304610" algn="l" defTabSz="1218438" rtl="0" eaLnBrk="1" latinLnBrk="1" hangingPunct="1">
-              <a:spcBef>
-                <a:spcPct val="20000"/>
-              </a:spcBef>
-              <a:buFont typeface="Arial" pitchFamily="34" charset="0"/>
-              <a:buChar char="•"/>
-              <a:defRPr sz="2665" kern="1200">
-                <a:solidFill>
-                  <a:schemeClr val="tx1"/>
-                </a:solidFill>
-                <a:latin typeface="+mn-lt"/>
-                <a:ea typeface="+mn-ea"/>
-                <a:cs typeface="+mn-cs"/>
-              </a:defRPr>
-            </a:lvl9pPr>
-          </a:lstStyle>
-          <a:p>
-            <a:pPr eaLnBrk="0" hangingPunct="0">
-              <a:lnSpc>
-                <a:spcPct val="140000"/>
-              </a:lnSpc>
-              <a:buClr>
-                <a:schemeClr val="accent5">
-                  <a:lumMod val="40000"/>
-                  <a:lumOff val="60000"/>
-                </a:schemeClr>
-              </a:buClr>
-              <a:buSzPct val="70000"/>
-            </a:pPr>
-            <a:r>
-              <a:rPr lang="en-GB" sz="2599" dirty="0"/>
-              <a:t>string currentDay = "Monday"; </a:t>
-            </a:r>
-          </a:p>
-          <a:p>
-            <a:pPr eaLnBrk="0" hangingPunct="0">
-              <a:lnSpc>
-                <a:spcPct val="140000"/>
-              </a:lnSpc>
-              <a:buClr>
-                <a:schemeClr val="accent5">
-                  <a:lumMod val="40000"/>
-                  <a:lumOff val="60000"/>
-                </a:schemeClr>
-              </a:buClr>
-              <a:buSzPct val="70000"/>
-            </a:pPr>
-            <a:r>
-              <a:rPr lang="en-GB" sz="2599" dirty="0"/>
-              <a:t>if (currentDay == "Monday") </a:t>
-            </a:r>
-          </a:p>
-          <a:p>
-            <a:pPr eaLnBrk="0" hangingPunct="0">
-              <a:lnSpc>
-                <a:spcPct val="140000"/>
-              </a:lnSpc>
-              <a:buClr>
-                <a:schemeClr val="accent5">
-                  <a:lumMod val="40000"/>
-                  <a:lumOff val="60000"/>
-                </a:schemeClr>
-              </a:buClr>
-              <a:buSzPct val="70000"/>
-            </a:pPr>
-            <a:r>
-              <a:rPr lang="en-GB" sz="2599" dirty="0">
-                <a:solidFill>
-                  <a:schemeClr val="bg1"/>
-                </a:solidFill>
-              </a:rPr>
-              <a:t>{</a:t>
-            </a:r>
-          </a:p>
-          <a:p>
-            <a:pPr eaLnBrk="0" hangingPunct="0">
-              <a:lnSpc>
-                <a:spcPct val="140000"/>
-              </a:lnSpc>
-              <a:buClr>
-                <a:schemeClr val="accent5">
-                  <a:lumMod val="40000"/>
-                  <a:lumOff val="60000"/>
-                </a:schemeClr>
-              </a:buClr>
-              <a:buSzPct val="70000"/>
-            </a:pPr>
-            <a:r>
-              <a:rPr lang="en-GB" sz="2599" dirty="0"/>
-              <a:t>  double </a:t>
-            </a:r>
-            <a:r>
-              <a:rPr lang="en-GB" sz="2599" dirty="0">
-                <a:solidFill>
-                  <a:schemeClr val="bg1"/>
-                </a:solidFill>
-              </a:rPr>
-              <a:t>salary</a:t>
-            </a:r>
-            <a:r>
-              <a:rPr lang="en-GB" sz="2599" dirty="0"/>
-              <a:t> = double.Parse(Console.ReadLine());</a:t>
-            </a:r>
-          </a:p>
-          <a:p>
-            <a:pPr eaLnBrk="0" hangingPunct="0">
-              <a:lnSpc>
-                <a:spcPct val="140000"/>
-              </a:lnSpc>
-              <a:buClr>
-                <a:schemeClr val="accent5">
-                  <a:lumMod val="40000"/>
-                  <a:lumOff val="60000"/>
-                </a:schemeClr>
-              </a:buClr>
-              <a:buSzPct val="70000"/>
-            </a:pPr>
-            <a:r>
-              <a:rPr lang="en-GB" sz="2599" dirty="0">
-                <a:solidFill>
-                  <a:schemeClr val="bg1"/>
-                </a:solidFill>
-              </a:rPr>
-              <a:t>}</a:t>
-            </a:r>
-          </a:p>
-          <a:p>
-            <a:pPr eaLnBrk="0" hangingPunct="0">
-              <a:lnSpc>
-                <a:spcPct val="140000"/>
-              </a:lnSpc>
-              <a:buClr>
-                <a:schemeClr val="accent5">
-                  <a:lumMod val="40000"/>
-                  <a:lumOff val="60000"/>
-                </a:schemeClr>
-              </a:buClr>
-              <a:buSzPct val="70000"/>
-            </a:pPr>
-            <a:r>
-              <a:rPr lang="en-GB" sz="2599" dirty="0"/>
-              <a:t>Console.WriteLine(</a:t>
-            </a:r>
-            <a:r>
-              <a:rPr lang="en-GB" sz="2599" dirty="0">
-                <a:solidFill>
-                  <a:schemeClr val="bg1"/>
-                </a:solidFill>
-              </a:rPr>
-              <a:t>salary</a:t>
-            </a:r>
-            <a:r>
-              <a:rPr lang="en-GB" sz="2599" dirty="0"/>
-              <a:t>);</a:t>
-            </a:r>
-            <a:r>
-              <a:rPr lang="bg-BG" sz="2599" noProof="1">
-                <a:solidFill>
-                  <a:schemeClr val="accent2"/>
-                </a:solidFill>
-                <a:cs typeface="Consolas" pitchFamily="49" charset="0"/>
-              </a:rPr>
-              <a:t> // </a:t>
-            </a:r>
-            <a:r>
-              <a:rPr lang="en-US" sz="2599" i="1" noProof="1">
-                <a:solidFill>
-                  <a:schemeClr val="accent2"/>
-                </a:solidFill>
-                <a:cs typeface="Consolas" pitchFamily="49" charset="0"/>
-              </a:rPr>
-              <a:t>Error!</a:t>
-            </a:r>
-            <a:endParaRPr lang="en-US" sz="2599" i="1" dirty="0">
-              <a:solidFill>
-                <a:schemeClr val="accent2"/>
-              </a:solidFill>
-            </a:endParaRPr>
-          </a:p>
-        </p:txBody>
-      </p:sp>
-      <p:sp>
-        <p:nvSpPr>
-          <p:cNvPr id="4" name="Title 3"/>
-          <p:cNvSpPr>
-            <a:spLocks noGrp="1"/>
-          </p:cNvSpPr>
-          <p:nvPr>
-            <p:ph type="title"/>
-          </p:nvPr>
-        </p:nvSpPr>
-        <p:spPr/>
-        <p:txBody>
-          <a:bodyPr/>
-          <a:lstStyle/>
-          <a:p>
-            <a:r>
-              <a:rPr lang="bg-BG" dirty="0"/>
-              <a:t>Живот на променлива</a:t>
-            </a:r>
-          </a:p>
-        </p:txBody>
-      </p:sp>
-      <p:sp>
-        <p:nvSpPr>
-          <p:cNvPr id="11" name="Slide Number">
-            <a:extLst>
-              <a:ext uri="{FF2B5EF4-FFF2-40B4-BE49-F238E27FC236}">
-                <a16:creationId xmlns:a16="http://schemas.microsoft.com/office/drawing/2014/main" id="{278864D5-2E78-48E2-8EAA-A35AB6500475}"/>
-              </a:ext>
-            </a:extLst>
-          </p:cNvPr>
-          <p:cNvSpPr txBox="1">
-            <a:spLocks/>
-          </p:cNvSpPr>
-          <p:nvPr/>
-        </p:nvSpPr>
-        <p:spPr>
-          <a:xfrm>
-            <a:off x="11753030" y="6507000"/>
-            <a:ext cx="367414" cy="297000"/>
-          </a:xfrm>
-          <a:prstGeom prst="rect">
-            <a:avLst/>
-          </a:prstGeom>
-        </p:spPr>
-        <p:txBody>
-          <a:bodyPr vert="horz" lIns="91440" tIns="45720" rIns="91440" bIns="45720" rtlCol="0" anchor="b"/>
-          <a:lstStyle>
-            <a:defPPr>
-              <a:defRPr lang="en-US"/>
-            </a:defPPr>
-            <a:lvl1pPr marL="0" algn="r" defTabSz="914400" rtl="0" eaLnBrk="1" latinLnBrk="0" hangingPunct="1">
-              <a:defRPr sz="1000" kern="1200">
-                <a:solidFill>
-                  <a:schemeClr val="tx1"/>
-                </a:solidFill>
-                <a:latin typeface="+mn-lt"/>
-                <a:ea typeface="+mn-ea"/>
-                <a:cs typeface="+mn-cs"/>
-              </a:defRPr>
-            </a:lvl1pPr>
-            <a:lvl2pPr marL="457200" algn="l" defTabSz="914400" rtl="0" eaLnBrk="1" latinLnBrk="0" hangingPunct="1">
-              <a:defRPr sz="1800" kern="1200">
-                <a:solidFill>
-                  <a:schemeClr val="tx1"/>
-                </a:solidFill>
-                <a:latin typeface="+mn-lt"/>
-                <a:ea typeface="+mn-ea"/>
-                <a:cs typeface="+mn-cs"/>
-              </a:defRPr>
-            </a:lvl2pPr>
-            <a:lvl3pPr marL="914400" algn="l" defTabSz="914400" rtl="0" eaLnBrk="1" latinLnBrk="0" hangingPunct="1">
-              <a:defRPr sz="1800" kern="1200">
-                <a:solidFill>
-                  <a:schemeClr val="tx1"/>
-                </a:solidFill>
-                <a:latin typeface="+mn-lt"/>
-                <a:ea typeface="+mn-ea"/>
-                <a:cs typeface="+mn-cs"/>
-              </a:defRPr>
-            </a:lvl3pPr>
-            <a:lvl4pPr marL="1371600" algn="l" defTabSz="914400" rtl="0" eaLnBrk="1" latinLnBrk="0" hangingPunct="1">
-              <a:defRPr sz="1800" kern="1200">
-                <a:solidFill>
-                  <a:schemeClr val="tx1"/>
-                </a:solidFill>
-                <a:latin typeface="+mn-lt"/>
-                <a:ea typeface="+mn-ea"/>
-                <a:cs typeface="+mn-cs"/>
-              </a:defRPr>
-            </a:lvl4pPr>
-            <a:lvl5pPr marL="1828800" algn="l" defTabSz="914400" rtl="0" eaLnBrk="1" latinLnBrk="0" hangingPunct="1">
-              <a:defRPr sz="1800" kern="1200">
-                <a:solidFill>
-                  <a:schemeClr val="tx1"/>
-                </a:solidFill>
-                <a:latin typeface="+mn-lt"/>
-                <a:ea typeface="+mn-ea"/>
-                <a:cs typeface="+mn-cs"/>
-              </a:defRPr>
-            </a:lvl5pPr>
-            <a:lvl6pPr marL="2286000" algn="l" defTabSz="914400" rtl="0" eaLnBrk="1" latinLnBrk="0" hangingPunct="1">
-              <a:defRPr sz="1800" kern="1200">
-                <a:solidFill>
-                  <a:schemeClr val="tx1"/>
-                </a:solidFill>
-                <a:latin typeface="+mn-lt"/>
-                <a:ea typeface="+mn-ea"/>
-                <a:cs typeface="+mn-cs"/>
-              </a:defRPr>
-            </a:lvl6pPr>
-            <a:lvl7pPr marL="2743200" algn="l" defTabSz="914400" rtl="0" eaLnBrk="1" latinLnBrk="0" hangingPunct="1">
-              <a:defRPr sz="1800" kern="1200">
-                <a:solidFill>
-                  <a:schemeClr val="tx1"/>
-                </a:solidFill>
-                <a:latin typeface="+mn-lt"/>
-                <a:ea typeface="+mn-ea"/>
-                <a:cs typeface="+mn-cs"/>
-              </a:defRPr>
-            </a:lvl7pPr>
-            <a:lvl8pPr marL="3200400" algn="l" defTabSz="914400" rtl="0" eaLnBrk="1" latinLnBrk="0" hangingPunct="1">
-              <a:defRPr sz="1800" kern="1200">
-                <a:solidFill>
-                  <a:schemeClr val="tx1"/>
-                </a:solidFill>
-                <a:latin typeface="+mn-lt"/>
-                <a:ea typeface="+mn-ea"/>
-                <a:cs typeface="+mn-cs"/>
-              </a:defRPr>
-            </a:lvl8pPr>
-            <a:lvl9pPr marL="3657600" algn="l" defTabSz="914400" rtl="0" eaLnBrk="1" latinLnBrk="0" hangingPunct="1">
-              <a:defRPr sz="1800" kern="1200">
-                <a:solidFill>
-                  <a:schemeClr val="tx1"/>
-                </a:solidFill>
-                <a:latin typeface="+mn-lt"/>
-                <a:ea typeface="+mn-ea"/>
-                <a:cs typeface="+mn-cs"/>
-              </a:defRPr>
-            </a:lvl9pPr>
-          </a:lstStyle>
-          <a:p>
-            <a:fld id="{2BF067CD-8E6B-4360-9AA8-C5DF2A48A6D1}" type="slidenum">
-              <a:rPr lang="en-US" smtClean="0"/>
-              <a:pPr/>
-              <a:t>26</a:t>
-            </a:fld>
-            <a:endParaRPr lang="en-US" dirty="0"/>
-          </a:p>
-        </p:txBody>
-      </p:sp>
-      <p:sp>
-        <p:nvSpPr>
-          <p:cNvPr id="12" name="Text Placeholder 6">
-            <a:extLst>
-              <a:ext uri="{FF2B5EF4-FFF2-40B4-BE49-F238E27FC236}">
-                <a16:creationId xmlns:a16="http://schemas.microsoft.com/office/drawing/2014/main" id="{8355C72B-4482-432F-8946-A63677E16E94}"/>
-              </a:ext>
-            </a:extLst>
-          </p:cNvPr>
-          <p:cNvSpPr txBox="1">
-            <a:spLocks/>
-          </p:cNvSpPr>
-          <p:nvPr/>
-        </p:nvSpPr>
-        <p:spPr>
-          <a:xfrm>
-            <a:off x="190353" y="1196124"/>
-            <a:ext cx="11815018" cy="5561125"/>
-          </a:xfrm>
-          <a:prstGeom prst="rect">
-            <a:avLst/>
-          </a:prstGeom>
-        </p:spPr>
-        <p:txBody>
-          <a:bodyPr>
-            <a:normAutofit/>
-          </a:bodyPr>
-          <a:lstStyle>
-            <a:lvl1pPr marL="360363" indent="-360363" algn="l" defTabSz="1218438" rtl="0" eaLnBrk="1" latinLnBrk="0" hangingPunct="1">
-              <a:lnSpc>
-                <a:spcPct val="105000"/>
-              </a:lnSpc>
-              <a:spcBef>
-                <a:spcPts val="600"/>
-              </a:spcBef>
-              <a:spcAft>
-                <a:spcPts val="600"/>
-              </a:spcAft>
-              <a:buFont typeface="Wingdings" panose="05000000000000000000" pitchFamily="2" charset="2"/>
-              <a:buChar char="§"/>
-              <a:defRPr sz="3398" kern="1200">
-                <a:solidFill>
-                  <a:schemeClr val="tx1"/>
-                </a:solidFill>
-                <a:latin typeface="+mn-lt"/>
-                <a:ea typeface="+mn-ea"/>
-                <a:cs typeface="+mn-cs"/>
-              </a:defRPr>
-            </a:lvl1pPr>
-            <a:lvl2pPr marL="803275" indent="-360363" algn="l" defTabSz="1218438" rtl="0" eaLnBrk="1" latinLnBrk="0" hangingPunct="1">
-              <a:lnSpc>
-                <a:spcPct val="105000"/>
-              </a:lnSpc>
-              <a:spcBef>
-                <a:spcPts val="600"/>
-              </a:spcBef>
-              <a:spcAft>
-                <a:spcPts val="600"/>
-              </a:spcAft>
-              <a:buFont typeface="Wingdings" panose="05000000000000000000" pitchFamily="2" charset="2"/>
-              <a:buChar char="§"/>
-              <a:defRPr sz="3198" kern="1200">
-                <a:solidFill>
-                  <a:schemeClr val="tx1"/>
-                </a:solidFill>
-                <a:latin typeface="+mn-lt"/>
-                <a:ea typeface="+mn-ea"/>
-                <a:cs typeface="+mn-cs"/>
-              </a:defRPr>
-            </a:lvl2pPr>
-            <a:lvl3pPr marL="1255713" indent="-360363" algn="l" defTabSz="1218438" rtl="0" eaLnBrk="1" latinLnBrk="0" hangingPunct="1">
-              <a:lnSpc>
-                <a:spcPct val="105000"/>
-              </a:lnSpc>
-              <a:spcBef>
-                <a:spcPts val="600"/>
-              </a:spcBef>
-              <a:spcAft>
-                <a:spcPts val="600"/>
-              </a:spcAft>
-              <a:buFont typeface="Wingdings" panose="05000000000000000000" pitchFamily="2" charset="2"/>
-              <a:buChar char="§"/>
-              <a:defRPr sz="2998" kern="1200">
-                <a:solidFill>
-                  <a:schemeClr val="tx1"/>
-                </a:solidFill>
-                <a:latin typeface="+mn-lt"/>
-                <a:ea typeface="+mn-ea"/>
-                <a:cs typeface="+mn-cs"/>
-              </a:defRPr>
-            </a:lvl3pPr>
-            <a:lvl4pPr marL="1700213" indent="-352425" algn="l" defTabSz="1218438" rtl="0" eaLnBrk="1" latinLnBrk="0" hangingPunct="1">
-              <a:lnSpc>
-                <a:spcPct val="105000"/>
-              </a:lnSpc>
-              <a:spcBef>
-                <a:spcPts val="600"/>
-              </a:spcBef>
-              <a:spcAft>
-                <a:spcPts val="600"/>
-              </a:spcAft>
-              <a:buFont typeface="Wingdings" panose="05000000000000000000" pitchFamily="2" charset="2"/>
-              <a:buChar char="§"/>
-              <a:defRPr sz="2798" kern="1200">
-                <a:solidFill>
-                  <a:schemeClr val="tx1"/>
-                </a:solidFill>
-                <a:latin typeface="+mn-lt"/>
-                <a:ea typeface="+mn-ea"/>
-                <a:cs typeface="+mn-cs"/>
-              </a:defRPr>
-            </a:lvl4pPr>
-            <a:lvl5pPr marL="2058988" indent="-266700" algn="l" defTabSz="1218438" rtl="0" eaLnBrk="1" latinLnBrk="0" hangingPunct="1">
-              <a:lnSpc>
-                <a:spcPct val="105000"/>
-              </a:lnSpc>
-              <a:spcBef>
-                <a:spcPts val="600"/>
-              </a:spcBef>
-              <a:spcAft>
-                <a:spcPts val="600"/>
-              </a:spcAft>
-              <a:buFont typeface="Wingdings" panose="05000000000000000000" pitchFamily="2" charset="2"/>
-              <a:buChar char="§"/>
-              <a:defRPr sz="2598" kern="1200">
-                <a:solidFill>
-                  <a:schemeClr val="tx1"/>
-                </a:solidFill>
-                <a:latin typeface="+mn-lt"/>
-                <a:ea typeface="+mn-ea"/>
-                <a:cs typeface="+mn-cs"/>
-              </a:defRPr>
-            </a:lvl5pPr>
-            <a:lvl6pPr marL="3350704" indent="-304610" algn="l" defTabSz="1218438" rtl="0" eaLnBrk="1" latinLnBrk="1" hangingPunct="1">
-              <a:spcBef>
-                <a:spcPct val="20000"/>
-              </a:spcBef>
-              <a:buFont typeface="Arial" pitchFamily="34" charset="0"/>
-              <a:buChar char="•"/>
-              <a:defRPr sz="2665" kern="1200">
-                <a:solidFill>
-                  <a:schemeClr val="tx1"/>
-                </a:solidFill>
-                <a:latin typeface="+mn-lt"/>
-                <a:ea typeface="+mn-ea"/>
-                <a:cs typeface="+mn-cs"/>
-              </a:defRPr>
-            </a:lvl6pPr>
-            <a:lvl7pPr marL="3959924" indent="-304610" algn="l" defTabSz="1218438" rtl="0" eaLnBrk="1" latinLnBrk="1" hangingPunct="1">
-              <a:spcBef>
-                <a:spcPct val="20000"/>
-              </a:spcBef>
-              <a:buFont typeface="Arial" pitchFamily="34" charset="0"/>
-              <a:buChar char="•"/>
-              <a:defRPr sz="2665" kern="1200">
-                <a:solidFill>
-                  <a:schemeClr val="tx1"/>
-                </a:solidFill>
-                <a:latin typeface="+mn-lt"/>
-                <a:ea typeface="+mn-ea"/>
-                <a:cs typeface="+mn-cs"/>
-              </a:defRPr>
-            </a:lvl7pPr>
-            <a:lvl8pPr marL="4569143" indent="-304610" algn="l" defTabSz="1218438" rtl="0" eaLnBrk="1" latinLnBrk="1" hangingPunct="1">
-              <a:spcBef>
-                <a:spcPct val="20000"/>
-              </a:spcBef>
-              <a:buFont typeface="Arial" pitchFamily="34" charset="0"/>
-              <a:buChar char="•"/>
-              <a:defRPr sz="2665" kern="1200">
-                <a:solidFill>
-                  <a:schemeClr val="tx1"/>
-                </a:solidFill>
-                <a:latin typeface="+mn-lt"/>
-                <a:ea typeface="+mn-ea"/>
-                <a:cs typeface="+mn-cs"/>
-              </a:defRPr>
-            </a:lvl8pPr>
-            <a:lvl9pPr marL="5178362" indent="-304610" algn="l" defTabSz="1218438" rtl="0" eaLnBrk="1" latinLnBrk="1" hangingPunct="1">
-              <a:spcBef>
-                <a:spcPct val="20000"/>
-              </a:spcBef>
-              <a:buFont typeface="Arial" pitchFamily="34" charset="0"/>
-              <a:buChar char="•"/>
-              <a:defRPr sz="2665" kern="1200">
-                <a:solidFill>
-                  <a:schemeClr val="tx1"/>
-                </a:solidFill>
-                <a:latin typeface="+mn-lt"/>
-                <a:ea typeface="+mn-ea"/>
-                <a:cs typeface="+mn-cs"/>
-              </a:defRPr>
-            </a:lvl9pPr>
-          </a:lstStyle>
-          <a:p>
-            <a:pPr marL="457063" indent="-457063"/>
-            <a:r>
-              <a:rPr lang="bg-BG" sz="3599" dirty="0"/>
-              <a:t>Обхват</a:t>
-            </a:r>
-            <a:r>
-              <a:rPr lang="en-US" sz="3599" dirty="0"/>
-              <a:t>, </a:t>
-            </a:r>
-            <a:r>
-              <a:rPr lang="bg-BG" sz="3599" dirty="0"/>
-              <a:t>в</a:t>
-            </a:r>
-            <a:r>
-              <a:rPr lang="en-US" sz="3599" dirty="0"/>
-              <a:t> </a:t>
-            </a:r>
-            <a:r>
-              <a:rPr lang="bg-BG" sz="3599" dirty="0"/>
-              <a:t>който</a:t>
-            </a:r>
-            <a:r>
-              <a:rPr lang="en-US" sz="3599" dirty="0"/>
-              <a:t> </a:t>
-            </a:r>
-            <a:r>
-              <a:rPr lang="bg-BG" sz="3599" dirty="0"/>
-              <a:t>може</a:t>
-            </a:r>
-            <a:r>
-              <a:rPr lang="en-US" sz="3599" dirty="0"/>
-              <a:t> </a:t>
-            </a:r>
-            <a:r>
-              <a:rPr lang="bg-BG" sz="3599" dirty="0"/>
-              <a:t>да</a:t>
-            </a:r>
-            <a:r>
-              <a:rPr lang="en-US" sz="3599" dirty="0"/>
-              <a:t> </a:t>
-            </a:r>
-            <a:r>
-              <a:rPr lang="bg-BG" sz="3599" dirty="0"/>
-              <a:t>бъде</a:t>
-            </a:r>
-            <a:r>
-              <a:rPr lang="en-US" sz="3599" dirty="0"/>
-              <a:t> </a:t>
-            </a:r>
-            <a:r>
-              <a:rPr lang="bg-BG" sz="3599" dirty="0"/>
-              <a:t>използвана променливата</a:t>
-            </a:r>
-            <a:endParaRPr lang="en-US" sz="3599" dirty="0"/>
-          </a:p>
-          <a:p>
-            <a:pPr marL="1370618" lvl="2" indent="-457063"/>
-            <a:r>
-              <a:rPr lang="en-US" sz="3399" dirty="0"/>
-              <a:t>Пример: Променливата </a:t>
-            </a:r>
-            <a:r>
-              <a:rPr lang="en-US" sz="3199" b="1" dirty="0">
-                <a:latin typeface="Consolas" panose="020B0609020204030204" pitchFamily="49" charset="0"/>
-              </a:rPr>
-              <a:t>salary</a:t>
-            </a:r>
-            <a:r>
-              <a:rPr lang="en-US" sz="3399" dirty="0"/>
-              <a:t> съществува </a:t>
-            </a:r>
-            <a:r>
-              <a:rPr lang="en-US" sz="3399" b="1" dirty="0">
-                <a:solidFill>
-                  <a:schemeClr val="bg1"/>
-                </a:solidFill>
-              </a:rPr>
-              <a:t>само</a:t>
-            </a:r>
-            <a:r>
-              <a:rPr lang="en-US" sz="3399" dirty="0"/>
-              <a:t> в блока от код на </a:t>
-            </a:r>
-            <a:r>
-              <a:rPr lang="en-US" sz="3199" b="1" dirty="0">
-                <a:latin typeface="Consolas" panose="020B0609020204030204" pitchFamily="49" charset="0"/>
-              </a:rPr>
-              <a:t>if</a:t>
-            </a:r>
-            <a:r>
-              <a:rPr lang="en-US" sz="3399" dirty="0"/>
-              <a:t>-конструкцията</a:t>
-            </a:r>
-          </a:p>
-        </p:txBody>
-      </p:sp>
-    </p:spTree>
-    <p:extLst>
-      <p:ext uri="{BB962C8B-B14F-4D97-AF65-F5344CB8AC3E}">
-        <p14:creationId xmlns:p14="http://schemas.microsoft.com/office/powerpoint/2010/main" val="805125318"/>
-      </p:ext>
-    </p:extLst>
-  </p:cSld>
-  <p:clrMapOvr>
-    <a:masterClrMapping/>
-  </p:clrMapOvr>
-  <mc:AlternateContent xmlns:mc="http://schemas.openxmlformats.org/markup-compatibility/2006" xmlns:p14="http://schemas.microsoft.com/office/powerpoint/2010/main">
-    <mc:Choice Requires="p14">
-      <p:transition p14:dur="0" advClick="0" advTm="5000"/>
-    </mc:Choice>
-    <mc:Fallback xmlns="">
-      <p:transition advClick="0" advTm="5000"/>
-    </mc:Fallback>
-  </mc:AlternateContent>
-  <p:timing>
-    <p:tnLst>
-      <p:par>
-        <p:cTn id="1" dur="indefinite" restart="never" nodeType="tmRoot">
-          <p:childTnLst>
-            <p:seq concurrent="1" nextAc="seek">
-              <p:cTn id="2" dur="indefinite" nodeType="mainSeq">
-                <p:childTnLst>
-                  <p:par>
-                    <p:cTn id="3" fill="hold">
-                      <p:stCondLst>
-                        <p:cond delay="indefinite"/>
-                      </p:stCondLst>
-                      <p:childTnLst>
-                        <p:par>
-                          <p:cTn id="4" fill="hold">
-                            <p:stCondLst>
-                              <p:cond delay="0"/>
-                            </p:stCondLst>
-                            <p:childTnLst>
-                              <p:par>
-                                <p:cTn id="5" presetID="1" presetClass="entr" presetSubtype="0" fill="hold" grpId="0" nodeType="clickEffect">
-                                  <p:stCondLst>
-                                    <p:cond delay="0"/>
-                                  </p:stCondLst>
-                                  <p:childTnLst>
-                                    <p:set>
-                                      <p:cBhvr>
-                                        <p:cTn id="6" dur="1" fill="hold">
-                                          <p:stCondLst>
-                                            <p:cond delay="0"/>
-                                          </p:stCondLst>
-                                        </p:cTn>
-                                        <p:tgtEl>
-                                          <p:spTgt spid="13">
-                                            <p:bg/>
-                                          </p:spTgt>
-                                        </p:tgtEl>
-                                        <p:attrNameLst>
-                                          <p:attrName>style.visibility</p:attrName>
-                                        </p:attrNameLst>
-                                      </p:cBhvr>
-                                      <p:to>
-                                        <p:strVal val="visible"/>
-                                      </p:to>
-                                    </p:set>
-                                  </p:childTnLst>
-                                </p:cTn>
-                              </p:par>
-                              <p:par>
-                                <p:cTn id="7" presetID="1" presetClass="entr" presetSubtype="0" fill="hold" grpId="0" nodeType="withEffect">
-                                  <p:stCondLst>
-                                    <p:cond delay="0"/>
-                                  </p:stCondLst>
-                                  <p:childTnLst>
-                                    <p:set>
-                                      <p:cBhvr>
-                                        <p:cTn id="8" dur="1" fill="hold">
-                                          <p:stCondLst>
-                                            <p:cond delay="0"/>
-                                          </p:stCondLst>
-                                        </p:cTn>
-                                        <p:tgtEl>
-                                          <p:spTgt spid="13">
-                                            <p:txEl>
-                                              <p:pRg st="0" end="0"/>
-                                            </p:txEl>
-                                          </p:spTgt>
-                                        </p:tgtEl>
-                                        <p:attrNameLst>
-                                          <p:attrName>style.visibility</p:attrName>
-                                        </p:attrNameLst>
-                                      </p:cBhvr>
-                                      <p:to>
-                                        <p:strVal val="visible"/>
-                                      </p:to>
-                                    </p:set>
-                                  </p:childTnLst>
-                                </p:cTn>
-                              </p:par>
-                            </p:childTnLst>
-                          </p:cTn>
-                        </p:par>
-                      </p:childTnLst>
-                    </p:cTn>
-                  </p:par>
-                  <p:par>
-                    <p:cTn id="9" fill="hold">
-                      <p:stCondLst>
-                        <p:cond delay="indefinite"/>
-                      </p:stCondLst>
-                      <p:childTnLst>
-                        <p:par>
-                          <p:cTn id="10" fill="hold">
-                            <p:stCondLst>
-                              <p:cond delay="0"/>
-                            </p:stCondLst>
-                            <p:childTnLst>
-                              <p:par>
-                                <p:cTn id="11" presetID="1" presetClass="entr" presetSubtype="0" fill="hold" nodeType="clickEffect">
-                                  <p:stCondLst>
-                                    <p:cond delay="0"/>
-                                  </p:stCondLst>
-                                  <p:childTnLst>
-                                    <p:set>
-                                      <p:cBhvr>
-                                        <p:cTn id="12" dur="1" fill="hold">
-                                          <p:stCondLst>
-                                            <p:cond delay="0"/>
-                                          </p:stCondLst>
-                                        </p:cTn>
-                                        <p:tgtEl>
-                                          <p:spTgt spid="13">
-                                            <p:txEl>
-                                              <p:pRg st="1" end="1"/>
-                                            </p:txEl>
-                                          </p:spTgt>
-                                        </p:tgtEl>
-                                        <p:attrNameLst>
-                                          <p:attrName>style.visibility</p:attrName>
-                                        </p:attrNameLst>
-                                      </p:cBhvr>
-                                      <p:to>
-                                        <p:strVal val="visible"/>
-                                      </p:to>
-                                    </p:set>
-                                  </p:childTnLst>
-                                </p:cTn>
-                              </p:par>
-                              <p:par>
-                                <p:cTn id="13" presetID="1" presetClass="entr" presetSubtype="0" fill="hold" nodeType="withEffect">
-                                  <p:stCondLst>
-                                    <p:cond delay="0"/>
-                                  </p:stCondLst>
-                                  <p:childTnLst>
-                                    <p:set>
-                                      <p:cBhvr>
-                                        <p:cTn id="14" dur="1" fill="hold">
-                                          <p:stCondLst>
-                                            <p:cond delay="0"/>
-                                          </p:stCondLst>
-                                        </p:cTn>
-                                        <p:tgtEl>
-                                          <p:spTgt spid="13">
-                                            <p:txEl>
-                                              <p:pRg st="2" end="2"/>
-                                            </p:txEl>
-                                          </p:spTgt>
-                                        </p:tgtEl>
-                                        <p:attrNameLst>
-                                          <p:attrName>style.visibility</p:attrName>
-                                        </p:attrNameLst>
-                                      </p:cBhvr>
-                                      <p:to>
-                                        <p:strVal val="visible"/>
-                                      </p:to>
-                                    </p:set>
-                                  </p:childTnLst>
-                                </p:cTn>
-                              </p:par>
-                              <p:par>
-                                <p:cTn id="15" presetID="1" presetClass="entr" presetSubtype="0" fill="hold" nodeType="withEffect">
-                                  <p:stCondLst>
-                                    <p:cond delay="0"/>
-                                  </p:stCondLst>
-                                  <p:childTnLst>
-                                    <p:set>
-                                      <p:cBhvr>
-                                        <p:cTn id="16" dur="1" fill="hold">
-                                          <p:stCondLst>
-                                            <p:cond delay="0"/>
-                                          </p:stCondLst>
-                                        </p:cTn>
-                                        <p:tgtEl>
-                                          <p:spTgt spid="13">
-                                            <p:txEl>
-                                              <p:pRg st="4" end="4"/>
-                                            </p:txEl>
-                                          </p:spTgt>
-                                        </p:tgtEl>
-                                        <p:attrNameLst>
-                                          <p:attrName>style.visibility</p:attrName>
-                                        </p:attrNameLst>
-                                      </p:cBhvr>
-                                      <p:to>
-                                        <p:strVal val="visible"/>
-                                      </p:to>
-                                    </p:set>
-                                  </p:childTnLst>
-                                </p:cTn>
-                              </p:par>
-                            </p:childTnLst>
-                          </p:cTn>
-                        </p:par>
-                      </p:childTnLst>
-                    </p:cTn>
-                  </p:par>
-                  <p:par>
-                    <p:cTn id="17" fill="hold">
-                      <p:stCondLst>
-                        <p:cond delay="indefinite"/>
-                      </p:stCondLst>
-                      <p:childTnLst>
-                        <p:par>
-                          <p:cTn id="18" fill="hold">
-                            <p:stCondLst>
-                              <p:cond delay="0"/>
-                            </p:stCondLst>
-                            <p:childTnLst>
-                              <p:par>
-                                <p:cTn id="19" presetID="1" presetClass="entr" presetSubtype="0" fill="hold" nodeType="clickEffect">
-                                  <p:stCondLst>
-                                    <p:cond delay="0"/>
-                                  </p:stCondLst>
-                                  <p:childTnLst>
-                                    <p:set>
-                                      <p:cBhvr>
-                                        <p:cTn id="20" dur="1" fill="hold">
-                                          <p:stCondLst>
-                                            <p:cond delay="0"/>
-                                          </p:stCondLst>
-                                        </p:cTn>
-                                        <p:tgtEl>
-                                          <p:spTgt spid="13">
-                                            <p:txEl>
-                                              <p:pRg st="3" end="3"/>
-                                            </p:txEl>
-                                          </p:spTgt>
-                                        </p:tgtEl>
-                                        <p:attrNameLst>
-                                          <p:attrName>style.visibility</p:attrName>
-                                        </p:attrNameLst>
-                                      </p:cBhvr>
-                                      <p:to>
-                                        <p:strVal val="visible"/>
-                                      </p:to>
-                                    </p:set>
-                                  </p:childTnLst>
-                                </p:cTn>
-                              </p:par>
-                            </p:childTnLst>
-                          </p:cTn>
-                        </p:par>
-                      </p:childTnLst>
-                    </p:cTn>
-                  </p:par>
-                  <p:par>
-                    <p:cTn id="21" fill="hold">
-                      <p:stCondLst>
-                        <p:cond delay="indefinite"/>
-                      </p:stCondLst>
-                      <p:childTnLst>
-                        <p:par>
-                          <p:cTn id="22" fill="hold">
-                            <p:stCondLst>
-                              <p:cond delay="0"/>
-                            </p:stCondLst>
-                            <p:childTnLst>
-                              <p:par>
-                                <p:cTn id="23" presetID="1" presetClass="entr" presetSubtype="0" fill="hold" nodeType="clickEffect">
-                                  <p:stCondLst>
-                                    <p:cond delay="0"/>
-                                  </p:stCondLst>
-                                  <p:childTnLst>
-                                    <p:set>
-                                      <p:cBhvr>
-                                        <p:cTn id="24" dur="1" fill="hold">
-                                          <p:stCondLst>
-                                            <p:cond delay="0"/>
-                                          </p:stCondLst>
-                                        </p:cTn>
-                                        <p:tgtEl>
-                                          <p:spTgt spid="13">
-                                            <p:txEl>
-                                              <p:pRg st="5" end="5"/>
-                                            </p:txEl>
-                                          </p:spTgt>
-                                        </p:tgtEl>
-                                        <p:attrNameLst>
-                                          <p:attrName>style.visibility</p:attrName>
-                                        </p:attrNameLst>
-                                      </p:cBhvr>
-                                      <p:to>
-                                        <p:strVal val="visible"/>
-                                      </p:to>
-                                    </p:set>
-                                  </p:childTnLst>
-                                </p:cTn>
-                              </p:par>
-                            </p:childTnLst>
-                          </p:cTn>
-                        </p:par>
-                      </p:childTnLst>
-                    </p:cTn>
-                  </p:par>
-                </p:childTnLst>
-              </p:cTn>
-              <p:prevCondLst>
-                <p:cond evt="onPrev" delay="0">
-                  <p:tgtEl>
-                    <p:sldTgt/>
-                  </p:tgtEl>
-                </p:cond>
-              </p:prevCondLst>
-              <p:nextCondLst>
-                <p:cond evt="onNext" delay="0">
-                  <p:tgtEl>
-                    <p:sldTgt/>
-                  </p:tgtEl>
-                </p:cond>
-              </p:nextCondLst>
-            </p:seq>
-          </p:childTnLst>
-        </p:cTn>
-      </p:par>
-    </p:tnLst>
-    <p:bldLst>
-      <p:bldP spid="13" grpId="0" build="p" animBg="1"/>
-    </p:bldLst>
-  </p:timing>
-</p:sld>
-</file>
-
-<file path=ppt/slides/slide27.xml><?xml version="1.0" encoding="utf-8"?>
-<p:sld xmlns:a="http://schemas.openxmlformats.org/drawingml/2006/main" xmlns:r="http://schemas.openxmlformats.org/officeDocument/2006/relationships" xmlns:p="http://schemas.openxmlformats.org/presentationml/2006/main">
-  <p:cSld>
-    <p:spTree>
-      <p:nvGrpSpPr>
-        <p:cNvPr id="1" name=""/>
-        <p:cNvGrpSpPr/>
-        <p:nvPr/>
-      </p:nvGrpSpPr>
-      <p:grpSpPr>
-        <a:xfrm>
-          <a:off x="0" y="0"/>
-          <a:ext cx="0" cy="0"/>
-          <a:chOff x="0" y="0"/>
-          <a:chExt cx="0" cy="0"/>
-        </a:xfrm>
-      </p:grpSpPr>
-      <p:sp>
-        <p:nvSpPr>
           <p:cNvPr id="4" name="Текстово поле 2">
             <a:extLst>
               <a:ext uri="{FF2B5EF4-FFF2-40B4-BE49-F238E27FC236}">
@@ -24435,7 +21436,7 @@
 </p:sld>
 </file>
 
-<file path=ppt/slides/slide28.xml><?xml version="1.0" encoding="utf-8"?>
+<file path=ppt/slides/slide24.xml><?xml version="1.0" encoding="utf-8"?>
 <p:sld xmlns:a="http://schemas.openxmlformats.org/drawingml/2006/main" xmlns:r="http://schemas.openxmlformats.org/officeDocument/2006/relationships" xmlns:p="http://schemas.openxmlformats.org/presentationml/2006/main">
   <p:cSld>
     <p:spTree>
@@ -24751,8 +21752,25 @@
                 <a:latin typeface="Consolas" pitchFamily="49" charset="0"/>
                 <a:cs typeface="Consolas" pitchFamily="49" charset="0"/>
               </a:rPr>
-              <a:t>// code</a:t>
-            </a:r>
+              <a:t>// </a:t>
+            </a:r>
+            <a:r>
+              <a:rPr lang="bg-BG" sz="2599" b="1" i="1" noProof="1">
+                <a:solidFill>
+                  <a:schemeClr val="accent2"/>
+                </a:solidFill>
+                <a:latin typeface="Consolas" pitchFamily="49" charset="0"/>
+                <a:cs typeface="Consolas" pitchFamily="49" charset="0"/>
+              </a:rPr>
+              <a:t>код</a:t>
+            </a:r>
+            <a:endParaRPr lang="en-US" sz="2599" b="1" i="1" noProof="1">
+              <a:solidFill>
+                <a:schemeClr val="accent2"/>
+              </a:solidFill>
+              <a:latin typeface="Consolas" pitchFamily="49" charset="0"/>
+              <a:cs typeface="Consolas" pitchFamily="49" charset="0"/>
+            </a:endParaRPr>
           </a:p>
           <a:p>
             <a:pPr indent="-457063" eaLnBrk="0" hangingPunct="0">
@@ -24889,8 +21907,25 @@
                 <a:latin typeface="Consolas" pitchFamily="49" charset="0"/>
                 <a:cs typeface="Consolas" pitchFamily="49" charset="0"/>
               </a:rPr>
-              <a:t>// code</a:t>
-            </a:r>
+              <a:t>// </a:t>
+            </a:r>
+            <a:r>
+              <a:rPr lang="bg-BG" sz="2599" b="1" i="1" noProof="1">
+                <a:solidFill>
+                  <a:schemeClr val="accent2"/>
+                </a:solidFill>
+                <a:latin typeface="Consolas" pitchFamily="49" charset="0"/>
+                <a:cs typeface="Consolas" pitchFamily="49" charset="0"/>
+              </a:rPr>
+              <a:t>код</a:t>
+            </a:r>
+            <a:endParaRPr lang="en-US" sz="2599" b="1" i="1" noProof="1">
+              <a:solidFill>
+                <a:schemeClr val="accent2"/>
+              </a:solidFill>
+              <a:latin typeface="Consolas" pitchFamily="49" charset="0"/>
+              <a:cs typeface="Consolas" pitchFamily="49" charset="0"/>
+            </a:endParaRPr>
           </a:p>
           <a:p>
             <a:pPr indent="-457063" eaLnBrk="0" hangingPunct="0">
@@ -25002,8 +22037,25 @@
                 <a:latin typeface="Consolas" pitchFamily="49" charset="0"/>
                 <a:cs typeface="Consolas" pitchFamily="49" charset="0"/>
               </a:rPr>
-              <a:t>// code</a:t>
-            </a:r>
+              <a:t>// </a:t>
+            </a:r>
+            <a:r>
+              <a:rPr lang="bg-BG" sz="2599" b="1" i="1" noProof="1">
+                <a:solidFill>
+                  <a:schemeClr val="accent2"/>
+                </a:solidFill>
+                <a:latin typeface="Consolas" pitchFamily="49" charset="0"/>
+                <a:cs typeface="Consolas" pitchFamily="49" charset="0"/>
+              </a:rPr>
+              <a:t>код</a:t>
+            </a:r>
+            <a:endParaRPr lang="en-US" sz="2599" b="1" i="1" noProof="1">
+              <a:solidFill>
+                <a:schemeClr val="accent2"/>
+              </a:solidFill>
+              <a:latin typeface="Consolas" pitchFamily="49" charset="0"/>
+              <a:cs typeface="Consolas" pitchFamily="49" charset="0"/>
+            </a:endParaRPr>
           </a:p>
           <a:p>
             <a:pPr indent="-457063" eaLnBrk="0" hangingPunct="0">
@@ -25102,15 +22154,16 @@
             </a:avLst>
           </a:prstGeom>
           <a:solidFill>
-            <a:srgbClr val="2E6770">
+            <a:schemeClr val="tx2">
               <a:alpha val="80000"/>
-            </a:srgbClr>
+            </a:schemeClr>
           </a:solidFill>
           <a:ln w="19050">
             <a:solidFill>
-              <a:srgbClr val="50A9B8">
+              <a:schemeClr val="tx1">
+                <a:lumMod val="50000"/>
                 <a:alpha val="80000"/>
-              </a:srgbClr>
+              </a:schemeClr>
             </a:solidFill>
           </a:ln>
         </p:spPr>
@@ -25178,7 +22231,18 @@
                   <a:srgbClr val="FFFFFF"/>
                 </a:solidFill>
               </a:rPr>
-              <a:t> е стойност</a:t>
+              <a:t> е </a:t>
+            </a:r>
+            <a:r>
+              <a:rPr lang="bg-BG" sz="2800" b="1" dirty="0">
+                <a:solidFill>
+                  <a:schemeClr val="bg1">
+                    <a:lumMod val="60000"/>
+                    <a:lumOff val="40000"/>
+                  </a:schemeClr>
+                </a:solidFill>
+              </a:rPr>
+              <a:t>стойност</a:t>
             </a:r>
           </a:p>
         </p:txBody>
@@ -25210,15 +22274,16 @@
             </a:avLst>
           </a:prstGeom>
           <a:solidFill>
-            <a:srgbClr val="2E6770">
+            <a:schemeClr val="tx2">
               <a:alpha val="80000"/>
-            </a:srgbClr>
+            </a:schemeClr>
           </a:solidFill>
           <a:ln w="19050">
             <a:solidFill>
-              <a:srgbClr val="50A9B8">
+              <a:schemeClr val="tx1">
+                <a:lumMod val="50000"/>
                 <a:alpha val="80000"/>
-              </a:srgbClr>
+              </a:schemeClr>
             </a:solidFill>
           </a:ln>
         </p:spPr>
@@ -25254,7 +22319,26 @@
                   <a:srgbClr val="FFFFFF"/>
                 </a:solidFill>
               </a:rPr>
-              <a:t>Изброяване на условия </a:t>
+              <a:t>Изброяване на </a:t>
+            </a:r>
+            <a:r>
+              <a:rPr lang="bg-BG" sz="2800" b="1" dirty="0">
+                <a:solidFill>
+                  <a:schemeClr val="bg1">
+                    <a:lumMod val="60000"/>
+                    <a:lumOff val="40000"/>
+                  </a:schemeClr>
+                </a:solidFill>
+              </a:rPr>
+              <a:t>условия</a:t>
+            </a:r>
+            <a:r>
+              <a:rPr lang="bg-BG" sz="2800" b="1" dirty="0">
+                <a:solidFill>
+                  <a:srgbClr val="FFFFFF"/>
+                </a:solidFill>
+              </a:rPr>
+              <a:t> </a:t>
             </a:r>
             <a:r>
               <a:rPr lang="en-US" sz="2800" b="1" dirty="0">
@@ -25370,15 +22454,16 @@
             </a:avLst>
           </a:prstGeom>
           <a:solidFill>
-            <a:srgbClr val="2E6770">
+            <a:schemeClr val="tx2">
               <a:alpha val="80000"/>
-            </a:srgbClr>
+            </a:schemeClr>
           </a:solidFill>
           <a:ln w="19050">
             <a:solidFill>
-              <a:srgbClr val="50A9B8">
+              <a:schemeClr val="tx1">
+                <a:lumMod val="50000"/>
                 <a:alpha val="80000"/>
-              </a:srgbClr>
+              </a:schemeClr>
             </a:solidFill>
           </a:ln>
         </p:spPr>
@@ -25414,7 +22499,26 @@
                   <a:srgbClr val="FFFFFF"/>
                 </a:solidFill>
               </a:rPr>
-              <a:t>Код, който ще се изпълни, ако няма съвпадение с нито един случай</a:t>
+              <a:t>Код, който ще се изпълни, ако </a:t>
+            </a:r>
+            <a:r>
+              <a:rPr lang="bg-BG" sz="2800" b="1" dirty="0">
+                <a:solidFill>
+                  <a:schemeClr val="bg1">
+                    <a:lumMod val="60000"/>
+                    <a:lumOff val="40000"/>
+                  </a:schemeClr>
+                </a:solidFill>
+              </a:rPr>
+              <a:t>няма съвпадение </a:t>
+            </a:r>
+            <a:r>
+              <a:rPr lang="bg-BG" sz="2800" b="1" dirty="0">
+                <a:solidFill>
+                  <a:srgbClr val="FFFFFF"/>
+                </a:solidFill>
+              </a:rPr>
+              <a:t>с нито един случай</a:t>
             </a:r>
           </a:p>
         </p:txBody>
@@ -25507,7 +22611,7 @@
             <a:fld id="{2BF067CD-8E6B-4360-9AA8-C5DF2A48A6D1}" type="slidenum">
               <a:rPr lang="en-US" noProof="0" smtClean="0"/>
               <a:pPr/>
-              <a:t>28</a:t>
+              <a:t>24</a:t>
             </a:fld>
             <a:endParaRPr lang="en-US" noProof="0" dirty="0"/>
           </a:p>
@@ -25806,7 +22910,7 @@
 </p:sld>
 </file>
 
-<file path=ppt/slides/slide29.xml><?xml version="1.0" encoding="utf-8"?>
+<file path=ppt/slides/slide25.xml><?xml version="1.0" encoding="utf-8"?>
 <p:sld xmlns:a="http://schemas.openxmlformats.org/drawingml/2006/main" xmlns:r="http://schemas.openxmlformats.org/officeDocument/2006/relationships" xmlns:p="http://schemas.openxmlformats.org/presentationml/2006/main">
   <p:cSld>
     <p:spTree>
@@ -26431,7 +23535,7 @@
             <a:fld id="{2BF067CD-8E6B-4360-9AA8-C5DF2A48A6D1}" type="slidenum">
               <a:rPr lang="en-US" noProof="0" smtClean="0"/>
               <a:pPr/>
-              <a:t>29</a:t>
+              <a:t>25</a:t>
             </a:fld>
             <a:endParaRPr lang="en-US" noProof="0" dirty="0"/>
           </a:p>
@@ -26707,279 +23811,7 @@
 </p:sld>
 </file>
 
-<file path=ppt/slides/slide3.xml><?xml version="1.0" encoding="utf-8"?>
-<p:sld xmlns:a="http://schemas.openxmlformats.org/drawingml/2006/main" xmlns:r="http://schemas.openxmlformats.org/officeDocument/2006/relationships" xmlns:p="http://schemas.openxmlformats.org/presentationml/2006/main">
-  <p:cSld>
-    <p:spTree>
-      <p:nvGrpSpPr>
-        <p:cNvPr id="1" name=""/>
-        <p:cNvGrpSpPr/>
-        <p:nvPr/>
-      </p:nvGrpSpPr>
-      <p:grpSpPr>
-        <a:xfrm>
-          <a:off x="0" y="0"/>
-          <a:ext cx="0" cy="0"/>
-          <a:chOff x="0" y="0"/>
-          <a:chExt cx="0" cy="0"/>
-        </a:xfrm>
-      </p:grpSpPr>
-      <p:sp>
-        <p:nvSpPr>
-          <p:cNvPr id="11" name="Text Placeholder 4">
-            <a:extLst>
-              <a:ext uri="{FF2B5EF4-FFF2-40B4-BE49-F238E27FC236}">
-                <a16:creationId xmlns:a16="http://schemas.microsoft.com/office/drawing/2014/main" id="{E8B16A68-00FB-42E5-A129-006C168C797A}"/>
-              </a:ext>
-            </a:extLst>
-          </p:cNvPr>
-          <p:cNvSpPr txBox="1">
-            <a:spLocks/>
-          </p:cNvSpPr>
-          <p:nvPr/>
-        </p:nvSpPr>
-        <p:spPr>
-          <a:xfrm>
-            <a:off x="4574063" y="1532550"/>
-            <a:ext cx="3043877" cy="1980684"/>
-          </a:xfrm>
-          <a:prstGeom prst="rect">
-            <a:avLst/>
-          </a:prstGeom>
-        </p:spPr>
-        <p:txBody>
-          <a:bodyPr vert="horz" lIns="107972" tIns="35991" rIns="107972" bIns="35991" rtlCol="0" anchor="ctr">
-            <a:noAutofit/>
-          </a:bodyPr>
-          <a:lstStyle>
-            <a:lvl1pPr marL="0" indent="0" algn="ctr" defTabSz="1218438" rtl="0" eaLnBrk="1" latinLnBrk="1" hangingPunct="1">
-              <a:lnSpc>
-                <a:spcPct val="105000"/>
-              </a:lnSpc>
-              <a:spcBef>
-                <a:spcPts val="600"/>
-              </a:spcBef>
-              <a:spcAft>
-                <a:spcPts val="600"/>
-              </a:spcAft>
-              <a:buFont typeface="Wingdings" panose="05000000000000000000" pitchFamily="2" charset="2"/>
-              <a:buNone/>
-              <a:defRPr sz="3998" b="1" kern="1200" baseline="0">
-                <a:solidFill>
-                  <a:schemeClr val="tx1"/>
-                </a:solidFill>
-                <a:latin typeface="+mn-lt"/>
-                <a:ea typeface="+mn-ea"/>
-                <a:cs typeface="Arial" pitchFamily="34" charset="0"/>
-              </a:defRPr>
-            </a:lvl1pPr>
-            <a:lvl2pPr marL="989981" indent="-380762" algn="l" defTabSz="1218438" rtl="0" eaLnBrk="1" latinLnBrk="1" hangingPunct="1">
-              <a:lnSpc>
-                <a:spcPct val="105000"/>
-              </a:lnSpc>
-              <a:spcBef>
-                <a:spcPts val="600"/>
-              </a:spcBef>
-              <a:spcAft>
-                <a:spcPts val="600"/>
-              </a:spcAft>
-              <a:buFont typeface="Wingdings" panose="05000000000000000000" pitchFamily="2" charset="2"/>
-              <a:buChar char="§"/>
-              <a:defRPr sz="3198" kern="1200">
-                <a:solidFill>
-                  <a:schemeClr val="tx1"/>
-                </a:solidFill>
-                <a:latin typeface="+mn-lt"/>
-                <a:ea typeface="+mn-ea"/>
-                <a:cs typeface="+mn-cs"/>
-              </a:defRPr>
-            </a:lvl2pPr>
-            <a:lvl3pPr marL="1523048" indent="-304610" algn="l" defTabSz="1218438" rtl="0" eaLnBrk="1" latinLnBrk="1" hangingPunct="1">
-              <a:lnSpc>
-                <a:spcPct val="105000"/>
-              </a:lnSpc>
-              <a:spcBef>
-                <a:spcPts val="600"/>
-              </a:spcBef>
-              <a:spcAft>
-                <a:spcPts val="600"/>
-              </a:spcAft>
-              <a:buFont typeface="Wingdings" panose="05000000000000000000" pitchFamily="2" charset="2"/>
-              <a:buChar char="§"/>
-              <a:defRPr sz="2998" kern="1200">
-                <a:solidFill>
-                  <a:schemeClr val="tx1"/>
-                </a:solidFill>
-                <a:latin typeface="+mn-lt"/>
-                <a:ea typeface="+mn-ea"/>
-                <a:cs typeface="+mn-cs"/>
-              </a:defRPr>
-            </a:lvl3pPr>
-            <a:lvl4pPr marL="2132267" indent="-304610" algn="l" defTabSz="1218438" rtl="0" eaLnBrk="1" latinLnBrk="1" hangingPunct="1">
-              <a:lnSpc>
-                <a:spcPct val="105000"/>
-              </a:lnSpc>
-              <a:spcBef>
-                <a:spcPts val="600"/>
-              </a:spcBef>
-              <a:spcAft>
-                <a:spcPts val="600"/>
-              </a:spcAft>
-              <a:buFont typeface="Wingdings" panose="05000000000000000000" pitchFamily="2" charset="2"/>
-              <a:buChar char="§"/>
-              <a:defRPr sz="2798" kern="1200">
-                <a:solidFill>
-                  <a:schemeClr val="tx1"/>
-                </a:solidFill>
-                <a:latin typeface="+mn-lt"/>
-                <a:ea typeface="+mn-ea"/>
-                <a:cs typeface="+mn-cs"/>
-              </a:defRPr>
-            </a:lvl4pPr>
-            <a:lvl5pPr marL="2741485" indent="-304610" algn="l" defTabSz="1218438" rtl="0" eaLnBrk="1" latinLnBrk="1" hangingPunct="1">
-              <a:lnSpc>
-                <a:spcPct val="105000"/>
-              </a:lnSpc>
-              <a:spcBef>
-                <a:spcPts val="600"/>
-              </a:spcBef>
-              <a:spcAft>
-                <a:spcPts val="600"/>
-              </a:spcAft>
-              <a:buFont typeface="Wingdings" panose="05000000000000000000" pitchFamily="2" charset="2"/>
-              <a:buChar char="§"/>
-              <a:defRPr sz="2598" kern="1200">
-                <a:solidFill>
-                  <a:schemeClr val="tx1"/>
-                </a:solidFill>
-                <a:latin typeface="+mn-lt"/>
-                <a:ea typeface="+mn-ea"/>
-                <a:cs typeface="+mn-cs"/>
-              </a:defRPr>
-            </a:lvl5pPr>
-            <a:lvl6pPr marL="3350704" indent="-304610" algn="l" defTabSz="1218438" rtl="0" eaLnBrk="1" latinLnBrk="1" hangingPunct="1">
-              <a:spcBef>
-                <a:spcPct val="20000"/>
-              </a:spcBef>
-              <a:buFont typeface="Arial" pitchFamily="34" charset="0"/>
-              <a:buChar char="•"/>
-              <a:defRPr sz="2665" kern="1200">
-                <a:solidFill>
-                  <a:schemeClr val="tx1"/>
-                </a:solidFill>
-                <a:latin typeface="+mn-lt"/>
-                <a:ea typeface="+mn-ea"/>
-                <a:cs typeface="+mn-cs"/>
-              </a:defRPr>
-            </a:lvl6pPr>
-            <a:lvl7pPr marL="3959924" indent="-304610" algn="l" defTabSz="1218438" rtl="0" eaLnBrk="1" latinLnBrk="1" hangingPunct="1">
-              <a:spcBef>
-                <a:spcPct val="20000"/>
-              </a:spcBef>
-              <a:buFont typeface="Arial" pitchFamily="34" charset="0"/>
-              <a:buChar char="•"/>
-              <a:defRPr sz="2665" kern="1200">
-                <a:solidFill>
-                  <a:schemeClr val="tx1"/>
-                </a:solidFill>
-                <a:latin typeface="+mn-lt"/>
-                <a:ea typeface="+mn-ea"/>
-                <a:cs typeface="+mn-cs"/>
-              </a:defRPr>
-            </a:lvl7pPr>
-            <a:lvl8pPr marL="4569143" indent="-304610" algn="l" defTabSz="1218438" rtl="0" eaLnBrk="1" latinLnBrk="1" hangingPunct="1">
-              <a:spcBef>
-                <a:spcPct val="20000"/>
-              </a:spcBef>
-              <a:buFont typeface="Arial" pitchFamily="34" charset="0"/>
-              <a:buChar char="•"/>
-              <a:defRPr sz="2665" kern="1200">
-                <a:solidFill>
-                  <a:schemeClr val="tx1"/>
-                </a:solidFill>
-                <a:latin typeface="+mn-lt"/>
-                <a:ea typeface="+mn-ea"/>
-                <a:cs typeface="+mn-cs"/>
-              </a:defRPr>
-            </a:lvl8pPr>
-            <a:lvl9pPr marL="5178362" indent="-304610" algn="l" defTabSz="1218438" rtl="0" eaLnBrk="1" latinLnBrk="1" hangingPunct="1">
-              <a:spcBef>
-                <a:spcPct val="20000"/>
-              </a:spcBef>
-              <a:buFont typeface="Arial" pitchFamily="34" charset="0"/>
-              <a:buChar char="•"/>
-              <a:defRPr sz="2665" kern="1200">
-                <a:solidFill>
-                  <a:schemeClr val="tx1"/>
-                </a:solidFill>
-                <a:latin typeface="+mn-lt"/>
-                <a:ea typeface="+mn-ea"/>
-                <a:cs typeface="+mn-cs"/>
-              </a:defRPr>
-            </a:lvl9pPr>
-          </a:lstStyle>
-          <a:p>
-            <a:r>
-              <a:rPr lang="en-US" sz="16595" dirty="0">
-                <a:solidFill>
-                  <a:schemeClr val="bg2"/>
-                </a:solidFill>
-              </a:rPr>
-              <a:t>==</a:t>
-            </a:r>
-          </a:p>
-        </p:txBody>
-      </p:sp>
-      <p:sp>
-        <p:nvSpPr>
-          <p:cNvPr id="4" name="Title 3">
-            <a:extLst>
-              <a:ext uri="{FF2B5EF4-FFF2-40B4-BE49-F238E27FC236}">
-                <a16:creationId xmlns:a16="http://schemas.microsoft.com/office/drawing/2014/main" id="{F62C45C7-13CB-45AD-91CB-273D9326DB01}"/>
-              </a:ext>
-            </a:extLst>
-          </p:cNvPr>
-          <p:cNvSpPr>
-            <a:spLocks noGrp="1"/>
-          </p:cNvSpPr>
-          <p:nvPr>
-            <p:ph type="title" sz="quarter" idx="10"/>
-          </p:nvPr>
-        </p:nvSpPr>
-        <p:spPr/>
-        <p:txBody>
-          <a:bodyPr/>
-          <a:lstStyle/>
-          <a:p>
-            <a:r>
-              <a:rPr lang="bg-BG" dirty="0"/>
-              <a:t>Оператори за сравнение</a:t>
-            </a:r>
-          </a:p>
-        </p:txBody>
-      </p:sp>
-    </p:spTree>
-    <p:extLst>
-      <p:ext uri="{BB962C8B-B14F-4D97-AF65-F5344CB8AC3E}">
-        <p14:creationId xmlns:p14="http://schemas.microsoft.com/office/powerpoint/2010/main" val="3350977406"/>
-      </p:ext>
-    </p:extLst>
-  </p:cSld>
-  <p:clrMapOvr>
-    <a:masterClrMapping/>
-  </p:clrMapOvr>
-  <mc:AlternateContent xmlns:mc="http://schemas.openxmlformats.org/markup-compatibility/2006" xmlns:p14="http://schemas.microsoft.com/office/powerpoint/2010/main">
-    <mc:Choice Requires="p14">
-      <p:transition p14:dur="0" advClick="0" advTm="5000"/>
-    </mc:Choice>
-    <mc:Fallback xmlns="">
-      <p:transition advClick="0" advTm="5000"/>
-    </mc:Fallback>
-  </mc:AlternateContent>
-</p:sld>
-</file>
-
-<file path=ppt/slides/slide30.xml><?xml version="1.0" encoding="utf-8"?>
+<file path=ppt/slides/slide26.xml><?xml version="1.0" encoding="utf-8"?>
 <p:sld xmlns:a="http://schemas.openxmlformats.org/drawingml/2006/main" xmlns:r="http://schemas.openxmlformats.org/officeDocument/2006/relationships" xmlns:p="http://schemas.openxmlformats.org/presentationml/2006/main">
   <p:cSld>
     <p:spTree>
@@ -27282,7 +24114,7 @@
                 <a:latin typeface="Consolas" pitchFamily="49" charset="0"/>
                 <a:cs typeface="Consolas" pitchFamily="49" charset="0"/>
               </a:rPr>
-              <a:t>проверете останалите дни</a:t>
+              <a:t>Проверете останалите дни</a:t>
             </a:r>
             <a:endParaRPr lang="en-US" sz="2599" b="1" i="1" noProof="1">
               <a:solidFill>
@@ -27625,7 +24457,7 @@
             <a:fld id="{2BF067CD-8E6B-4360-9AA8-C5DF2A48A6D1}" type="slidenum">
               <a:rPr lang="en-US" noProof="0" smtClean="0"/>
               <a:pPr/>
-              <a:t>30</a:t>
+              <a:t>26</a:t>
             </a:fld>
             <a:endParaRPr lang="en-US" noProof="0" dirty="0"/>
           </a:p>
@@ -28051,7 +24883,7 @@
 </p:sld>
 </file>
 
-<file path=ppt/slides/slide31.xml><?xml version="1.0" encoding="utf-8"?>
+<file path=ppt/slides/slide27.xml><?xml version="1.0" encoding="utf-8"?>
 <p:sld xmlns:a="http://schemas.openxmlformats.org/drawingml/2006/main" xmlns:r="http://schemas.openxmlformats.org/officeDocument/2006/relationships" xmlns:p="http://schemas.openxmlformats.org/presentationml/2006/main">
   <p:cSld>
     <p:spTree>
@@ -28160,7 +24992,7 @@
         <p:spPr bwMode="auto">
           <a:xfrm>
             <a:off x="4229586" y="1797110"/>
-            <a:ext cx="3732828" cy="4908079"/>
+            <a:ext cx="3732828" cy="4908010"/>
           </a:xfrm>
           <a:prstGeom prst="rect">
             <a:avLst/>
@@ -28574,7 +25406,17 @@
                 <a:latin typeface="Consolas" pitchFamily="49" charset="0"/>
                 <a:cs typeface="Consolas" pitchFamily="49" charset="0"/>
               </a:rPr>
-              <a:t> code</a:t>
+              <a:t> </a:t>
+            </a:r>
+            <a:r>
+              <a:rPr lang="bg-BG" sz="2599" b="1" i="1" noProof="1">
+                <a:solidFill>
+                  <a:schemeClr val="accent2"/>
+                </a:solidFill>
+                <a:latin typeface="Consolas" pitchFamily="49" charset="0"/>
+                <a:cs typeface="Consolas" pitchFamily="49" charset="0"/>
+              </a:rPr>
+              <a:t>код</a:t>
             </a:r>
             <a:r>
               <a:rPr lang="bg-BG" sz="2599" b="1" noProof="1">
@@ -28696,7 +25538,17 @@
                 <a:latin typeface="Consolas" pitchFamily="49" charset="0"/>
                 <a:cs typeface="Consolas" pitchFamily="49" charset="0"/>
               </a:rPr>
-              <a:t> code</a:t>
+              <a:t> </a:t>
+            </a:r>
+            <a:r>
+              <a:rPr lang="bg-BG" sz="2599" b="1" i="1" noProof="1">
+                <a:solidFill>
+                  <a:schemeClr val="accent2"/>
+                </a:solidFill>
+                <a:latin typeface="Consolas" pitchFamily="49" charset="0"/>
+                <a:cs typeface="Consolas" pitchFamily="49" charset="0"/>
+              </a:rPr>
+              <a:t>код</a:t>
             </a:r>
             <a:r>
               <a:rPr lang="bg-BG" sz="2599" b="1" noProof="1">
@@ -28831,15 +25683,16 @@
             </a:avLst>
           </a:prstGeom>
           <a:solidFill>
-            <a:srgbClr val="2E6770">
+            <a:schemeClr val="tx2">
               <a:alpha val="80000"/>
-            </a:srgbClr>
+            </a:schemeClr>
           </a:solidFill>
           <a:ln w="19050">
             <a:solidFill>
-              <a:srgbClr val="50A9B8">
+              <a:schemeClr val="tx1">
+                <a:lumMod val="50000"/>
                 <a:alpha val="80000"/>
-              </a:srgbClr>
+              </a:schemeClr>
             </a:solidFill>
           </a:ln>
         </p:spPr>
@@ -28916,7 +25769,7 @@
             <a:fld id="{2BF067CD-8E6B-4360-9AA8-C5DF2A48A6D1}" type="slidenum">
               <a:rPr lang="en-US" noProof="0" smtClean="0"/>
               <a:pPr/>
-              <a:t>31</a:t>
+              <a:t>27</a:t>
             </a:fld>
             <a:endParaRPr lang="en-US" noProof="0" dirty="0"/>
           </a:p>
@@ -29049,7 +25902,7 @@
 </p:sld>
 </file>
 
-<file path=ppt/slides/slide32.xml><?xml version="1.0" encoding="utf-8"?>
+<file path=ppt/slides/slide28.xml><?xml version="1.0" encoding="utf-8"?>
 <p:sld xmlns:a="http://schemas.openxmlformats.org/drawingml/2006/main" xmlns:r="http://schemas.openxmlformats.org/officeDocument/2006/relationships" xmlns:p="http://schemas.openxmlformats.org/presentationml/2006/main">
   <p:cSld>
     <p:spTree>
@@ -29761,7 +26614,7 @@
             <a:fld id="{2BF067CD-8E6B-4360-9AA8-C5DF2A48A6D1}" type="slidenum">
               <a:rPr lang="en-US" noProof="0" smtClean="0"/>
               <a:pPr/>
-              <a:t>32</a:t>
+              <a:t>28</a:t>
             </a:fld>
             <a:endParaRPr lang="en-US" noProof="0" dirty="0"/>
           </a:p>
@@ -30086,7 +26939,7 @@
 </p:sld>
 </file>
 
-<file path=ppt/slides/slide33.xml><?xml version="1.0" encoding="utf-8"?>
+<file path=ppt/slides/slide29.xml><?xml version="1.0" encoding="utf-8"?>
 <p:sld xmlns:a="http://schemas.openxmlformats.org/drawingml/2006/main" xmlns:r="http://schemas.openxmlformats.org/officeDocument/2006/relationships" xmlns:p="http://schemas.openxmlformats.org/presentationml/2006/main">
   <p:cSld>
     <p:spTree>
@@ -30318,6 +27171,15 @@
               </a:rPr>
               <a:t>// TODO</a:t>
             </a:r>
+            <a:r>
+              <a:rPr lang="bg-BG" sz="2199" b="1" dirty="0">
+                <a:solidFill>
+                  <a:schemeClr val="accent2"/>
+                </a:solidFill>
+                <a:latin typeface="Consolas" panose="020B0609020204030204" pitchFamily="49" charset="0"/>
+              </a:rPr>
+              <a:t>: Добавете останалите дни</a:t>
+            </a:r>
             <a:endParaRPr lang="bg-BG" sz="2199" b="1" noProof="1">
               <a:solidFill>
                 <a:schemeClr val="accent2"/>
@@ -30702,7 +27564,7 @@
             <a:fld id="{2BF067CD-8E6B-4360-9AA8-C5DF2A48A6D1}" type="slidenum">
               <a:rPr lang="en-US" noProof="0" smtClean="0"/>
               <a:pPr/>
-              <a:t>33</a:t>
+              <a:t>29</a:t>
             </a:fld>
             <a:endParaRPr lang="en-US" noProof="0" dirty="0"/>
           </a:p>
@@ -31185,7 +28047,279 @@
 </p:sld>
 </file>
 
-<file path=ppt/slides/slide34.xml><?xml version="1.0" encoding="utf-8"?>
+<file path=ppt/slides/slide3.xml><?xml version="1.0" encoding="utf-8"?>
+<p:sld xmlns:a="http://schemas.openxmlformats.org/drawingml/2006/main" xmlns:r="http://schemas.openxmlformats.org/officeDocument/2006/relationships" xmlns:p="http://schemas.openxmlformats.org/presentationml/2006/main">
+  <p:cSld>
+    <p:spTree>
+      <p:nvGrpSpPr>
+        <p:cNvPr id="1" name=""/>
+        <p:cNvGrpSpPr/>
+        <p:nvPr/>
+      </p:nvGrpSpPr>
+      <p:grpSpPr>
+        <a:xfrm>
+          <a:off x="0" y="0"/>
+          <a:ext cx="0" cy="0"/>
+          <a:chOff x="0" y="0"/>
+          <a:chExt cx="0" cy="0"/>
+        </a:xfrm>
+      </p:grpSpPr>
+      <p:sp>
+        <p:nvSpPr>
+          <p:cNvPr id="11" name="Text Placeholder 4">
+            <a:extLst>
+              <a:ext uri="{FF2B5EF4-FFF2-40B4-BE49-F238E27FC236}">
+                <a16:creationId xmlns:a16="http://schemas.microsoft.com/office/drawing/2014/main" id="{E8B16A68-00FB-42E5-A129-006C168C797A}"/>
+              </a:ext>
+            </a:extLst>
+          </p:cNvPr>
+          <p:cNvSpPr txBox="1">
+            <a:spLocks/>
+          </p:cNvSpPr>
+          <p:nvPr/>
+        </p:nvSpPr>
+        <p:spPr>
+          <a:xfrm>
+            <a:off x="4574063" y="1532550"/>
+            <a:ext cx="3043877" cy="1980684"/>
+          </a:xfrm>
+          <a:prstGeom prst="rect">
+            <a:avLst/>
+          </a:prstGeom>
+        </p:spPr>
+        <p:txBody>
+          <a:bodyPr vert="horz" lIns="107972" tIns="35991" rIns="107972" bIns="35991" rtlCol="0" anchor="ctr">
+            <a:noAutofit/>
+          </a:bodyPr>
+          <a:lstStyle>
+            <a:lvl1pPr marL="0" indent="0" algn="ctr" defTabSz="1218438" rtl="0" eaLnBrk="1" latinLnBrk="1" hangingPunct="1">
+              <a:lnSpc>
+                <a:spcPct val="105000"/>
+              </a:lnSpc>
+              <a:spcBef>
+                <a:spcPts val="600"/>
+              </a:spcBef>
+              <a:spcAft>
+                <a:spcPts val="600"/>
+              </a:spcAft>
+              <a:buFont typeface="Wingdings" panose="05000000000000000000" pitchFamily="2" charset="2"/>
+              <a:buNone/>
+              <a:defRPr sz="3998" b="1" kern="1200" baseline="0">
+                <a:solidFill>
+                  <a:schemeClr val="tx1"/>
+                </a:solidFill>
+                <a:latin typeface="+mn-lt"/>
+                <a:ea typeface="+mn-ea"/>
+                <a:cs typeface="Arial" pitchFamily="34" charset="0"/>
+              </a:defRPr>
+            </a:lvl1pPr>
+            <a:lvl2pPr marL="989981" indent="-380762" algn="l" defTabSz="1218438" rtl="0" eaLnBrk="1" latinLnBrk="1" hangingPunct="1">
+              <a:lnSpc>
+                <a:spcPct val="105000"/>
+              </a:lnSpc>
+              <a:spcBef>
+                <a:spcPts val="600"/>
+              </a:spcBef>
+              <a:spcAft>
+                <a:spcPts val="600"/>
+              </a:spcAft>
+              <a:buFont typeface="Wingdings" panose="05000000000000000000" pitchFamily="2" charset="2"/>
+              <a:buChar char="§"/>
+              <a:defRPr sz="3198" kern="1200">
+                <a:solidFill>
+                  <a:schemeClr val="tx1"/>
+                </a:solidFill>
+                <a:latin typeface="+mn-lt"/>
+                <a:ea typeface="+mn-ea"/>
+                <a:cs typeface="+mn-cs"/>
+              </a:defRPr>
+            </a:lvl2pPr>
+            <a:lvl3pPr marL="1523048" indent="-304610" algn="l" defTabSz="1218438" rtl="0" eaLnBrk="1" latinLnBrk="1" hangingPunct="1">
+              <a:lnSpc>
+                <a:spcPct val="105000"/>
+              </a:lnSpc>
+              <a:spcBef>
+                <a:spcPts val="600"/>
+              </a:spcBef>
+              <a:spcAft>
+                <a:spcPts val="600"/>
+              </a:spcAft>
+              <a:buFont typeface="Wingdings" panose="05000000000000000000" pitchFamily="2" charset="2"/>
+              <a:buChar char="§"/>
+              <a:defRPr sz="2998" kern="1200">
+                <a:solidFill>
+                  <a:schemeClr val="tx1"/>
+                </a:solidFill>
+                <a:latin typeface="+mn-lt"/>
+                <a:ea typeface="+mn-ea"/>
+                <a:cs typeface="+mn-cs"/>
+              </a:defRPr>
+            </a:lvl3pPr>
+            <a:lvl4pPr marL="2132267" indent="-304610" algn="l" defTabSz="1218438" rtl="0" eaLnBrk="1" latinLnBrk="1" hangingPunct="1">
+              <a:lnSpc>
+                <a:spcPct val="105000"/>
+              </a:lnSpc>
+              <a:spcBef>
+                <a:spcPts val="600"/>
+              </a:spcBef>
+              <a:spcAft>
+                <a:spcPts val="600"/>
+              </a:spcAft>
+              <a:buFont typeface="Wingdings" panose="05000000000000000000" pitchFamily="2" charset="2"/>
+              <a:buChar char="§"/>
+              <a:defRPr sz="2798" kern="1200">
+                <a:solidFill>
+                  <a:schemeClr val="tx1"/>
+                </a:solidFill>
+                <a:latin typeface="+mn-lt"/>
+                <a:ea typeface="+mn-ea"/>
+                <a:cs typeface="+mn-cs"/>
+              </a:defRPr>
+            </a:lvl4pPr>
+            <a:lvl5pPr marL="2741485" indent="-304610" algn="l" defTabSz="1218438" rtl="0" eaLnBrk="1" latinLnBrk="1" hangingPunct="1">
+              <a:lnSpc>
+                <a:spcPct val="105000"/>
+              </a:lnSpc>
+              <a:spcBef>
+                <a:spcPts val="600"/>
+              </a:spcBef>
+              <a:spcAft>
+                <a:spcPts val="600"/>
+              </a:spcAft>
+              <a:buFont typeface="Wingdings" panose="05000000000000000000" pitchFamily="2" charset="2"/>
+              <a:buChar char="§"/>
+              <a:defRPr sz="2598" kern="1200">
+                <a:solidFill>
+                  <a:schemeClr val="tx1"/>
+                </a:solidFill>
+                <a:latin typeface="+mn-lt"/>
+                <a:ea typeface="+mn-ea"/>
+                <a:cs typeface="+mn-cs"/>
+              </a:defRPr>
+            </a:lvl5pPr>
+            <a:lvl6pPr marL="3350704" indent="-304610" algn="l" defTabSz="1218438" rtl="0" eaLnBrk="1" latinLnBrk="1" hangingPunct="1">
+              <a:spcBef>
+                <a:spcPct val="20000"/>
+              </a:spcBef>
+              <a:buFont typeface="Arial" pitchFamily="34" charset="0"/>
+              <a:buChar char="•"/>
+              <a:defRPr sz="2665" kern="1200">
+                <a:solidFill>
+                  <a:schemeClr val="tx1"/>
+                </a:solidFill>
+                <a:latin typeface="+mn-lt"/>
+                <a:ea typeface="+mn-ea"/>
+                <a:cs typeface="+mn-cs"/>
+              </a:defRPr>
+            </a:lvl6pPr>
+            <a:lvl7pPr marL="3959924" indent="-304610" algn="l" defTabSz="1218438" rtl="0" eaLnBrk="1" latinLnBrk="1" hangingPunct="1">
+              <a:spcBef>
+                <a:spcPct val="20000"/>
+              </a:spcBef>
+              <a:buFont typeface="Arial" pitchFamily="34" charset="0"/>
+              <a:buChar char="•"/>
+              <a:defRPr sz="2665" kern="1200">
+                <a:solidFill>
+                  <a:schemeClr val="tx1"/>
+                </a:solidFill>
+                <a:latin typeface="+mn-lt"/>
+                <a:ea typeface="+mn-ea"/>
+                <a:cs typeface="+mn-cs"/>
+              </a:defRPr>
+            </a:lvl7pPr>
+            <a:lvl8pPr marL="4569143" indent="-304610" algn="l" defTabSz="1218438" rtl="0" eaLnBrk="1" latinLnBrk="1" hangingPunct="1">
+              <a:spcBef>
+                <a:spcPct val="20000"/>
+              </a:spcBef>
+              <a:buFont typeface="Arial" pitchFamily="34" charset="0"/>
+              <a:buChar char="•"/>
+              <a:defRPr sz="2665" kern="1200">
+                <a:solidFill>
+                  <a:schemeClr val="tx1"/>
+                </a:solidFill>
+                <a:latin typeface="+mn-lt"/>
+                <a:ea typeface="+mn-ea"/>
+                <a:cs typeface="+mn-cs"/>
+              </a:defRPr>
+            </a:lvl8pPr>
+            <a:lvl9pPr marL="5178362" indent="-304610" algn="l" defTabSz="1218438" rtl="0" eaLnBrk="1" latinLnBrk="1" hangingPunct="1">
+              <a:spcBef>
+                <a:spcPct val="20000"/>
+              </a:spcBef>
+              <a:buFont typeface="Arial" pitchFamily="34" charset="0"/>
+              <a:buChar char="•"/>
+              <a:defRPr sz="2665" kern="1200">
+                <a:solidFill>
+                  <a:schemeClr val="tx1"/>
+                </a:solidFill>
+                <a:latin typeface="+mn-lt"/>
+                <a:ea typeface="+mn-ea"/>
+                <a:cs typeface="+mn-cs"/>
+              </a:defRPr>
+            </a:lvl9pPr>
+          </a:lstStyle>
+          <a:p>
+            <a:r>
+              <a:rPr lang="en-US" sz="16595" dirty="0">
+                <a:solidFill>
+                  <a:schemeClr val="bg2"/>
+                </a:solidFill>
+              </a:rPr>
+              <a:t>==</a:t>
+            </a:r>
+          </a:p>
+        </p:txBody>
+      </p:sp>
+      <p:sp>
+        <p:nvSpPr>
+          <p:cNvPr id="4" name="Title 3">
+            <a:extLst>
+              <a:ext uri="{FF2B5EF4-FFF2-40B4-BE49-F238E27FC236}">
+                <a16:creationId xmlns:a16="http://schemas.microsoft.com/office/drawing/2014/main" id="{F62C45C7-13CB-45AD-91CB-273D9326DB01}"/>
+              </a:ext>
+            </a:extLst>
+          </p:cNvPr>
+          <p:cNvSpPr>
+            <a:spLocks noGrp="1"/>
+          </p:cNvSpPr>
+          <p:nvPr>
+            <p:ph type="title" sz="quarter" idx="10"/>
+          </p:nvPr>
+        </p:nvSpPr>
+        <p:spPr/>
+        <p:txBody>
+          <a:bodyPr/>
+          <a:lstStyle/>
+          <a:p>
+            <a:r>
+              <a:rPr lang="bg-BG" dirty="0"/>
+              <a:t>Оператори за сравнение</a:t>
+            </a:r>
+          </a:p>
+        </p:txBody>
+      </p:sp>
+    </p:spTree>
+    <p:extLst>
+      <p:ext uri="{BB962C8B-B14F-4D97-AF65-F5344CB8AC3E}">
+        <p14:creationId xmlns:p14="http://schemas.microsoft.com/office/powerpoint/2010/main" val="3350977406"/>
+      </p:ext>
+    </p:extLst>
+  </p:cSld>
+  <p:clrMapOvr>
+    <a:masterClrMapping/>
+  </p:clrMapOvr>
+  <mc:AlternateContent xmlns:mc="http://schemas.openxmlformats.org/markup-compatibility/2006" xmlns:p14="http://schemas.microsoft.com/office/powerpoint/2010/main">
+    <mc:Choice Requires="p14">
+      <p:transition p14:dur="0" advClick="0" advTm="5000"/>
+    </mc:Choice>
+    <mc:Fallback xmlns="">
+      <p:transition advClick="0" advTm="5000"/>
+    </mc:Fallback>
+  </mc:AlternateContent>
+</p:sld>
+</file>
+
+<file path=ppt/slides/slide30.xml><?xml version="1.0" encoding="utf-8"?>
 <p:sld xmlns:a="http://schemas.openxmlformats.org/drawingml/2006/main" xmlns:r="http://schemas.openxmlformats.org/officeDocument/2006/relationships" xmlns:p="http://schemas.openxmlformats.org/presentationml/2006/main">
   <p:cSld>
     <p:spTree>
@@ -31976,7 +29110,7 @@
             <a:fld id="{2BF067CD-8E6B-4360-9AA8-C5DF2A48A6D1}" type="slidenum">
               <a:rPr lang="en-US" noProof="0" smtClean="0"/>
               <a:pPr/>
-              <a:t>34</a:t>
+              <a:t>30</a:t>
             </a:fld>
             <a:endParaRPr lang="en-US" noProof="0" dirty="0"/>
           </a:p>
@@ -32346,7 +29480,7 @@
 </p:sld>
 </file>
 
-<file path=ppt/slides/slide35.xml><?xml version="1.0" encoding="utf-8"?>
+<file path=ppt/slides/slide31.xml><?xml version="1.0" encoding="utf-8"?>
 <p:sld xmlns:a="http://schemas.openxmlformats.org/drawingml/2006/main" xmlns:r="http://schemas.openxmlformats.org/officeDocument/2006/relationships" xmlns:p="http://schemas.openxmlformats.org/presentationml/2006/main">
   <p:cSld>
     <p:spTree>
@@ -32509,7 +29643,7 @@
                 </a:solidFill>
                 <a:latin typeface="Consolas" panose="020B0609020204030204" pitchFamily="49" charset="0"/>
               </a:rPr>
-              <a:t>добавете всички плодове</a:t>
+              <a:t>Добавете всички плодове</a:t>
             </a:r>
             <a:endParaRPr lang="en-US" sz="1999" b="1" i="1" noProof="1">
               <a:solidFill>
@@ -32615,7 +29749,7 @@
                 </a:solidFill>
                 <a:latin typeface="Consolas" panose="020B0609020204030204" pitchFamily="49" charset="0"/>
               </a:rPr>
-              <a:t>: добавете всички зеленчуци</a:t>
+              <a:t>: Добавете всички зеленчуци</a:t>
             </a:r>
             <a:endParaRPr lang="en-US" sz="1999" b="1" i="1" noProof="1">
               <a:solidFill>
@@ -32893,7 +30027,7 @@
             <a:fld id="{2BF067CD-8E6B-4360-9AA8-C5DF2A48A6D1}" type="slidenum">
               <a:rPr lang="en-US" noProof="0" smtClean="0"/>
               <a:pPr/>
-              <a:t>35</a:t>
+              <a:t>31</a:t>
             </a:fld>
             <a:endParaRPr lang="en-US" noProof="0" dirty="0"/>
           </a:p>
@@ -33407,7 +30541,7 @@
 </p:sld>
 </file>
 
-<file path=ppt/slides/slide36.xml><?xml version="1.0" encoding="utf-8"?>
+<file path=ppt/slides/slide32.xml><?xml version="1.0" encoding="utf-8"?>
 <p:sld xmlns:a="http://schemas.openxmlformats.org/drawingml/2006/main" xmlns:r="http://schemas.openxmlformats.org/officeDocument/2006/relationships" xmlns:p="http://schemas.openxmlformats.org/presentationml/2006/main">
   <p:cSld>
     <p:spTree>
@@ -34090,26 +31224,6 @@
                   <a:schemeClr val="bg2"/>
                 </a:solidFill>
               </a:rPr>
-              <a:t>Живот на променливата</a:t>
-            </a:r>
-            <a:endParaRPr lang="bg-BG" sz="3400" b="1" dirty="0">
-              <a:solidFill>
-                <a:schemeClr val="bg1">
-                  <a:lumMod val="60000"/>
-                  <a:lumOff val="40000"/>
-                </a:schemeClr>
-              </a:solidFill>
-              <a:latin typeface="Consolas" pitchFamily="49" charset="0"/>
-            </a:endParaRPr>
-          </a:p>
-          <a:p>
-            <a:pPr latinLnBrk="0"/>
-            <a:r>
-              <a:rPr lang="bg-BG" sz="3400" dirty="0">
-                <a:solidFill>
-                  <a:schemeClr val="bg2"/>
-                </a:solidFill>
-              </a:rPr>
               <a:t>Условна конструкция – </a:t>
             </a:r>
             <a:r>
@@ -34172,7 +31286,7 @@
             <a:fld id="{2BF067CD-8E6B-4360-9AA8-C5DF2A48A6D1}" type="slidenum">
               <a:rPr lang="en-US" noProof="0" smtClean="0"/>
               <a:pPr/>
-              <a:t>36</a:t>
+              <a:t>32</a:t>
             </a:fld>
             <a:endParaRPr lang="en-US" noProof="0" dirty="0"/>
           </a:p>
@@ -34351,55 +31465,6 @@
                       </p:childTnLst>
                     </p:cTn>
                   </p:par>
-                  <p:par>
-                    <p:cTn id="15" fill="hold">
-                      <p:stCondLst>
-                        <p:cond delay="indefinite"/>
-                      </p:stCondLst>
-                      <p:childTnLst>
-                        <p:par>
-                          <p:cTn id="16" fill="hold">
-                            <p:stCondLst>
-                              <p:cond delay="0"/>
-                            </p:stCondLst>
-                            <p:childTnLst>
-                              <p:par>
-                                <p:cTn id="17" presetID="1" presetClass="entr" presetSubtype="0" fill="hold" nodeType="clickEffect">
-                                  <p:stCondLst>
-                                    <p:cond delay="0"/>
-                                  </p:stCondLst>
-                                  <p:childTnLst>
-                                    <p:set>
-                                      <p:cBhvr>
-                                        <p:cTn id="18" dur="1" fill="hold">
-                                          <p:stCondLst>
-                                            <p:cond delay="0"/>
-                                          </p:stCondLst>
-                                        </p:cTn>
-                                        <p:tgtEl>
-                                          <p:spTgt spid="15">
-                                            <p:txEl>
-                                              <p:pRg st="4" end="4"/>
-                                            </p:txEl>
-                                          </p:spTgt>
-                                        </p:tgtEl>
-                                        <p:attrNameLst>
-                                          <p:attrName>style.visibility</p:attrName>
-                                        </p:attrNameLst>
-                                      </p:cBhvr>
-                                      <p:to>
-                                        <p:strVal val="visible"/>
-                                      </p:to>
-                                    </p:set>
-                                  </p:childTnLst>
-                                </p:cTn>
-                              </p:par>
-                            </p:childTnLst>
-                          </p:cTn>
-                        </p:par>
-                      </p:childTnLst>
-                    </p:cTn>
-                  </p:par>
                 </p:childTnLst>
               </p:cTn>
               <p:prevCondLst>
@@ -34425,7 +31490,7 @@
 </p:sld>
 </file>
 
-<file path=ppt/slides/slide37.xml><?xml version="1.0" encoding="utf-8"?>
+<file path=ppt/slides/slide33.xml><?xml version="1.0" encoding="utf-8"?>
 <p:sld xmlns:a="http://schemas.openxmlformats.org/drawingml/2006/main" xmlns:r="http://schemas.openxmlformats.org/officeDocument/2006/relationships" xmlns:p="http://schemas.openxmlformats.org/presentationml/2006/main">
   <p:cSld>
     <p:spTree>
@@ -34504,7 +31569,7 @@
 </p:sld>
 </file>
 
-<file path=ppt/slides/slide38.xml><?xml version="1.0" encoding="utf-8"?>
+<file path=ppt/slides/slide34.xml><?xml version="1.0" encoding="utf-8"?>
 <p:sld xmlns:a="http://schemas.openxmlformats.org/drawingml/2006/main" xmlns:r="http://schemas.openxmlformats.org/officeDocument/2006/relationships" xmlns:p="http://schemas.openxmlformats.org/presentationml/2006/main">
   <p:cSld>
     <p:spTree>
@@ -34768,7 +31833,7 @@
             <a:fld id="{2BF067CD-8E6B-4360-9AA8-C5DF2A48A6D1}" type="slidenum">
               <a:rPr lang="en-US" noProof="0" smtClean="0"/>
               <a:pPr/>
-              <a:t>38</a:t>
+              <a:t>34</a:t>
             </a:fld>
             <a:endParaRPr lang="en-US" noProof="0" dirty="0"/>
           </a:p>
@@ -34795,7 +31860,7 @@
 </p:sld>
 </file>
 
-<file path=ppt/slides/slide39.xml><?xml version="1.0" encoding="utf-8"?>
+<file path=ppt/slides/slide35.xml><?xml version="1.0" encoding="utf-8"?>
 <p:sld xmlns:a="http://schemas.openxmlformats.org/drawingml/2006/main" xmlns:r="http://schemas.openxmlformats.org/officeDocument/2006/relationships" xmlns:p="http://schemas.openxmlformats.org/presentationml/2006/main">
   <p:cSld>
     <p:spTree>
@@ -35101,7 +32166,7 @@
             <a:fld id="{2BF067CD-8E6B-4360-9AA8-C5DF2A48A6D1}" type="slidenum">
               <a:rPr lang="en-US" smtClean="0"/>
               <a:pPr/>
-              <a:t>39</a:t>
+              <a:t>35</a:t>
             </a:fld>
             <a:endParaRPr lang="en-US" dirty="0"/>
           </a:p>
@@ -40762,15 +37827,16 @@
             </a:avLst>
           </a:prstGeom>
           <a:solidFill>
-            <a:srgbClr val="2E6770">
+            <a:schemeClr val="tx2">
               <a:alpha val="80000"/>
-            </a:srgbClr>
+            </a:schemeClr>
           </a:solidFill>
           <a:ln w="19050">
             <a:solidFill>
-              <a:srgbClr val="50A9B8">
+              <a:schemeClr val="tx1">
+                <a:lumMod val="50000"/>
                 <a:alpha val="80000"/>
-              </a:srgbClr>
+              </a:schemeClr>
             </a:solidFill>
           </a:ln>
         </p:spPr>
